--- a/pubs/pharma.pptx
+++ b/pubs/pharma.pptx
@@ -5,17 +5,17 @@
     <p:sldMasterId id="2147483649" r:id="rId5"/>
   </p:sldMasterIdLst>
   <p:notesMasterIdLst>
-    <p:notesMasterId r:id="rId22"/>
+    <p:notesMasterId r:id="rId24"/>
   </p:notesMasterIdLst>
   <p:handoutMasterIdLst>
-    <p:handoutMasterId r:id="rId23"/>
+    <p:handoutMasterId r:id="rId25"/>
   </p:handoutMasterIdLst>
   <p:sldIdLst>
     <p:sldId id="381" r:id="rId6"/>
     <p:sldId id="395" r:id="rId7"/>
-    <p:sldId id="382" r:id="rId8"/>
+    <p:sldId id="392" r:id="rId8"/>
     <p:sldId id="383" r:id="rId9"/>
-    <p:sldId id="392" r:id="rId10"/>
+    <p:sldId id="397" r:id="rId10"/>
     <p:sldId id="393" r:id="rId11"/>
     <p:sldId id="394" r:id="rId12"/>
     <p:sldId id="384" r:id="rId13"/>
@@ -25,8 +25,10 @@
     <p:sldId id="389" r:id="rId17"/>
     <p:sldId id="390" r:id="rId18"/>
     <p:sldId id="391" r:id="rId19"/>
-    <p:sldId id="396" r:id="rId20"/>
-    <p:sldId id="351" r:id="rId21"/>
+    <p:sldId id="398" r:id="rId20"/>
+    <p:sldId id="396" r:id="rId21"/>
+    <p:sldId id="399" r:id="rId22"/>
+    <p:sldId id="351" r:id="rId23"/>
   </p:sldIdLst>
   <p:sldSz cx="9144000" cy="6858000" type="screen4x3"/>
   <p:notesSz cx="7023100" cy="9309100"/>
@@ -1157,7 +1159,7 @@
                 <a:cs typeface="ＭＳ Ｐゴシック"/>
               </a:rPr>
               <a:pPr/>
-              <a:t>16</a:t>
+              <a:t>18</a:t>
             </a:fld>
             <a:endParaRPr lang="en-US" smtClean="0">
               <a:latin typeface="Arial" pitchFamily="34" charset="0"/>
@@ -5287,63 +5289,8 @@
           <a:p>
             <a:r>
               <a:rPr lang="en-US" dirty="0" smtClean="0"/>
-              <a:t>Summary</a:t>
-            </a:r>
-            <a:endParaRPr lang="en-US" dirty="0"/>
-          </a:p>
-        </p:txBody>
-      </p:sp>
-      <p:sp>
-        <p:nvSpPr>
-          <p:cNvPr id="3" name="Content Placeholder 2"/>
-          <p:cNvSpPr>
-            <a:spLocks noGrp="1"/>
-          </p:cNvSpPr>
-          <p:nvPr>
-            <p:ph idx="1"/>
-          </p:nvPr>
-        </p:nvSpPr>
-        <p:spPr/>
-        <p:txBody>
-          <a:bodyPr/>
-          <a:lstStyle/>
-          <a:p>
-            <a:r>
-              <a:rPr lang="en-US" dirty="0" smtClean="0"/>
-              <a:t>Significant increase in market share of Specialty Drugs, both in terms of FDA approvals and claims</a:t>
-            </a:r>
-          </a:p>
-          <a:p>
-            <a:endParaRPr lang="en-US" dirty="0" smtClean="0"/>
-          </a:p>
-          <a:p>
-            <a:r>
-              <a:rPr lang="en-US" dirty="0" smtClean="0"/>
-              <a:t>Stocking and dispensing specialty drugs requires specialist handling</a:t>
-            </a:r>
-          </a:p>
-          <a:p>
-            <a:endParaRPr lang="en-US" dirty="0" smtClean="0"/>
-          </a:p>
-          <a:p>
-            <a:r>
-              <a:rPr lang="en-US" dirty="0" smtClean="0"/>
-              <a:t>Specialty therapies target rare diseases </a:t>
-            </a:r>
-          </a:p>
-          <a:p>
-            <a:endParaRPr lang="en-US" dirty="0" smtClean="0"/>
-          </a:p>
-          <a:p>
-            <a:r>
-              <a:rPr lang="en-US" dirty="0" smtClean="0"/>
-              <a:t>Largest therapy growth is seen in inflammatory conditions and multiple sclerosis</a:t>
-            </a:r>
-          </a:p>
-          <a:p>
-            <a:endParaRPr lang="en-US" dirty="0" smtClean="0"/>
-          </a:p>
-          <a:p>
+              <a:t>Top 20 Specialty Therapies – by sales</a:t>
+            </a:r>
             <a:endParaRPr lang="en-US" dirty="0"/>
           </a:p>
         </p:txBody>
@@ -5377,6 +5324,2684 @@
           </a:p>
         </p:txBody>
       </p:sp>
+      <p:graphicFrame>
+        <p:nvGraphicFramePr>
+          <p:cNvPr id="5" name="Table 4"/>
+          <p:cNvGraphicFramePr>
+            <a:graphicFrameLocks noGrp="1"/>
+          </p:cNvGraphicFramePr>
+          <p:nvPr>
+            <p:extLst>
+              <p:ext uri="{D42A27DB-BD31-4B8C-83A1-F6EECF244321}">
+                <p14:modId xmlns:p14="http://schemas.microsoft.com/office/powerpoint/2010/main" val="1399144833"/>
+              </p:ext>
+            </p:extLst>
+          </p:nvPr>
+        </p:nvGraphicFramePr>
+        <p:xfrm>
+          <a:off x="304800" y="990600"/>
+          <a:ext cx="8382000" cy="5435600"/>
+        </p:xfrm>
+        <a:graphic>
+          <a:graphicData uri="http://schemas.openxmlformats.org/drawingml/2006/table">
+            <a:tbl>
+              <a:tblPr firstRow="1" bandRow="1">
+                <a:tableStyleId>{5C22544A-7EE6-4342-B048-85BDC9FD1C3A}</a:tableStyleId>
+              </a:tblPr>
+              <a:tblGrid>
+                <a:gridCol w="1194619"/>
+                <a:gridCol w="1167581"/>
+                <a:gridCol w="3505200"/>
+                <a:gridCol w="1219200"/>
+                <a:gridCol w="1295400"/>
+              </a:tblGrid>
+              <a:tr h="304800">
+                <a:tc>
+                  <a:txBody>
+                    <a:bodyPr/>
+                    <a:lstStyle/>
+                    <a:p>
+                      <a:pPr algn="l" fontAlgn="b"/>
+                      <a:r>
+                        <a:rPr lang="en-US" sz="1800" u="none" strike="noStrike">
+                          <a:effectLst/>
+                        </a:rPr>
+                        <a:t>Product</a:t>
+                      </a:r>
+                      <a:endParaRPr lang="en-US" sz="1800" b="0" i="0" u="none" strike="noStrike">
+                        <a:solidFill>
+                          <a:srgbClr val="000000"/>
+                        </a:solidFill>
+                        <a:effectLst/>
+                        <a:latin typeface="Calibri"/>
+                      </a:endParaRPr>
+                    </a:p>
+                  </a:txBody>
+                  <a:tcPr marL="12700" marR="12700" marT="12700" marB="0" anchor="b"/>
+                </a:tc>
+                <a:tc>
+                  <a:txBody>
+                    <a:bodyPr/>
+                    <a:lstStyle/>
+                    <a:p>
+                      <a:pPr algn="ctr" fontAlgn="b"/>
+                      <a:r>
+                        <a:rPr lang="en-US" sz="1800" u="none" strike="noStrike" dirty="0">
+                          <a:effectLst/>
+                        </a:rPr>
+                        <a:t>Sales ($B)</a:t>
+                      </a:r>
+                      <a:endParaRPr lang="en-US" sz="1800" b="0" i="0" u="none" strike="noStrike" dirty="0">
+                        <a:solidFill>
+                          <a:srgbClr val="000000"/>
+                        </a:solidFill>
+                        <a:effectLst/>
+                        <a:latin typeface="Calibri"/>
+                      </a:endParaRPr>
+                    </a:p>
+                  </a:txBody>
+                  <a:tcPr marL="12700" marR="12700" marT="12700" marB="0" anchor="b"/>
+                </a:tc>
+                <a:tc>
+                  <a:txBody>
+                    <a:bodyPr/>
+                    <a:lstStyle/>
+                    <a:p>
+                      <a:pPr algn="l" fontAlgn="b"/>
+                      <a:r>
+                        <a:rPr lang="en-US" sz="1800" u="none" strike="noStrike">
+                          <a:effectLst/>
+                        </a:rPr>
+                        <a:t>Indication</a:t>
+                      </a:r>
+                      <a:endParaRPr lang="en-US" sz="1800" b="0" i="0" u="none" strike="noStrike">
+                        <a:solidFill>
+                          <a:srgbClr val="000000"/>
+                        </a:solidFill>
+                        <a:effectLst/>
+                        <a:latin typeface="Calibri"/>
+                      </a:endParaRPr>
+                    </a:p>
+                  </a:txBody>
+                  <a:tcPr marL="12700" marR="12700" marT="12700" marB="0" anchor="b"/>
+                </a:tc>
+                <a:tc>
+                  <a:txBody>
+                    <a:bodyPr/>
+                    <a:lstStyle/>
+                    <a:p>
+                      <a:pPr algn="ctr" fontAlgn="b"/>
+                      <a:r>
+                        <a:rPr lang="en-US" sz="1800" u="none" strike="noStrike" dirty="0" smtClean="0">
+                          <a:effectLst/>
+                        </a:rPr>
+                        <a:t>2011</a:t>
+                      </a:r>
+                      <a:r>
+                        <a:rPr lang="en-US" sz="1800" u="none" strike="noStrike" baseline="0" dirty="0" smtClean="0">
+                          <a:effectLst/>
+                        </a:rPr>
+                        <a:t> </a:t>
+                      </a:r>
+                      <a:r>
+                        <a:rPr lang="en-US" sz="1800" u="none" strike="noStrike" dirty="0" smtClean="0">
+                          <a:effectLst/>
+                        </a:rPr>
+                        <a:t>Rank</a:t>
+                      </a:r>
+                      <a:endParaRPr lang="en-US" sz="1800" b="0" i="0" u="none" strike="noStrike" dirty="0">
+                        <a:solidFill>
+                          <a:srgbClr val="000000"/>
+                        </a:solidFill>
+                        <a:effectLst/>
+                        <a:latin typeface="Calibri"/>
+                      </a:endParaRPr>
+                    </a:p>
+                  </a:txBody>
+                  <a:tcPr marL="12700" marR="12700" marT="12700" marB="0" anchor="b"/>
+                </a:tc>
+                <a:tc>
+                  <a:txBody>
+                    <a:bodyPr/>
+                    <a:lstStyle/>
+                    <a:p>
+                      <a:pPr algn="ctr" fontAlgn="b"/>
+                      <a:r>
+                        <a:rPr lang="en-US" sz="1800" u="none" strike="noStrike" dirty="0">
+                          <a:effectLst/>
+                        </a:rPr>
+                        <a:t>2010 Rank</a:t>
+                      </a:r>
+                      <a:endParaRPr lang="en-US" sz="1800" b="0" i="0" u="none" strike="noStrike" dirty="0">
+                        <a:solidFill>
+                          <a:srgbClr val="000000"/>
+                        </a:solidFill>
+                        <a:effectLst/>
+                        <a:latin typeface="Calibri"/>
+                      </a:endParaRPr>
+                    </a:p>
+                  </a:txBody>
+                  <a:tcPr marL="12700" marR="12700" marT="12700" marB="0" anchor="b"/>
+                </a:tc>
+              </a:tr>
+              <a:tr h="223234">
+                <a:tc>
+                  <a:txBody>
+                    <a:bodyPr/>
+                    <a:lstStyle/>
+                    <a:p>
+                      <a:pPr algn="l" fontAlgn="b"/>
+                      <a:r>
+                        <a:rPr lang="en-US" sz="1600" u="none" strike="noStrike">
+                          <a:effectLst/>
+                        </a:rPr>
+                        <a:t>Humira</a:t>
+                      </a:r>
+                      <a:endParaRPr lang="en-US" sz="1600" b="0" i="0" u="none" strike="noStrike">
+                        <a:solidFill>
+                          <a:srgbClr val="000000"/>
+                        </a:solidFill>
+                        <a:effectLst/>
+                        <a:latin typeface="Calibri"/>
+                      </a:endParaRPr>
+                    </a:p>
+                  </a:txBody>
+                  <a:tcPr marL="12700" marR="12700" marT="12700" marB="0" anchor="b"/>
+                </a:tc>
+                <a:tc>
+                  <a:txBody>
+                    <a:bodyPr/>
+                    <a:lstStyle/>
+                    <a:p>
+                      <a:pPr algn="ctr" fontAlgn="b"/>
+                      <a:r>
+                        <a:rPr lang="en-US" sz="1600" u="none" strike="noStrike">
+                          <a:effectLst/>
+                        </a:rPr>
+                        <a:t>3.52</a:t>
+                      </a:r>
+                      <a:endParaRPr lang="en-US" sz="1600" b="0" i="0" u="none" strike="noStrike">
+                        <a:solidFill>
+                          <a:srgbClr val="000000"/>
+                        </a:solidFill>
+                        <a:effectLst/>
+                        <a:latin typeface="Calibri"/>
+                      </a:endParaRPr>
+                    </a:p>
+                  </a:txBody>
+                  <a:tcPr marL="12700" marR="12700" marT="12700" marB="0" anchor="b"/>
+                </a:tc>
+                <a:tc>
+                  <a:txBody>
+                    <a:bodyPr/>
+                    <a:lstStyle/>
+                    <a:p>
+                      <a:pPr algn="l" fontAlgn="b"/>
+                      <a:r>
+                        <a:rPr lang="en-US" sz="1600" u="none" strike="noStrike">
+                          <a:effectLst/>
+                        </a:rPr>
+                        <a:t>Rheumatoid arthritis, Crohn's disease</a:t>
+                      </a:r>
+                      <a:endParaRPr lang="en-US" sz="1600" b="0" i="0" u="none" strike="noStrike">
+                        <a:solidFill>
+                          <a:srgbClr val="000000"/>
+                        </a:solidFill>
+                        <a:effectLst/>
+                        <a:latin typeface="Calibri"/>
+                      </a:endParaRPr>
+                    </a:p>
+                  </a:txBody>
+                  <a:tcPr marL="12700" marR="12700" marT="12700" marB="0" anchor="b"/>
+                </a:tc>
+                <a:tc>
+                  <a:txBody>
+                    <a:bodyPr/>
+                    <a:lstStyle/>
+                    <a:p>
+                      <a:pPr algn="ctr" fontAlgn="b"/>
+                      <a:r>
+                        <a:rPr lang="en-US" sz="1600" u="none" strike="noStrike">
+                          <a:effectLst/>
+                        </a:rPr>
+                        <a:t>1</a:t>
+                      </a:r>
+                      <a:endParaRPr lang="en-US" sz="1600" b="0" i="0" u="none" strike="noStrike">
+                        <a:solidFill>
+                          <a:srgbClr val="000000"/>
+                        </a:solidFill>
+                        <a:effectLst/>
+                        <a:latin typeface="Calibri"/>
+                      </a:endParaRPr>
+                    </a:p>
+                  </a:txBody>
+                  <a:tcPr marL="12700" marR="12700" marT="12700" marB="0" anchor="b"/>
+                </a:tc>
+                <a:tc>
+                  <a:txBody>
+                    <a:bodyPr/>
+                    <a:lstStyle/>
+                    <a:p>
+                      <a:pPr algn="ctr" fontAlgn="b"/>
+                      <a:r>
+                        <a:rPr lang="en-US" sz="1600" u="none" strike="noStrike" dirty="0">
+                          <a:effectLst/>
+                        </a:rPr>
+                        <a:t>6</a:t>
+                      </a:r>
+                      <a:endParaRPr lang="en-US" sz="1600" b="0" i="0" u="none" strike="noStrike" dirty="0">
+                        <a:solidFill>
+                          <a:srgbClr val="000000"/>
+                        </a:solidFill>
+                        <a:effectLst/>
+                        <a:latin typeface="Calibri"/>
+                      </a:endParaRPr>
+                    </a:p>
+                  </a:txBody>
+                  <a:tcPr marL="12700" marR="12700" marT="12700" marB="0" anchor="b"/>
+                </a:tc>
+              </a:tr>
+              <a:tr h="223234">
+                <a:tc>
+                  <a:txBody>
+                    <a:bodyPr/>
+                    <a:lstStyle/>
+                    <a:p>
+                      <a:pPr algn="l" fontAlgn="b"/>
+                      <a:r>
+                        <a:rPr lang="en-US" sz="1600" u="none" strike="noStrike">
+                          <a:effectLst/>
+                        </a:rPr>
+                        <a:t>Enbrel</a:t>
+                      </a:r>
+                      <a:endParaRPr lang="en-US" sz="1600" b="0" i="0" u="none" strike="noStrike">
+                        <a:solidFill>
+                          <a:srgbClr val="000000"/>
+                        </a:solidFill>
+                        <a:effectLst/>
+                        <a:latin typeface="Calibri"/>
+                      </a:endParaRPr>
+                    </a:p>
+                  </a:txBody>
+                  <a:tcPr marL="12700" marR="12700" marT="12700" marB="0" anchor="b"/>
+                </a:tc>
+                <a:tc>
+                  <a:txBody>
+                    <a:bodyPr/>
+                    <a:lstStyle/>
+                    <a:p>
+                      <a:pPr algn="ctr" fontAlgn="b"/>
+                      <a:r>
+                        <a:rPr lang="en-US" sz="1600" u="none" strike="noStrike">
+                          <a:effectLst/>
+                        </a:rPr>
+                        <a:t>3.51</a:t>
+                      </a:r>
+                      <a:endParaRPr lang="en-US" sz="1600" b="0" i="0" u="none" strike="noStrike">
+                        <a:solidFill>
+                          <a:srgbClr val="000000"/>
+                        </a:solidFill>
+                        <a:effectLst/>
+                        <a:latin typeface="Calibri"/>
+                      </a:endParaRPr>
+                    </a:p>
+                  </a:txBody>
+                  <a:tcPr marL="12700" marR="12700" marT="12700" marB="0" anchor="b"/>
+                </a:tc>
+                <a:tc>
+                  <a:txBody>
+                    <a:bodyPr/>
+                    <a:lstStyle/>
+                    <a:p>
+                      <a:pPr algn="l" fontAlgn="b"/>
+                      <a:r>
+                        <a:rPr lang="en-US" sz="1600" u="none" strike="noStrike">
+                          <a:effectLst/>
+                        </a:rPr>
+                        <a:t>Rheumatoid arthritis</a:t>
+                      </a:r>
+                      <a:endParaRPr lang="en-US" sz="1600" b="0" i="0" u="none" strike="noStrike">
+                        <a:solidFill>
+                          <a:srgbClr val="000000"/>
+                        </a:solidFill>
+                        <a:effectLst/>
+                        <a:latin typeface="Calibri"/>
+                      </a:endParaRPr>
+                    </a:p>
+                  </a:txBody>
+                  <a:tcPr marL="12700" marR="12700" marT="12700" marB="0" anchor="b"/>
+                </a:tc>
+                <a:tc>
+                  <a:txBody>
+                    <a:bodyPr/>
+                    <a:lstStyle/>
+                    <a:p>
+                      <a:pPr algn="ctr" fontAlgn="b"/>
+                      <a:r>
+                        <a:rPr lang="en-US" sz="1600" u="none" strike="noStrike">
+                          <a:effectLst/>
+                        </a:rPr>
+                        <a:t>2</a:t>
+                      </a:r>
+                      <a:endParaRPr lang="en-US" sz="1600" b="0" i="0" u="none" strike="noStrike">
+                        <a:solidFill>
+                          <a:srgbClr val="000000"/>
+                        </a:solidFill>
+                        <a:effectLst/>
+                        <a:latin typeface="Calibri"/>
+                      </a:endParaRPr>
+                    </a:p>
+                  </a:txBody>
+                  <a:tcPr marL="12700" marR="12700" marT="12700" marB="0" anchor="b"/>
+                </a:tc>
+                <a:tc>
+                  <a:txBody>
+                    <a:bodyPr/>
+                    <a:lstStyle/>
+                    <a:p>
+                      <a:pPr algn="ctr" fontAlgn="b"/>
+                      <a:r>
+                        <a:rPr lang="en-US" sz="1600" u="none" strike="noStrike" dirty="0">
+                          <a:effectLst/>
+                        </a:rPr>
+                        <a:t>3</a:t>
+                      </a:r>
+                      <a:endParaRPr lang="en-US" sz="1600" b="0" i="0" u="none" strike="noStrike" dirty="0">
+                        <a:solidFill>
+                          <a:srgbClr val="000000"/>
+                        </a:solidFill>
+                        <a:effectLst/>
+                        <a:latin typeface="Calibri"/>
+                      </a:endParaRPr>
+                    </a:p>
+                  </a:txBody>
+                  <a:tcPr marL="12700" marR="12700" marT="12700" marB="0" anchor="b"/>
+                </a:tc>
+              </a:tr>
+              <a:tr h="223234">
+                <a:tc>
+                  <a:txBody>
+                    <a:bodyPr/>
+                    <a:lstStyle/>
+                    <a:p>
+                      <a:pPr algn="l" fontAlgn="b"/>
+                      <a:r>
+                        <a:rPr lang="en-US" sz="1600" u="none" strike="noStrike">
+                          <a:effectLst/>
+                        </a:rPr>
+                        <a:t>Remicade</a:t>
+                      </a:r>
+                      <a:endParaRPr lang="en-US" sz="1600" b="0" i="0" u="none" strike="noStrike">
+                        <a:solidFill>
+                          <a:srgbClr val="000000"/>
+                        </a:solidFill>
+                        <a:effectLst/>
+                        <a:latin typeface="Calibri"/>
+                      </a:endParaRPr>
+                    </a:p>
+                  </a:txBody>
+                  <a:tcPr marL="12700" marR="12700" marT="12700" marB="0" anchor="b"/>
+                </a:tc>
+                <a:tc>
+                  <a:txBody>
+                    <a:bodyPr/>
+                    <a:lstStyle/>
+                    <a:p>
+                      <a:pPr algn="ctr" fontAlgn="b"/>
+                      <a:r>
+                        <a:rPr lang="en-US" sz="1600" u="none" strike="noStrike">
+                          <a:effectLst/>
+                        </a:rPr>
+                        <a:t>3.47</a:t>
+                      </a:r>
+                      <a:endParaRPr lang="en-US" sz="1600" b="0" i="0" u="none" strike="noStrike">
+                        <a:solidFill>
+                          <a:srgbClr val="000000"/>
+                        </a:solidFill>
+                        <a:effectLst/>
+                        <a:latin typeface="Calibri"/>
+                      </a:endParaRPr>
+                    </a:p>
+                  </a:txBody>
+                  <a:tcPr marL="12700" marR="12700" marT="12700" marB="0" anchor="b"/>
+                </a:tc>
+                <a:tc>
+                  <a:txBody>
+                    <a:bodyPr/>
+                    <a:lstStyle/>
+                    <a:p>
+                      <a:pPr algn="l" fontAlgn="b"/>
+                      <a:r>
+                        <a:rPr lang="en-US" sz="1600" u="none" strike="noStrike">
+                          <a:effectLst/>
+                        </a:rPr>
+                        <a:t>Rheumatoid arthritis, Crohn's disease</a:t>
+                      </a:r>
+                      <a:endParaRPr lang="en-US" sz="1600" b="0" i="0" u="none" strike="noStrike">
+                        <a:solidFill>
+                          <a:srgbClr val="000000"/>
+                        </a:solidFill>
+                        <a:effectLst/>
+                        <a:latin typeface="Calibri"/>
+                      </a:endParaRPr>
+                    </a:p>
+                  </a:txBody>
+                  <a:tcPr marL="12700" marR="12700" marT="12700" marB="0" anchor="b"/>
+                </a:tc>
+                <a:tc>
+                  <a:txBody>
+                    <a:bodyPr/>
+                    <a:lstStyle/>
+                    <a:p>
+                      <a:pPr algn="ctr" fontAlgn="b"/>
+                      <a:r>
+                        <a:rPr lang="en-US" sz="1600" u="none" strike="noStrike">
+                          <a:effectLst/>
+                        </a:rPr>
+                        <a:t>3</a:t>
+                      </a:r>
+                      <a:endParaRPr lang="en-US" sz="1600" b="0" i="0" u="none" strike="noStrike">
+                        <a:solidFill>
+                          <a:srgbClr val="000000"/>
+                        </a:solidFill>
+                        <a:effectLst/>
+                        <a:latin typeface="Calibri"/>
+                      </a:endParaRPr>
+                    </a:p>
+                  </a:txBody>
+                  <a:tcPr marL="12700" marR="12700" marT="12700" marB="0" anchor="b"/>
+                </a:tc>
+                <a:tc>
+                  <a:txBody>
+                    <a:bodyPr/>
+                    <a:lstStyle/>
+                    <a:p>
+                      <a:pPr algn="ctr" fontAlgn="b"/>
+                      <a:r>
+                        <a:rPr lang="en-US" sz="1600" u="none" strike="noStrike" dirty="0">
+                          <a:effectLst/>
+                        </a:rPr>
+                        <a:t>2</a:t>
+                      </a:r>
+                      <a:endParaRPr lang="en-US" sz="1600" b="0" i="0" u="none" strike="noStrike" dirty="0">
+                        <a:solidFill>
+                          <a:srgbClr val="000000"/>
+                        </a:solidFill>
+                        <a:effectLst/>
+                        <a:latin typeface="Calibri"/>
+                      </a:endParaRPr>
+                    </a:p>
+                  </a:txBody>
+                  <a:tcPr marL="12700" marR="12700" marT="12700" marB="0" anchor="b"/>
+                </a:tc>
+              </a:tr>
+              <a:tr h="223234">
+                <a:tc>
+                  <a:txBody>
+                    <a:bodyPr/>
+                    <a:lstStyle/>
+                    <a:p>
+                      <a:pPr algn="l" fontAlgn="b"/>
+                      <a:r>
+                        <a:rPr lang="en-US" sz="1600" u="none" strike="noStrike">
+                          <a:effectLst/>
+                        </a:rPr>
+                        <a:t>Neulasta</a:t>
+                      </a:r>
+                      <a:endParaRPr lang="en-US" sz="1600" b="0" i="0" u="none" strike="noStrike">
+                        <a:solidFill>
+                          <a:srgbClr val="000000"/>
+                        </a:solidFill>
+                        <a:effectLst/>
+                        <a:latin typeface="Calibri"/>
+                      </a:endParaRPr>
+                    </a:p>
+                  </a:txBody>
+                  <a:tcPr marL="12700" marR="12700" marT="12700" marB="0" anchor="b"/>
+                </a:tc>
+                <a:tc>
+                  <a:txBody>
+                    <a:bodyPr/>
+                    <a:lstStyle/>
+                    <a:p>
+                      <a:pPr algn="ctr" fontAlgn="b"/>
+                      <a:r>
+                        <a:rPr lang="en-US" sz="1600" u="none" strike="noStrike">
+                          <a:effectLst/>
+                        </a:rPr>
+                        <a:t>3.32</a:t>
+                      </a:r>
+                      <a:endParaRPr lang="en-US" sz="1600" b="0" i="0" u="none" strike="noStrike">
+                        <a:solidFill>
+                          <a:srgbClr val="000000"/>
+                        </a:solidFill>
+                        <a:effectLst/>
+                        <a:latin typeface="Calibri"/>
+                      </a:endParaRPr>
+                    </a:p>
+                  </a:txBody>
+                  <a:tcPr marL="12700" marR="12700" marT="12700" marB="0" anchor="b"/>
+                </a:tc>
+                <a:tc>
+                  <a:txBody>
+                    <a:bodyPr/>
+                    <a:lstStyle/>
+                    <a:p>
+                      <a:pPr algn="l" fontAlgn="b"/>
+                      <a:r>
+                        <a:rPr lang="en-US" sz="1600" u="none" strike="noStrike">
+                          <a:effectLst/>
+                        </a:rPr>
+                        <a:t>Oncology</a:t>
+                      </a:r>
+                      <a:endParaRPr lang="en-US" sz="1600" b="0" i="0" u="none" strike="noStrike">
+                        <a:solidFill>
+                          <a:srgbClr val="000000"/>
+                        </a:solidFill>
+                        <a:effectLst/>
+                        <a:latin typeface="Calibri"/>
+                      </a:endParaRPr>
+                    </a:p>
+                  </a:txBody>
+                  <a:tcPr marL="12700" marR="12700" marT="12700" marB="0" anchor="b"/>
+                </a:tc>
+                <a:tc>
+                  <a:txBody>
+                    <a:bodyPr/>
+                    <a:lstStyle/>
+                    <a:p>
+                      <a:pPr algn="ctr" fontAlgn="b"/>
+                      <a:r>
+                        <a:rPr lang="en-US" sz="1600" u="none" strike="noStrike">
+                          <a:effectLst/>
+                        </a:rPr>
+                        <a:t>4</a:t>
+                      </a:r>
+                      <a:endParaRPr lang="en-US" sz="1600" b="0" i="0" u="none" strike="noStrike">
+                        <a:solidFill>
+                          <a:srgbClr val="000000"/>
+                        </a:solidFill>
+                        <a:effectLst/>
+                        <a:latin typeface="Calibri"/>
+                      </a:endParaRPr>
+                    </a:p>
+                  </a:txBody>
+                  <a:tcPr marL="12700" marR="12700" marT="12700" marB="0" anchor="b"/>
+                </a:tc>
+                <a:tc>
+                  <a:txBody>
+                    <a:bodyPr/>
+                    <a:lstStyle/>
+                    <a:p>
+                      <a:pPr algn="ctr" fontAlgn="b"/>
+                      <a:r>
+                        <a:rPr lang="en-US" sz="1600" u="none" strike="noStrike" dirty="0">
+                          <a:effectLst/>
+                        </a:rPr>
+                        <a:t>5</a:t>
+                      </a:r>
+                      <a:endParaRPr lang="en-US" sz="1600" b="0" i="0" u="none" strike="noStrike" dirty="0">
+                        <a:solidFill>
+                          <a:srgbClr val="000000"/>
+                        </a:solidFill>
+                        <a:effectLst/>
+                        <a:latin typeface="Calibri"/>
+                      </a:endParaRPr>
+                    </a:p>
+                  </a:txBody>
+                  <a:tcPr marL="12700" marR="12700" marT="12700" marB="0" anchor="b"/>
+                </a:tc>
+              </a:tr>
+              <a:tr h="223234">
+                <a:tc>
+                  <a:txBody>
+                    <a:bodyPr/>
+                    <a:lstStyle/>
+                    <a:p>
+                      <a:pPr algn="l" fontAlgn="b"/>
+                      <a:r>
+                        <a:rPr lang="en-US" sz="1600" u="none" strike="noStrike">
+                          <a:effectLst/>
+                        </a:rPr>
+                        <a:t>Rituxan</a:t>
+                      </a:r>
+                      <a:endParaRPr lang="en-US" sz="1600" b="0" i="0" u="none" strike="noStrike">
+                        <a:solidFill>
+                          <a:srgbClr val="000000"/>
+                        </a:solidFill>
+                        <a:effectLst/>
+                        <a:latin typeface="Calibri"/>
+                      </a:endParaRPr>
+                    </a:p>
+                  </a:txBody>
+                  <a:tcPr marL="12700" marR="12700" marT="12700" marB="0" anchor="b"/>
+                </a:tc>
+                <a:tc>
+                  <a:txBody>
+                    <a:bodyPr/>
+                    <a:lstStyle/>
+                    <a:p>
+                      <a:pPr algn="ctr" fontAlgn="b"/>
+                      <a:r>
+                        <a:rPr lang="en-US" sz="1600" u="none" strike="noStrike" dirty="0" smtClean="0">
+                          <a:effectLst/>
+                        </a:rPr>
+                        <a:t>3.00</a:t>
+                      </a:r>
+                      <a:endParaRPr lang="en-US" sz="1600" b="0" i="0" u="none" strike="noStrike" dirty="0">
+                        <a:solidFill>
+                          <a:srgbClr val="000000"/>
+                        </a:solidFill>
+                        <a:effectLst/>
+                        <a:latin typeface="Calibri"/>
+                      </a:endParaRPr>
+                    </a:p>
+                  </a:txBody>
+                  <a:tcPr marL="12700" marR="12700" marT="12700" marB="0" anchor="b"/>
+                </a:tc>
+                <a:tc>
+                  <a:txBody>
+                    <a:bodyPr/>
+                    <a:lstStyle/>
+                    <a:p>
+                      <a:pPr algn="l" fontAlgn="b"/>
+                      <a:r>
+                        <a:rPr lang="en-US" sz="1600" u="none" strike="noStrike">
+                          <a:effectLst/>
+                        </a:rPr>
+                        <a:t>Rheumatoid arthritis, Oncology</a:t>
+                      </a:r>
+                      <a:endParaRPr lang="en-US" sz="1600" b="0" i="0" u="none" strike="noStrike">
+                        <a:solidFill>
+                          <a:srgbClr val="000000"/>
+                        </a:solidFill>
+                        <a:effectLst/>
+                        <a:latin typeface="Calibri"/>
+                      </a:endParaRPr>
+                    </a:p>
+                  </a:txBody>
+                  <a:tcPr marL="12700" marR="12700" marT="12700" marB="0" anchor="b"/>
+                </a:tc>
+                <a:tc>
+                  <a:txBody>
+                    <a:bodyPr/>
+                    <a:lstStyle/>
+                    <a:p>
+                      <a:pPr algn="ctr" fontAlgn="b"/>
+                      <a:r>
+                        <a:rPr lang="en-US" sz="1600" u="none" strike="noStrike">
+                          <a:effectLst/>
+                        </a:rPr>
+                        <a:t>5</a:t>
+                      </a:r>
+                      <a:endParaRPr lang="en-US" sz="1600" b="0" i="0" u="none" strike="noStrike">
+                        <a:solidFill>
+                          <a:srgbClr val="000000"/>
+                        </a:solidFill>
+                        <a:effectLst/>
+                        <a:latin typeface="Calibri"/>
+                      </a:endParaRPr>
+                    </a:p>
+                  </a:txBody>
+                  <a:tcPr marL="12700" marR="12700" marT="12700" marB="0" anchor="b"/>
+                </a:tc>
+                <a:tc>
+                  <a:txBody>
+                    <a:bodyPr/>
+                    <a:lstStyle/>
+                    <a:p>
+                      <a:pPr algn="ctr" fontAlgn="b"/>
+                      <a:r>
+                        <a:rPr lang="en-US" sz="1600" u="none" strike="noStrike">
+                          <a:effectLst/>
+                        </a:rPr>
+                        <a:t>7</a:t>
+                      </a:r>
+                      <a:endParaRPr lang="en-US" sz="1600" b="0" i="0" u="none" strike="noStrike">
+                        <a:solidFill>
+                          <a:srgbClr val="000000"/>
+                        </a:solidFill>
+                        <a:effectLst/>
+                        <a:latin typeface="Calibri"/>
+                      </a:endParaRPr>
+                    </a:p>
+                  </a:txBody>
+                  <a:tcPr marL="12700" marR="12700" marT="12700" marB="0" anchor="b"/>
+                </a:tc>
+              </a:tr>
+              <a:tr h="223234">
+                <a:tc>
+                  <a:txBody>
+                    <a:bodyPr/>
+                    <a:lstStyle/>
+                    <a:p>
+                      <a:pPr algn="l" fontAlgn="b"/>
+                      <a:r>
+                        <a:rPr lang="en-US" sz="1600" u="none" strike="noStrike">
+                          <a:effectLst/>
+                        </a:rPr>
+                        <a:t>Copaxone</a:t>
+                      </a:r>
+                      <a:endParaRPr lang="en-US" sz="1600" b="0" i="0" u="none" strike="noStrike">
+                        <a:solidFill>
+                          <a:srgbClr val="000000"/>
+                        </a:solidFill>
+                        <a:effectLst/>
+                        <a:latin typeface="Calibri"/>
+                      </a:endParaRPr>
+                    </a:p>
+                  </a:txBody>
+                  <a:tcPr marL="12700" marR="12700" marT="12700" marB="0" anchor="b"/>
+                </a:tc>
+                <a:tc>
+                  <a:txBody>
+                    <a:bodyPr/>
+                    <a:lstStyle/>
+                    <a:p>
+                      <a:pPr algn="ctr" fontAlgn="b"/>
+                      <a:r>
+                        <a:rPr lang="en-US" sz="1600" u="none" strike="noStrike">
+                          <a:effectLst/>
+                        </a:rPr>
+                        <a:t>2.96</a:t>
+                      </a:r>
+                      <a:endParaRPr lang="en-US" sz="1600" b="0" i="0" u="none" strike="noStrike">
+                        <a:solidFill>
+                          <a:srgbClr val="000000"/>
+                        </a:solidFill>
+                        <a:effectLst/>
+                        <a:latin typeface="Calibri"/>
+                      </a:endParaRPr>
+                    </a:p>
+                  </a:txBody>
+                  <a:tcPr marL="12700" marR="12700" marT="12700" marB="0" anchor="b"/>
+                </a:tc>
+                <a:tc>
+                  <a:txBody>
+                    <a:bodyPr/>
+                    <a:lstStyle/>
+                    <a:p>
+                      <a:pPr algn="l" fontAlgn="b"/>
+                      <a:r>
+                        <a:rPr lang="en-US" sz="1600" u="none" strike="noStrike">
+                          <a:effectLst/>
+                        </a:rPr>
+                        <a:t>Multiple sclerosis</a:t>
+                      </a:r>
+                      <a:endParaRPr lang="en-US" sz="1600" b="0" i="0" u="none" strike="noStrike">
+                        <a:solidFill>
+                          <a:srgbClr val="000000"/>
+                        </a:solidFill>
+                        <a:effectLst/>
+                        <a:latin typeface="Calibri"/>
+                      </a:endParaRPr>
+                    </a:p>
+                  </a:txBody>
+                  <a:tcPr marL="12700" marR="12700" marT="12700" marB="0" anchor="b"/>
+                </a:tc>
+                <a:tc>
+                  <a:txBody>
+                    <a:bodyPr/>
+                    <a:lstStyle/>
+                    <a:p>
+                      <a:pPr algn="ctr" fontAlgn="b"/>
+                      <a:r>
+                        <a:rPr lang="en-US" sz="1600" u="none" strike="noStrike">
+                          <a:effectLst/>
+                        </a:rPr>
+                        <a:t>6</a:t>
+                      </a:r>
+                      <a:endParaRPr lang="en-US" sz="1600" b="0" i="0" u="none" strike="noStrike">
+                        <a:solidFill>
+                          <a:srgbClr val="000000"/>
+                        </a:solidFill>
+                        <a:effectLst/>
+                        <a:latin typeface="Calibri"/>
+                      </a:endParaRPr>
+                    </a:p>
+                  </a:txBody>
+                  <a:tcPr marL="12700" marR="12700" marT="12700" marB="0" anchor="b"/>
+                </a:tc>
+                <a:tc>
+                  <a:txBody>
+                    <a:bodyPr/>
+                    <a:lstStyle/>
+                    <a:p>
+                      <a:pPr algn="ctr" fontAlgn="b"/>
+                      <a:r>
+                        <a:rPr lang="en-US" sz="1600" u="none" strike="noStrike" dirty="0">
+                          <a:effectLst/>
+                        </a:rPr>
+                        <a:t>10</a:t>
+                      </a:r>
+                      <a:endParaRPr lang="en-US" sz="1600" b="0" i="0" u="none" strike="noStrike" dirty="0">
+                        <a:solidFill>
+                          <a:srgbClr val="000000"/>
+                        </a:solidFill>
+                        <a:effectLst/>
+                        <a:latin typeface="Calibri"/>
+                      </a:endParaRPr>
+                    </a:p>
+                  </a:txBody>
+                  <a:tcPr marL="12700" marR="12700" marT="12700" marB="0" anchor="b"/>
+                </a:tc>
+              </a:tr>
+              <a:tr h="223234">
+                <a:tc>
+                  <a:txBody>
+                    <a:bodyPr/>
+                    <a:lstStyle/>
+                    <a:p>
+                      <a:pPr algn="l" fontAlgn="b"/>
+                      <a:r>
+                        <a:rPr lang="en-US" sz="1600" u="none" strike="noStrike">
+                          <a:effectLst/>
+                        </a:rPr>
+                        <a:t>Epogen</a:t>
+                      </a:r>
+                      <a:endParaRPr lang="en-US" sz="1600" b="0" i="0" u="none" strike="noStrike">
+                        <a:solidFill>
+                          <a:srgbClr val="000000"/>
+                        </a:solidFill>
+                        <a:effectLst/>
+                        <a:latin typeface="Calibri"/>
+                      </a:endParaRPr>
+                    </a:p>
+                  </a:txBody>
+                  <a:tcPr marL="12700" marR="12700" marT="12700" marB="0" anchor="b"/>
+                </a:tc>
+                <a:tc>
+                  <a:txBody>
+                    <a:bodyPr/>
+                    <a:lstStyle/>
+                    <a:p>
+                      <a:pPr algn="ctr" fontAlgn="b"/>
+                      <a:r>
+                        <a:rPr lang="en-US" sz="1600" u="none" strike="noStrike">
+                          <a:effectLst/>
+                        </a:rPr>
+                        <a:t>2.77</a:t>
+                      </a:r>
+                      <a:endParaRPr lang="en-US" sz="1600" b="0" i="0" u="none" strike="noStrike">
+                        <a:solidFill>
+                          <a:srgbClr val="000000"/>
+                        </a:solidFill>
+                        <a:effectLst/>
+                        <a:latin typeface="Calibri"/>
+                      </a:endParaRPr>
+                    </a:p>
+                  </a:txBody>
+                  <a:tcPr marL="12700" marR="12700" marT="12700" marB="0" anchor="b"/>
+                </a:tc>
+                <a:tc>
+                  <a:txBody>
+                    <a:bodyPr/>
+                    <a:lstStyle/>
+                    <a:p>
+                      <a:pPr algn="l" fontAlgn="b"/>
+                      <a:r>
+                        <a:rPr lang="en-US" sz="1600" u="none" strike="noStrike">
+                          <a:effectLst/>
+                        </a:rPr>
+                        <a:t>Anemia</a:t>
+                      </a:r>
+                      <a:endParaRPr lang="en-US" sz="1600" b="0" i="0" u="none" strike="noStrike">
+                        <a:solidFill>
+                          <a:srgbClr val="000000"/>
+                        </a:solidFill>
+                        <a:effectLst/>
+                        <a:latin typeface="Calibri"/>
+                      </a:endParaRPr>
+                    </a:p>
+                  </a:txBody>
+                  <a:tcPr marL="12700" marR="12700" marT="12700" marB="0" anchor="b"/>
+                </a:tc>
+                <a:tc>
+                  <a:txBody>
+                    <a:bodyPr/>
+                    <a:lstStyle/>
+                    <a:p>
+                      <a:pPr algn="ctr" fontAlgn="b"/>
+                      <a:r>
+                        <a:rPr lang="en-US" sz="1600" u="none" strike="noStrike">
+                          <a:effectLst/>
+                        </a:rPr>
+                        <a:t>7</a:t>
+                      </a:r>
+                      <a:endParaRPr lang="en-US" sz="1600" b="0" i="0" u="none" strike="noStrike">
+                        <a:solidFill>
+                          <a:srgbClr val="000000"/>
+                        </a:solidFill>
+                        <a:effectLst/>
+                        <a:latin typeface="Calibri"/>
+                      </a:endParaRPr>
+                    </a:p>
+                  </a:txBody>
+                  <a:tcPr marL="12700" marR="12700" marT="12700" marB="0" anchor="b"/>
+                </a:tc>
+                <a:tc>
+                  <a:txBody>
+                    <a:bodyPr/>
+                    <a:lstStyle/>
+                    <a:p>
+                      <a:pPr algn="ctr" fontAlgn="b"/>
+                      <a:r>
+                        <a:rPr lang="en-US" sz="1600" u="none" strike="noStrike" dirty="0">
+                          <a:effectLst/>
+                        </a:rPr>
+                        <a:t>1</a:t>
+                      </a:r>
+                      <a:endParaRPr lang="en-US" sz="1600" b="0" i="0" u="none" strike="noStrike" dirty="0">
+                        <a:solidFill>
+                          <a:srgbClr val="000000"/>
+                        </a:solidFill>
+                        <a:effectLst/>
+                        <a:latin typeface="Calibri"/>
+                      </a:endParaRPr>
+                    </a:p>
+                  </a:txBody>
+                  <a:tcPr marL="12700" marR="12700" marT="12700" marB="0" anchor="b"/>
+                </a:tc>
+              </a:tr>
+              <a:tr h="223234">
+                <a:tc>
+                  <a:txBody>
+                    <a:bodyPr/>
+                    <a:lstStyle/>
+                    <a:p>
+                      <a:pPr algn="l" fontAlgn="b"/>
+                      <a:r>
+                        <a:rPr lang="en-US" sz="1600" u="none" strike="noStrike">
+                          <a:effectLst/>
+                        </a:rPr>
+                        <a:t>Avastin</a:t>
+                      </a:r>
+                      <a:endParaRPr lang="en-US" sz="1600" b="0" i="0" u="none" strike="noStrike">
+                        <a:solidFill>
+                          <a:srgbClr val="000000"/>
+                        </a:solidFill>
+                        <a:effectLst/>
+                        <a:latin typeface="Calibri"/>
+                      </a:endParaRPr>
+                    </a:p>
+                  </a:txBody>
+                  <a:tcPr marL="12700" marR="12700" marT="12700" marB="0" anchor="b"/>
+                </a:tc>
+                <a:tc>
+                  <a:txBody>
+                    <a:bodyPr/>
+                    <a:lstStyle/>
+                    <a:p>
+                      <a:pPr algn="ctr" fontAlgn="b"/>
+                      <a:r>
+                        <a:rPr lang="en-US" sz="1600" u="none" strike="noStrike">
+                          <a:effectLst/>
+                        </a:rPr>
+                        <a:t>2.66</a:t>
+                      </a:r>
+                      <a:endParaRPr lang="en-US" sz="1600" b="0" i="0" u="none" strike="noStrike">
+                        <a:solidFill>
+                          <a:srgbClr val="000000"/>
+                        </a:solidFill>
+                        <a:effectLst/>
+                        <a:latin typeface="Calibri"/>
+                      </a:endParaRPr>
+                    </a:p>
+                  </a:txBody>
+                  <a:tcPr marL="12700" marR="12700" marT="12700" marB="0" anchor="b"/>
+                </a:tc>
+                <a:tc>
+                  <a:txBody>
+                    <a:bodyPr/>
+                    <a:lstStyle/>
+                    <a:p>
+                      <a:pPr algn="l" fontAlgn="b"/>
+                      <a:r>
+                        <a:rPr lang="en-US" sz="1600" u="none" strike="noStrike">
+                          <a:effectLst/>
+                        </a:rPr>
+                        <a:t>Oncology</a:t>
+                      </a:r>
+                      <a:endParaRPr lang="en-US" sz="1600" b="0" i="0" u="none" strike="noStrike">
+                        <a:solidFill>
+                          <a:srgbClr val="000000"/>
+                        </a:solidFill>
+                        <a:effectLst/>
+                        <a:latin typeface="Calibri"/>
+                      </a:endParaRPr>
+                    </a:p>
+                  </a:txBody>
+                  <a:tcPr marL="12700" marR="12700" marT="12700" marB="0" anchor="b"/>
+                </a:tc>
+                <a:tc>
+                  <a:txBody>
+                    <a:bodyPr/>
+                    <a:lstStyle/>
+                    <a:p>
+                      <a:pPr algn="ctr" fontAlgn="b"/>
+                      <a:r>
+                        <a:rPr lang="en-US" sz="1600" u="none" strike="noStrike">
+                          <a:effectLst/>
+                        </a:rPr>
+                        <a:t>8</a:t>
+                      </a:r>
+                      <a:endParaRPr lang="en-US" sz="1600" b="0" i="0" u="none" strike="noStrike">
+                        <a:solidFill>
+                          <a:srgbClr val="000000"/>
+                        </a:solidFill>
+                        <a:effectLst/>
+                        <a:latin typeface="Calibri"/>
+                      </a:endParaRPr>
+                    </a:p>
+                  </a:txBody>
+                  <a:tcPr marL="12700" marR="12700" marT="12700" marB="0" anchor="b"/>
+                </a:tc>
+                <a:tc>
+                  <a:txBody>
+                    <a:bodyPr/>
+                    <a:lstStyle/>
+                    <a:p>
+                      <a:pPr algn="ctr" fontAlgn="b"/>
+                      <a:r>
+                        <a:rPr lang="en-US" sz="1600" u="none" strike="noStrike">
+                          <a:effectLst/>
+                        </a:rPr>
+                        <a:t>4</a:t>
+                      </a:r>
+                      <a:endParaRPr lang="en-US" sz="1600" b="0" i="0" u="none" strike="noStrike">
+                        <a:solidFill>
+                          <a:srgbClr val="000000"/>
+                        </a:solidFill>
+                        <a:effectLst/>
+                        <a:latin typeface="Calibri"/>
+                      </a:endParaRPr>
+                    </a:p>
+                  </a:txBody>
+                  <a:tcPr marL="12700" marR="12700" marT="12700" marB="0" anchor="b"/>
+                </a:tc>
+              </a:tr>
+              <a:tr h="223234">
+                <a:tc>
+                  <a:txBody>
+                    <a:bodyPr/>
+                    <a:lstStyle/>
+                    <a:p>
+                      <a:pPr algn="l" fontAlgn="b"/>
+                      <a:r>
+                        <a:rPr lang="en-US" sz="1600" u="none" strike="noStrike">
+                          <a:effectLst/>
+                        </a:rPr>
+                        <a:t>Atipla</a:t>
+                      </a:r>
+                      <a:endParaRPr lang="en-US" sz="1600" b="0" i="0" u="none" strike="noStrike">
+                        <a:solidFill>
+                          <a:srgbClr val="000000"/>
+                        </a:solidFill>
+                        <a:effectLst/>
+                        <a:latin typeface="Calibri"/>
+                      </a:endParaRPr>
+                    </a:p>
+                  </a:txBody>
+                  <a:tcPr marL="12700" marR="12700" marT="12700" marB="0" anchor="b"/>
+                </a:tc>
+                <a:tc>
+                  <a:txBody>
+                    <a:bodyPr/>
+                    <a:lstStyle/>
+                    <a:p>
+                      <a:pPr algn="ctr" fontAlgn="b"/>
+                      <a:r>
+                        <a:rPr lang="en-US" sz="1600" u="none" strike="noStrike">
+                          <a:effectLst/>
+                        </a:rPr>
+                        <a:t>2.57</a:t>
+                      </a:r>
+                      <a:endParaRPr lang="en-US" sz="1600" b="0" i="0" u="none" strike="noStrike">
+                        <a:solidFill>
+                          <a:srgbClr val="000000"/>
+                        </a:solidFill>
+                        <a:effectLst/>
+                        <a:latin typeface="Calibri"/>
+                      </a:endParaRPr>
+                    </a:p>
+                  </a:txBody>
+                  <a:tcPr marL="12700" marR="12700" marT="12700" marB="0" anchor="b"/>
+                </a:tc>
+                <a:tc>
+                  <a:txBody>
+                    <a:bodyPr/>
+                    <a:lstStyle/>
+                    <a:p>
+                      <a:pPr algn="l" fontAlgn="b"/>
+                      <a:r>
+                        <a:rPr lang="en-US" sz="1600" u="none" strike="noStrike">
+                          <a:effectLst/>
+                        </a:rPr>
+                        <a:t>HIV/AIDS</a:t>
+                      </a:r>
+                      <a:endParaRPr lang="en-US" sz="1600" b="0" i="0" u="none" strike="noStrike">
+                        <a:solidFill>
+                          <a:srgbClr val="000000"/>
+                        </a:solidFill>
+                        <a:effectLst/>
+                        <a:latin typeface="Calibri"/>
+                      </a:endParaRPr>
+                    </a:p>
+                  </a:txBody>
+                  <a:tcPr marL="12700" marR="12700" marT="12700" marB="0" anchor="b"/>
+                </a:tc>
+                <a:tc>
+                  <a:txBody>
+                    <a:bodyPr/>
+                    <a:lstStyle/>
+                    <a:p>
+                      <a:pPr algn="ctr" fontAlgn="b"/>
+                      <a:r>
+                        <a:rPr lang="en-US" sz="1600" u="none" strike="noStrike">
+                          <a:effectLst/>
+                        </a:rPr>
+                        <a:t>9</a:t>
+                      </a:r>
+                      <a:endParaRPr lang="en-US" sz="1600" b="0" i="0" u="none" strike="noStrike">
+                        <a:solidFill>
+                          <a:srgbClr val="000000"/>
+                        </a:solidFill>
+                        <a:effectLst/>
+                        <a:latin typeface="Calibri"/>
+                      </a:endParaRPr>
+                    </a:p>
+                  </a:txBody>
+                  <a:tcPr marL="12700" marR="12700" marT="12700" marB="0" anchor="b"/>
+                </a:tc>
+                <a:tc>
+                  <a:txBody>
+                    <a:bodyPr/>
+                    <a:lstStyle/>
+                    <a:p>
+                      <a:pPr algn="ctr" fontAlgn="b"/>
+                      <a:r>
+                        <a:rPr lang="en-US" sz="1600" u="none" strike="noStrike" dirty="0">
+                          <a:effectLst/>
+                        </a:rPr>
+                        <a:t>8</a:t>
+                      </a:r>
+                      <a:endParaRPr lang="en-US" sz="1600" b="0" i="0" u="none" strike="noStrike" dirty="0">
+                        <a:solidFill>
+                          <a:srgbClr val="000000"/>
+                        </a:solidFill>
+                        <a:effectLst/>
+                        <a:latin typeface="Calibri"/>
+                      </a:endParaRPr>
+                    </a:p>
+                  </a:txBody>
+                  <a:tcPr marL="12700" marR="12700" marT="12700" marB="0" anchor="b"/>
+                </a:tc>
+              </a:tr>
+              <a:tr h="223234">
+                <a:tc>
+                  <a:txBody>
+                    <a:bodyPr/>
+                    <a:lstStyle/>
+                    <a:p>
+                      <a:pPr algn="l" fontAlgn="b"/>
+                      <a:r>
+                        <a:rPr lang="en-US" sz="1600" u="none" strike="noStrike">
+                          <a:effectLst/>
+                        </a:rPr>
+                        <a:t>Truvada</a:t>
+                      </a:r>
+                      <a:endParaRPr lang="en-US" sz="1600" b="0" i="0" u="none" strike="noStrike">
+                        <a:solidFill>
+                          <a:srgbClr val="000000"/>
+                        </a:solidFill>
+                        <a:effectLst/>
+                        <a:latin typeface="Calibri"/>
+                      </a:endParaRPr>
+                    </a:p>
+                  </a:txBody>
+                  <a:tcPr marL="12700" marR="12700" marT="12700" marB="0" anchor="b"/>
+                </a:tc>
+                <a:tc>
+                  <a:txBody>
+                    <a:bodyPr/>
+                    <a:lstStyle/>
+                    <a:p>
+                      <a:pPr algn="ctr" fontAlgn="b"/>
+                      <a:r>
+                        <a:rPr lang="en-US" sz="1600" u="none" strike="noStrike">
+                          <a:effectLst/>
+                        </a:rPr>
+                        <a:t>1.92</a:t>
+                      </a:r>
+                      <a:endParaRPr lang="en-US" sz="1600" b="0" i="0" u="none" strike="noStrike">
+                        <a:solidFill>
+                          <a:srgbClr val="000000"/>
+                        </a:solidFill>
+                        <a:effectLst/>
+                        <a:latin typeface="Calibri"/>
+                      </a:endParaRPr>
+                    </a:p>
+                  </a:txBody>
+                  <a:tcPr marL="12700" marR="12700" marT="12700" marB="0" anchor="b"/>
+                </a:tc>
+                <a:tc>
+                  <a:txBody>
+                    <a:bodyPr/>
+                    <a:lstStyle/>
+                    <a:p>
+                      <a:pPr algn="l" fontAlgn="b"/>
+                      <a:r>
+                        <a:rPr lang="en-US" sz="1600" u="none" strike="noStrike">
+                          <a:effectLst/>
+                        </a:rPr>
+                        <a:t>HIV/AIDS</a:t>
+                      </a:r>
+                      <a:endParaRPr lang="en-US" sz="1600" b="0" i="0" u="none" strike="noStrike">
+                        <a:solidFill>
+                          <a:srgbClr val="000000"/>
+                        </a:solidFill>
+                        <a:effectLst/>
+                        <a:latin typeface="Calibri"/>
+                      </a:endParaRPr>
+                    </a:p>
+                  </a:txBody>
+                  <a:tcPr marL="12700" marR="12700" marT="12700" marB="0" anchor="b"/>
+                </a:tc>
+                <a:tc>
+                  <a:txBody>
+                    <a:bodyPr/>
+                    <a:lstStyle/>
+                    <a:p>
+                      <a:pPr algn="ctr" fontAlgn="b"/>
+                      <a:r>
+                        <a:rPr lang="en-US" sz="1600" u="none" strike="noStrike">
+                          <a:effectLst/>
+                        </a:rPr>
+                        <a:t>10</a:t>
+                      </a:r>
+                      <a:endParaRPr lang="en-US" sz="1600" b="0" i="0" u="none" strike="noStrike">
+                        <a:solidFill>
+                          <a:srgbClr val="000000"/>
+                        </a:solidFill>
+                        <a:effectLst/>
+                        <a:latin typeface="Calibri"/>
+                      </a:endParaRPr>
+                    </a:p>
+                  </a:txBody>
+                  <a:tcPr marL="12700" marR="12700" marT="12700" marB="0" anchor="b"/>
+                </a:tc>
+                <a:tc>
+                  <a:txBody>
+                    <a:bodyPr/>
+                    <a:lstStyle/>
+                    <a:p>
+                      <a:pPr algn="ctr" fontAlgn="b"/>
+                      <a:r>
+                        <a:rPr lang="en-US" sz="1600" u="none" strike="noStrike">
+                          <a:effectLst/>
+                        </a:rPr>
+                        <a:t>11</a:t>
+                      </a:r>
+                      <a:endParaRPr lang="en-US" sz="1600" b="0" i="0" u="none" strike="noStrike">
+                        <a:solidFill>
+                          <a:srgbClr val="000000"/>
+                        </a:solidFill>
+                        <a:effectLst/>
+                        <a:latin typeface="Calibri"/>
+                      </a:endParaRPr>
+                    </a:p>
+                  </a:txBody>
+                  <a:tcPr marL="12700" marR="12700" marT="12700" marB="0" anchor="b"/>
+                </a:tc>
+              </a:tr>
+              <a:tr h="223234">
+                <a:tc>
+                  <a:txBody>
+                    <a:bodyPr/>
+                    <a:lstStyle/>
+                    <a:p>
+                      <a:pPr algn="l" fontAlgn="b"/>
+                      <a:r>
+                        <a:rPr lang="en-US" sz="1600" u="none" strike="noStrike">
+                          <a:effectLst/>
+                        </a:rPr>
+                        <a:t>Revlimid</a:t>
+                      </a:r>
+                      <a:endParaRPr lang="en-US" sz="1600" b="0" i="0" u="none" strike="noStrike">
+                        <a:solidFill>
+                          <a:srgbClr val="000000"/>
+                        </a:solidFill>
+                        <a:effectLst/>
+                        <a:latin typeface="Calibri"/>
+                      </a:endParaRPr>
+                    </a:p>
+                  </a:txBody>
+                  <a:tcPr marL="12700" marR="12700" marT="12700" marB="0" anchor="b"/>
+                </a:tc>
+                <a:tc>
+                  <a:txBody>
+                    <a:bodyPr/>
+                    <a:lstStyle/>
+                    <a:p>
+                      <a:pPr algn="ctr" fontAlgn="b"/>
+                      <a:r>
+                        <a:rPr lang="en-US" sz="1600" u="none" strike="noStrike">
+                          <a:effectLst/>
+                        </a:rPr>
+                        <a:t>1.83</a:t>
+                      </a:r>
+                      <a:endParaRPr lang="en-US" sz="1600" b="0" i="0" u="none" strike="noStrike">
+                        <a:solidFill>
+                          <a:srgbClr val="000000"/>
+                        </a:solidFill>
+                        <a:effectLst/>
+                        <a:latin typeface="Calibri"/>
+                      </a:endParaRPr>
+                    </a:p>
+                  </a:txBody>
+                  <a:tcPr marL="12700" marR="12700" marT="12700" marB="0" anchor="b"/>
+                </a:tc>
+                <a:tc>
+                  <a:txBody>
+                    <a:bodyPr/>
+                    <a:lstStyle/>
+                    <a:p>
+                      <a:pPr algn="l" fontAlgn="b"/>
+                      <a:r>
+                        <a:rPr lang="en-US" sz="1600" u="none" strike="noStrike">
+                          <a:effectLst/>
+                        </a:rPr>
+                        <a:t>Oncology</a:t>
+                      </a:r>
+                      <a:endParaRPr lang="en-US" sz="1600" b="0" i="0" u="none" strike="noStrike">
+                        <a:solidFill>
+                          <a:srgbClr val="000000"/>
+                        </a:solidFill>
+                        <a:effectLst/>
+                        <a:latin typeface="Calibri"/>
+                      </a:endParaRPr>
+                    </a:p>
+                  </a:txBody>
+                  <a:tcPr marL="12700" marR="12700" marT="12700" marB="0" anchor="b"/>
+                </a:tc>
+                <a:tc>
+                  <a:txBody>
+                    <a:bodyPr/>
+                    <a:lstStyle/>
+                    <a:p>
+                      <a:pPr algn="ctr" fontAlgn="b"/>
+                      <a:r>
+                        <a:rPr lang="en-US" sz="1600" u="none" strike="noStrike">
+                          <a:effectLst/>
+                        </a:rPr>
+                        <a:t>11</a:t>
+                      </a:r>
+                      <a:endParaRPr lang="en-US" sz="1600" b="0" i="0" u="none" strike="noStrike">
+                        <a:solidFill>
+                          <a:srgbClr val="000000"/>
+                        </a:solidFill>
+                        <a:effectLst/>
+                        <a:latin typeface="Calibri"/>
+                      </a:endParaRPr>
+                    </a:p>
+                  </a:txBody>
+                  <a:tcPr marL="12700" marR="12700" marT="12700" marB="0" anchor="b"/>
+                </a:tc>
+                <a:tc>
+                  <a:txBody>
+                    <a:bodyPr/>
+                    <a:lstStyle/>
+                    <a:p>
+                      <a:pPr algn="ctr" fontAlgn="b"/>
+                      <a:r>
+                        <a:rPr lang="en-US" sz="1600" u="none" strike="noStrike" dirty="0">
+                          <a:effectLst/>
+                        </a:rPr>
+                        <a:t>17</a:t>
+                      </a:r>
+                      <a:endParaRPr lang="en-US" sz="1600" b="0" i="0" u="none" strike="noStrike" dirty="0">
+                        <a:solidFill>
+                          <a:srgbClr val="000000"/>
+                        </a:solidFill>
+                        <a:effectLst/>
+                        <a:latin typeface="Calibri"/>
+                      </a:endParaRPr>
+                    </a:p>
+                  </a:txBody>
+                  <a:tcPr marL="12700" marR="12700" marT="12700" marB="0" anchor="b"/>
+                </a:tc>
+              </a:tr>
+              <a:tr h="223234">
+                <a:tc>
+                  <a:txBody>
+                    <a:bodyPr/>
+                    <a:lstStyle/>
+                    <a:p>
+                      <a:pPr algn="l" fontAlgn="b"/>
+                      <a:r>
+                        <a:rPr lang="en-US" sz="1600" u="none" strike="noStrike">
+                          <a:effectLst/>
+                        </a:rPr>
+                        <a:t>Lucentis</a:t>
+                      </a:r>
+                      <a:endParaRPr lang="en-US" sz="1600" b="0" i="0" u="none" strike="noStrike">
+                        <a:solidFill>
+                          <a:srgbClr val="000000"/>
+                        </a:solidFill>
+                        <a:effectLst/>
+                        <a:latin typeface="Calibri"/>
+                      </a:endParaRPr>
+                    </a:p>
+                  </a:txBody>
+                  <a:tcPr marL="12700" marR="12700" marT="12700" marB="0" anchor="b"/>
+                </a:tc>
+                <a:tc>
+                  <a:txBody>
+                    <a:bodyPr/>
+                    <a:lstStyle/>
+                    <a:p>
+                      <a:pPr algn="ctr" fontAlgn="b"/>
+                      <a:r>
+                        <a:rPr lang="en-US" sz="1600" u="none" strike="noStrike">
+                          <a:effectLst/>
+                        </a:rPr>
+                        <a:t>1.75</a:t>
+                      </a:r>
+                      <a:endParaRPr lang="en-US" sz="1600" b="0" i="0" u="none" strike="noStrike">
+                        <a:solidFill>
+                          <a:srgbClr val="000000"/>
+                        </a:solidFill>
+                        <a:effectLst/>
+                        <a:latin typeface="Calibri"/>
+                      </a:endParaRPr>
+                    </a:p>
+                  </a:txBody>
+                  <a:tcPr marL="12700" marR="12700" marT="12700" marB="0" anchor="b"/>
+                </a:tc>
+                <a:tc>
+                  <a:txBody>
+                    <a:bodyPr/>
+                    <a:lstStyle/>
+                    <a:p>
+                      <a:pPr algn="l" fontAlgn="b"/>
+                      <a:r>
+                        <a:rPr lang="en-US" sz="1600" u="none" strike="noStrike">
+                          <a:effectLst/>
+                        </a:rPr>
+                        <a:t>Macular degenration</a:t>
+                      </a:r>
+                      <a:endParaRPr lang="en-US" sz="1600" b="0" i="0" u="none" strike="noStrike">
+                        <a:solidFill>
+                          <a:srgbClr val="000000"/>
+                        </a:solidFill>
+                        <a:effectLst/>
+                        <a:latin typeface="Calibri"/>
+                      </a:endParaRPr>
+                    </a:p>
+                  </a:txBody>
+                  <a:tcPr marL="12700" marR="12700" marT="12700" marB="0" anchor="b"/>
+                </a:tc>
+                <a:tc>
+                  <a:txBody>
+                    <a:bodyPr/>
+                    <a:lstStyle/>
+                    <a:p>
+                      <a:pPr algn="ctr" fontAlgn="b"/>
+                      <a:r>
+                        <a:rPr lang="en-US" sz="1600" u="none" strike="noStrike">
+                          <a:effectLst/>
+                        </a:rPr>
+                        <a:t>12</a:t>
+                      </a:r>
+                      <a:endParaRPr lang="en-US" sz="1600" b="0" i="0" u="none" strike="noStrike">
+                        <a:solidFill>
+                          <a:srgbClr val="000000"/>
+                        </a:solidFill>
+                        <a:effectLst/>
+                        <a:latin typeface="Calibri"/>
+                      </a:endParaRPr>
+                    </a:p>
+                  </a:txBody>
+                  <a:tcPr marL="12700" marR="12700" marT="12700" marB="0" anchor="b"/>
+                </a:tc>
+                <a:tc>
+                  <a:txBody>
+                    <a:bodyPr/>
+                    <a:lstStyle/>
+                    <a:p>
+                      <a:pPr algn="ctr" fontAlgn="b"/>
+                      <a:r>
+                        <a:rPr lang="en-US" sz="1600" u="none" strike="noStrike" dirty="0">
+                          <a:effectLst/>
+                        </a:rPr>
+                        <a:t>12</a:t>
+                      </a:r>
+                      <a:endParaRPr lang="en-US" sz="1600" b="0" i="0" u="none" strike="noStrike" dirty="0">
+                        <a:solidFill>
+                          <a:srgbClr val="000000"/>
+                        </a:solidFill>
+                        <a:effectLst/>
+                        <a:latin typeface="Calibri"/>
+                      </a:endParaRPr>
+                    </a:p>
+                  </a:txBody>
+                  <a:tcPr marL="12700" marR="12700" marT="12700" marB="0" anchor="b"/>
+                </a:tc>
+              </a:tr>
+              <a:tr h="223234">
+                <a:tc>
+                  <a:txBody>
+                    <a:bodyPr/>
+                    <a:lstStyle/>
+                    <a:p>
+                      <a:pPr algn="l" fontAlgn="b"/>
+                      <a:r>
+                        <a:rPr lang="en-US" sz="1600" u="none" strike="noStrike">
+                          <a:effectLst/>
+                        </a:rPr>
+                        <a:t>Herceptin</a:t>
+                      </a:r>
+                      <a:endParaRPr lang="en-US" sz="1600" b="0" i="0" u="none" strike="noStrike">
+                        <a:solidFill>
+                          <a:srgbClr val="000000"/>
+                        </a:solidFill>
+                        <a:effectLst/>
+                        <a:latin typeface="Calibri"/>
+                      </a:endParaRPr>
+                    </a:p>
+                  </a:txBody>
+                  <a:tcPr marL="12700" marR="12700" marT="12700" marB="0" anchor="b"/>
+                </a:tc>
+                <a:tc>
+                  <a:txBody>
+                    <a:bodyPr/>
+                    <a:lstStyle/>
+                    <a:p>
+                      <a:pPr algn="ctr" fontAlgn="b"/>
+                      <a:r>
+                        <a:rPr lang="en-US" sz="1600" u="none" strike="noStrike">
+                          <a:effectLst/>
+                        </a:rPr>
+                        <a:t>1.66</a:t>
+                      </a:r>
+                      <a:endParaRPr lang="en-US" sz="1600" b="0" i="0" u="none" strike="noStrike">
+                        <a:solidFill>
+                          <a:srgbClr val="000000"/>
+                        </a:solidFill>
+                        <a:effectLst/>
+                        <a:latin typeface="Calibri"/>
+                      </a:endParaRPr>
+                    </a:p>
+                  </a:txBody>
+                  <a:tcPr marL="12700" marR="12700" marT="12700" marB="0" anchor="b"/>
+                </a:tc>
+                <a:tc>
+                  <a:txBody>
+                    <a:bodyPr/>
+                    <a:lstStyle/>
+                    <a:p>
+                      <a:pPr algn="l" fontAlgn="b"/>
+                      <a:r>
+                        <a:rPr lang="en-US" sz="1600" u="none" strike="noStrike">
+                          <a:effectLst/>
+                        </a:rPr>
+                        <a:t>Oncology</a:t>
+                      </a:r>
+                      <a:endParaRPr lang="en-US" sz="1600" b="0" i="0" u="none" strike="noStrike">
+                        <a:solidFill>
+                          <a:srgbClr val="000000"/>
+                        </a:solidFill>
+                        <a:effectLst/>
+                        <a:latin typeface="Calibri"/>
+                      </a:endParaRPr>
+                    </a:p>
+                  </a:txBody>
+                  <a:tcPr marL="12700" marR="12700" marT="12700" marB="0" anchor="b"/>
+                </a:tc>
+                <a:tc>
+                  <a:txBody>
+                    <a:bodyPr/>
+                    <a:lstStyle/>
+                    <a:p>
+                      <a:pPr algn="ctr" fontAlgn="b"/>
+                      <a:r>
+                        <a:rPr lang="en-US" sz="1600" u="none" strike="noStrike">
+                          <a:effectLst/>
+                        </a:rPr>
+                        <a:t>13</a:t>
+                      </a:r>
+                      <a:endParaRPr lang="en-US" sz="1600" b="0" i="0" u="none" strike="noStrike">
+                        <a:solidFill>
+                          <a:srgbClr val="000000"/>
+                        </a:solidFill>
+                        <a:effectLst/>
+                        <a:latin typeface="Calibri"/>
+                      </a:endParaRPr>
+                    </a:p>
+                  </a:txBody>
+                  <a:tcPr marL="12700" marR="12700" marT="12700" marB="0" anchor="b"/>
+                </a:tc>
+                <a:tc>
+                  <a:txBody>
+                    <a:bodyPr/>
+                    <a:lstStyle/>
+                    <a:p>
+                      <a:pPr algn="ctr" fontAlgn="b"/>
+                      <a:r>
+                        <a:rPr lang="en-US" sz="1600" u="none" strike="noStrike" dirty="0">
+                          <a:effectLst/>
+                        </a:rPr>
+                        <a:t>13</a:t>
+                      </a:r>
+                      <a:endParaRPr lang="en-US" sz="1600" b="0" i="0" u="none" strike="noStrike" dirty="0">
+                        <a:solidFill>
+                          <a:srgbClr val="000000"/>
+                        </a:solidFill>
+                        <a:effectLst/>
+                        <a:latin typeface="Calibri"/>
+                      </a:endParaRPr>
+                    </a:p>
+                  </a:txBody>
+                  <a:tcPr marL="12700" marR="12700" marT="12700" marB="0" anchor="b"/>
+                </a:tc>
+              </a:tr>
+              <a:tr h="223234">
+                <a:tc>
+                  <a:txBody>
+                    <a:bodyPr/>
+                    <a:lstStyle/>
+                    <a:p>
+                      <a:pPr algn="l" fontAlgn="b"/>
+                      <a:r>
+                        <a:rPr lang="en-US" sz="1600" u="none" strike="noStrike">
+                          <a:effectLst/>
+                        </a:rPr>
+                        <a:t>Avonex</a:t>
+                      </a:r>
+                      <a:endParaRPr lang="en-US" sz="1600" b="0" i="0" u="none" strike="noStrike">
+                        <a:solidFill>
+                          <a:srgbClr val="000000"/>
+                        </a:solidFill>
+                        <a:effectLst/>
+                        <a:latin typeface="Calibri"/>
+                      </a:endParaRPr>
+                    </a:p>
+                  </a:txBody>
+                  <a:tcPr marL="12700" marR="12700" marT="12700" marB="0" anchor="b"/>
+                </a:tc>
+                <a:tc>
+                  <a:txBody>
+                    <a:bodyPr/>
+                    <a:lstStyle/>
+                    <a:p>
+                      <a:pPr algn="ctr" fontAlgn="b"/>
+                      <a:r>
+                        <a:rPr lang="en-US" sz="1600" u="none" strike="noStrike">
+                          <a:effectLst/>
+                        </a:rPr>
+                        <a:t>1.56</a:t>
+                      </a:r>
+                      <a:endParaRPr lang="en-US" sz="1600" b="0" i="0" u="none" strike="noStrike">
+                        <a:solidFill>
+                          <a:srgbClr val="000000"/>
+                        </a:solidFill>
+                        <a:effectLst/>
+                        <a:latin typeface="Calibri"/>
+                      </a:endParaRPr>
+                    </a:p>
+                  </a:txBody>
+                  <a:tcPr marL="12700" marR="12700" marT="12700" marB="0" anchor="b"/>
+                </a:tc>
+                <a:tc>
+                  <a:txBody>
+                    <a:bodyPr/>
+                    <a:lstStyle/>
+                    <a:p>
+                      <a:pPr algn="l" fontAlgn="b"/>
+                      <a:r>
+                        <a:rPr lang="en-US" sz="1600" u="none" strike="noStrike">
+                          <a:effectLst/>
+                        </a:rPr>
+                        <a:t>Multiple sclerosis</a:t>
+                      </a:r>
+                      <a:endParaRPr lang="en-US" sz="1600" b="0" i="0" u="none" strike="noStrike">
+                        <a:solidFill>
+                          <a:srgbClr val="000000"/>
+                        </a:solidFill>
+                        <a:effectLst/>
+                        <a:latin typeface="Calibri"/>
+                      </a:endParaRPr>
+                    </a:p>
+                  </a:txBody>
+                  <a:tcPr marL="12700" marR="12700" marT="12700" marB="0" anchor="b"/>
+                </a:tc>
+                <a:tc>
+                  <a:txBody>
+                    <a:bodyPr/>
+                    <a:lstStyle/>
+                    <a:p>
+                      <a:pPr algn="ctr" fontAlgn="b"/>
+                      <a:r>
+                        <a:rPr lang="en-US" sz="1600" u="none" strike="noStrike">
+                          <a:effectLst/>
+                        </a:rPr>
+                        <a:t>14</a:t>
+                      </a:r>
+                      <a:endParaRPr lang="en-US" sz="1600" b="0" i="0" u="none" strike="noStrike">
+                        <a:solidFill>
+                          <a:srgbClr val="000000"/>
+                        </a:solidFill>
+                        <a:effectLst/>
+                        <a:latin typeface="Calibri"/>
+                      </a:endParaRPr>
+                    </a:p>
+                  </a:txBody>
+                  <a:tcPr marL="12700" marR="12700" marT="12700" marB="0" anchor="b"/>
+                </a:tc>
+                <a:tc>
+                  <a:txBody>
+                    <a:bodyPr/>
+                    <a:lstStyle/>
+                    <a:p>
+                      <a:pPr algn="ctr" fontAlgn="b"/>
+                      <a:r>
+                        <a:rPr lang="en-US" sz="1600" u="none" strike="noStrike">
+                          <a:effectLst/>
+                        </a:rPr>
+                        <a:t>15</a:t>
+                      </a:r>
+                      <a:endParaRPr lang="en-US" sz="1600" b="0" i="0" u="none" strike="noStrike">
+                        <a:solidFill>
+                          <a:srgbClr val="000000"/>
+                        </a:solidFill>
+                        <a:effectLst/>
+                        <a:latin typeface="Calibri"/>
+                      </a:endParaRPr>
+                    </a:p>
+                  </a:txBody>
+                  <a:tcPr marL="12700" marR="12700" marT="12700" marB="0" anchor="b"/>
+                </a:tc>
+              </a:tr>
+              <a:tr h="223234">
+                <a:tc>
+                  <a:txBody>
+                    <a:bodyPr/>
+                    <a:lstStyle/>
+                    <a:p>
+                      <a:pPr algn="l" fontAlgn="b"/>
+                      <a:r>
+                        <a:rPr lang="en-US" sz="1600" u="none" strike="noStrike">
+                          <a:effectLst/>
+                        </a:rPr>
+                        <a:t>Gleevex</a:t>
+                      </a:r>
+                      <a:endParaRPr lang="en-US" sz="1600" b="0" i="0" u="none" strike="noStrike">
+                        <a:solidFill>
+                          <a:srgbClr val="000000"/>
+                        </a:solidFill>
+                        <a:effectLst/>
+                        <a:latin typeface="Calibri"/>
+                      </a:endParaRPr>
+                    </a:p>
+                  </a:txBody>
+                  <a:tcPr marL="12700" marR="12700" marT="12700" marB="0" anchor="b"/>
+                </a:tc>
+                <a:tc>
+                  <a:txBody>
+                    <a:bodyPr/>
+                    <a:lstStyle/>
+                    <a:p>
+                      <a:pPr algn="ctr" fontAlgn="b"/>
+                      <a:r>
+                        <a:rPr lang="en-US" sz="1600" u="none" strike="noStrike">
+                          <a:effectLst/>
+                        </a:rPr>
+                        <a:t>1.51</a:t>
+                      </a:r>
+                      <a:endParaRPr lang="en-US" sz="1600" b="0" i="0" u="none" strike="noStrike">
+                        <a:solidFill>
+                          <a:srgbClr val="000000"/>
+                        </a:solidFill>
+                        <a:effectLst/>
+                        <a:latin typeface="Calibri"/>
+                      </a:endParaRPr>
+                    </a:p>
+                  </a:txBody>
+                  <a:tcPr marL="12700" marR="12700" marT="12700" marB="0" anchor="b"/>
+                </a:tc>
+                <a:tc>
+                  <a:txBody>
+                    <a:bodyPr/>
+                    <a:lstStyle/>
+                    <a:p>
+                      <a:pPr algn="l" fontAlgn="b"/>
+                      <a:r>
+                        <a:rPr lang="en-US" sz="1600" u="none" strike="noStrike">
+                          <a:effectLst/>
+                        </a:rPr>
+                        <a:t>Oncology</a:t>
+                      </a:r>
+                      <a:endParaRPr lang="en-US" sz="1600" b="0" i="0" u="none" strike="noStrike">
+                        <a:solidFill>
+                          <a:srgbClr val="000000"/>
+                        </a:solidFill>
+                        <a:effectLst/>
+                        <a:latin typeface="Calibri"/>
+                      </a:endParaRPr>
+                    </a:p>
+                  </a:txBody>
+                  <a:tcPr marL="12700" marR="12700" marT="12700" marB="0" anchor="b"/>
+                </a:tc>
+                <a:tc>
+                  <a:txBody>
+                    <a:bodyPr/>
+                    <a:lstStyle/>
+                    <a:p>
+                      <a:pPr algn="ctr" fontAlgn="b"/>
+                      <a:r>
+                        <a:rPr lang="en-US" sz="1600" u="none" strike="noStrike">
+                          <a:effectLst/>
+                        </a:rPr>
+                        <a:t>15</a:t>
+                      </a:r>
+                      <a:endParaRPr lang="en-US" sz="1600" b="0" i="0" u="none" strike="noStrike">
+                        <a:solidFill>
+                          <a:srgbClr val="000000"/>
+                        </a:solidFill>
+                        <a:effectLst/>
+                        <a:latin typeface="Calibri"/>
+                      </a:endParaRPr>
+                    </a:p>
+                  </a:txBody>
+                  <a:tcPr marL="12700" marR="12700" marT="12700" marB="0" anchor="b"/>
+                </a:tc>
+                <a:tc>
+                  <a:txBody>
+                    <a:bodyPr/>
+                    <a:lstStyle/>
+                    <a:p>
+                      <a:pPr algn="ctr" fontAlgn="b"/>
+                      <a:r>
+                        <a:rPr lang="en-US" sz="1600" u="none" strike="noStrike" dirty="0">
+                          <a:effectLst/>
+                        </a:rPr>
+                        <a:t>18</a:t>
+                      </a:r>
+                      <a:endParaRPr lang="en-US" sz="1600" b="0" i="0" u="none" strike="noStrike" dirty="0">
+                        <a:solidFill>
+                          <a:srgbClr val="000000"/>
+                        </a:solidFill>
+                        <a:effectLst/>
+                        <a:latin typeface="Calibri"/>
+                      </a:endParaRPr>
+                    </a:p>
+                  </a:txBody>
+                  <a:tcPr marL="12700" marR="12700" marT="12700" marB="0" anchor="b"/>
+                </a:tc>
+              </a:tr>
+              <a:tr h="223234">
+                <a:tc>
+                  <a:txBody>
+                    <a:bodyPr/>
+                    <a:lstStyle/>
+                    <a:p>
+                      <a:pPr algn="l" fontAlgn="b"/>
+                      <a:r>
+                        <a:rPr lang="en-US" sz="1600" u="none" strike="noStrike">
+                          <a:effectLst/>
+                        </a:rPr>
+                        <a:t>Enoxaparin</a:t>
+                      </a:r>
+                      <a:endParaRPr lang="en-US" sz="1600" b="0" i="0" u="none" strike="noStrike">
+                        <a:solidFill>
+                          <a:srgbClr val="000000"/>
+                        </a:solidFill>
+                        <a:effectLst/>
+                        <a:latin typeface="Calibri"/>
+                      </a:endParaRPr>
+                    </a:p>
+                  </a:txBody>
+                  <a:tcPr marL="12700" marR="12700" marT="12700" marB="0" anchor="b"/>
+                </a:tc>
+                <a:tc>
+                  <a:txBody>
+                    <a:bodyPr/>
+                    <a:lstStyle/>
+                    <a:p>
+                      <a:pPr algn="ctr" fontAlgn="b"/>
+                      <a:r>
+                        <a:rPr lang="en-US" sz="1600" u="none" strike="noStrike">
+                          <a:effectLst/>
+                        </a:rPr>
+                        <a:t>1.36</a:t>
+                      </a:r>
+                      <a:endParaRPr lang="en-US" sz="1600" b="0" i="0" u="none" strike="noStrike">
+                        <a:solidFill>
+                          <a:srgbClr val="000000"/>
+                        </a:solidFill>
+                        <a:effectLst/>
+                        <a:latin typeface="Calibri"/>
+                      </a:endParaRPr>
+                    </a:p>
+                  </a:txBody>
+                  <a:tcPr marL="12700" marR="12700" marT="12700" marB="0" anchor="b"/>
+                </a:tc>
+                <a:tc>
+                  <a:txBody>
+                    <a:bodyPr/>
+                    <a:lstStyle/>
+                    <a:p>
+                      <a:pPr algn="l" fontAlgn="b"/>
+                      <a:r>
+                        <a:rPr lang="en-US" sz="1600" u="none" strike="noStrike">
+                          <a:effectLst/>
+                        </a:rPr>
+                        <a:t>Anti-coagulation</a:t>
+                      </a:r>
+                      <a:endParaRPr lang="en-US" sz="1600" b="0" i="0" u="none" strike="noStrike">
+                        <a:solidFill>
+                          <a:srgbClr val="000000"/>
+                        </a:solidFill>
+                        <a:effectLst/>
+                        <a:latin typeface="Calibri"/>
+                      </a:endParaRPr>
+                    </a:p>
+                  </a:txBody>
+                  <a:tcPr marL="12700" marR="12700" marT="12700" marB="0" anchor="b"/>
+                </a:tc>
+                <a:tc>
+                  <a:txBody>
+                    <a:bodyPr/>
+                    <a:lstStyle/>
+                    <a:p>
+                      <a:pPr algn="ctr" fontAlgn="b"/>
+                      <a:r>
+                        <a:rPr lang="en-US" sz="1600" u="none" strike="noStrike">
+                          <a:effectLst/>
+                        </a:rPr>
+                        <a:t>16</a:t>
+                      </a:r>
+                      <a:endParaRPr lang="en-US" sz="1600" b="0" i="0" u="none" strike="noStrike">
+                        <a:solidFill>
+                          <a:srgbClr val="000000"/>
+                        </a:solidFill>
+                        <a:effectLst/>
+                        <a:latin typeface="Calibri"/>
+                      </a:endParaRPr>
+                    </a:p>
+                  </a:txBody>
+                  <a:tcPr marL="12700" marR="12700" marT="12700" marB="0" anchor="b"/>
+                </a:tc>
+                <a:tc>
+                  <a:txBody>
+                    <a:bodyPr/>
+                    <a:lstStyle/>
+                    <a:p>
+                      <a:pPr algn="ctr" fontAlgn="b"/>
+                      <a:r>
+                        <a:rPr lang="en-US" sz="1600" u="none" strike="noStrike" dirty="0">
+                          <a:effectLst/>
+                        </a:rPr>
+                        <a:t>NM</a:t>
+                      </a:r>
+                      <a:endParaRPr lang="en-US" sz="1600" b="0" i="0" u="none" strike="noStrike" dirty="0">
+                        <a:solidFill>
+                          <a:srgbClr val="000000"/>
+                        </a:solidFill>
+                        <a:effectLst/>
+                        <a:latin typeface="Calibri"/>
+                      </a:endParaRPr>
+                    </a:p>
+                  </a:txBody>
+                  <a:tcPr marL="12700" marR="12700" marT="12700" marB="0" anchor="b"/>
+                </a:tc>
+              </a:tr>
+              <a:tr h="223234">
+                <a:tc>
+                  <a:txBody>
+                    <a:bodyPr/>
+                    <a:lstStyle/>
+                    <a:p>
+                      <a:pPr algn="l" fontAlgn="b"/>
+                      <a:r>
+                        <a:rPr lang="en-US" sz="1600" u="none" strike="noStrike">
+                          <a:effectLst/>
+                        </a:rPr>
+                        <a:t>Procrit</a:t>
+                      </a:r>
+                      <a:endParaRPr lang="en-US" sz="1600" b="0" i="0" u="none" strike="noStrike">
+                        <a:solidFill>
+                          <a:srgbClr val="000000"/>
+                        </a:solidFill>
+                        <a:effectLst/>
+                        <a:latin typeface="Calibri"/>
+                      </a:endParaRPr>
+                    </a:p>
+                  </a:txBody>
+                  <a:tcPr marL="12700" marR="12700" marT="12700" marB="0" anchor="b"/>
+                </a:tc>
+                <a:tc>
+                  <a:txBody>
+                    <a:bodyPr/>
+                    <a:lstStyle/>
+                    <a:p>
+                      <a:pPr algn="ctr" fontAlgn="b"/>
+                      <a:r>
+                        <a:rPr lang="en-US" sz="1600" u="none" strike="noStrike">
+                          <a:effectLst/>
+                        </a:rPr>
+                        <a:t>1.21</a:t>
+                      </a:r>
+                      <a:endParaRPr lang="en-US" sz="1600" b="0" i="0" u="none" strike="noStrike">
+                        <a:solidFill>
+                          <a:srgbClr val="000000"/>
+                        </a:solidFill>
+                        <a:effectLst/>
+                        <a:latin typeface="Calibri"/>
+                      </a:endParaRPr>
+                    </a:p>
+                  </a:txBody>
+                  <a:tcPr marL="12700" marR="12700" marT="12700" marB="0" anchor="b"/>
+                </a:tc>
+                <a:tc>
+                  <a:txBody>
+                    <a:bodyPr/>
+                    <a:lstStyle/>
+                    <a:p>
+                      <a:pPr algn="l" fontAlgn="b"/>
+                      <a:r>
+                        <a:rPr lang="en-US" sz="1600" u="none" strike="noStrike">
+                          <a:effectLst/>
+                        </a:rPr>
+                        <a:t>Oncology</a:t>
+                      </a:r>
+                      <a:endParaRPr lang="en-US" sz="1600" b="0" i="0" u="none" strike="noStrike">
+                        <a:solidFill>
+                          <a:srgbClr val="000000"/>
+                        </a:solidFill>
+                        <a:effectLst/>
+                        <a:latin typeface="Calibri"/>
+                      </a:endParaRPr>
+                    </a:p>
+                  </a:txBody>
+                  <a:tcPr marL="12700" marR="12700" marT="12700" marB="0" anchor="b"/>
+                </a:tc>
+                <a:tc>
+                  <a:txBody>
+                    <a:bodyPr/>
+                    <a:lstStyle/>
+                    <a:p>
+                      <a:pPr algn="ctr" fontAlgn="b"/>
+                      <a:r>
+                        <a:rPr lang="en-US" sz="1600" u="none" strike="noStrike">
+                          <a:effectLst/>
+                        </a:rPr>
+                        <a:t>17</a:t>
+                      </a:r>
+                      <a:endParaRPr lang="en-US" sz="1600" b="0" i="0" u="none" strike="noStrike">
+                        <a:solidFill>
+                          <a:srgbClr val="000000"/>
+                        </a:solidFill>
+                        <a:effectLst/>
+                        <a:latin typeface="Calibri"/>
+                      </a:endParaRPr>
+                    </a:p>
+                  </a:txBody>
+                  <a:tcPr marL="12700" marR="12700" marT="12700" marB="0" anchor="b"/>
+                </a:tc>
+                <a:tc>
+                  <a:txBody>
+                    <a:bodyPr/>
+                    <a:lstStyle/>
+                    <a:p>
+                      <a:pPr algn="ctr" fontAlgn="b"/>
+                      <a:r>
+                        <a:rPr lang="en-US" sz="1600" u="none" strike="noStrike">
+                          <a:effectLst/>
+                        </a:rPr>
+                        <a:t>14</a:t>
+                      </a:r>
+                      <a:endParaRPr lang="en-US" sz="1600" b="0" i="0" u="none" strike="noStrike">
+                        <a:solidFill>
+                          <a:srgbClr val="000000"/>
+                        </a:solidFill>
+                        <a:effectLst/>
+                        <a:latin typeface="Calibri"/>
+                      </a:endParaRPr>
+                    </a:p>
+                  </a:txBody>
+                  <a:tcPr marL="12700" marR="12700" marT="12700" marB="0" anchor="b"/>
+                </a:tc>
+              </a:tr>
+              <a:tr h="223234">
+                <a:tc>
+                  <a:txBody>
+                    <a:bodyPr/>
+                    <a:lstStyle/>
+                    <a:p>
+                      <a:pPr algn="l" fontAlgn="b"/>
+                      <a:r>
+                        <a:rPr lang="en-US" sz="1600" u="none" strike="noStrike">
+                          <a:effectLst/>
+                        </a:rPr>
+                        <a:t>Eloxatin</a:t>
+                      </a:r>
+                      <a:endParaRPr lang="en-US" sz="1600" b="0" i="0" u="none" strike="noStrike">
+                        <a:solidFill>
+                          <a:srgbClr val="000000"/>
+                        </a:solidFill>
+                        <a:effectLst/>
+                        <a:latin typeface="Calibri"/>
+                      </a:endParaRPr>
+                    </a:p>
+                  </a:txBody>
+                  <a:tcPr marL="12700" marR="12700" marT="12700" marB="0" anchor="b"/>
+                </a:tc>
+                <a:tc>
+                  <a:txBody>
+                    <a:bodyPr/>
+                    <a:lstStyle/>
+                    <a:p>
+                      <a:pPr algn="ctr" fontAlgn="b"/>
+                      <a:r>
+                        <a:rPr lang="en-US" sz="1600" u="none" strike="noStrike" dirty="0" smtClean="0">
+                          <a:effectLst/>
+                        </a:rPr>
+                        <a:t>1.30</a:t>
+                      </a:r>
+                      <a:endParaRPr lang="en-US" sz="1600" b="0" i="0" u="none" strike="noStrike" dirty="0">
+                        <a:solidFill>
+                          <a:srgbClr val="000000"/>
+                        </a:solidFill>
+                        <a:effectLst/>
+                        <a:latin typeface="Calibri"/>
+                      </a:endParaRPr>
+                    </a:p>
+                  </a:txBody>
+                  <a:tcPr marL="12700" marR="12700" marT="12700" marB="0" anchor="b"/>
+                </a:tc>
+                <a:tc>
+                  <a:txBody>
+                    <a:bodyPr/>
+                    <a:lstStyle/>
+                    <a:p>
+                      <a:pPr algn="l" fontAlgn="b"/>
+                      <a:r>
+                        <a:rPr lang="en-US" sz="1600" u="none" strike="noStrike">
+                          <a:effectLst/>
+                        </a:rPr>
+                        <a:t>Oncology</a:t>
+                      </a:r>
+                      <a:endParaRPr lang="en-US" sz="1600" b="0" i="0" u="none" strike="noStrike">
+                        <a:solidFill>
+                          <a:srgbClr val="000000"/>
+                        </a:solidFill>
+                        <a:effectLst/>
+                        <a:latin typeface="Calibri"/>
+                      </a:endParaRPr>
+                    </a:p>
+                  </a:txBody>
+                  <a:tcPr marL="12700" marR="12700" marT="12700" marB="0" anchor="b"/>
+                </a:tc>
+                <a:tc>
+                  <a:txBody>
+                    <a:bodyPr/>
+                    <a:lstStyle/>
+                    <a:p>
+                      <a:pPr algn="ctr" fontAlgn="b"/>
+                      <a:r>
+                        <a:rPr lang="en-US" sz="1600" u="none" strike="noStrike">
+                          <a:effectLst/>
+                        </a:rPr>
+                        <a:t>18</a:t>
+                      </a:r>
+                      <a:endParaRPr lang="en-US" sz="1600" b="0" i="0" u="none" strike="noStrike">
+                        <a:solidFill>
+                          <a:srgbClr val="000000"/>
+                        </a:solidFill>
+                        <a:effectLst/>
+                        <a:latin typeface="Calibri"/>
+                      </a:endParaRPr>
+                    </a:p>
+                  </a:txBody>
+                  <a:tcPr marL="12700" marR="12700" marT="12700" marB="0" anchor="b"/>
+                </a:tc>
+                <a:tc>
+                  <a:txBody>
+                    <a:bodyPr/>
+                    <a:lstStyle/>
+                    <a:p>
+                      <a:pPr algn="ctr" fontAlgn="b"/>
+                      <a:r>
+                        <a:rPr lang="en-US" sz="1600" u="none" strike="noStrike" dirty="0">
+                          <a:effectLst/>
+                        </a:rPr>
+                        <a:t>NM</a:t>
+                      </a:r>
+                      <a:endParaRPr lang="en-US" sz="1600" b="0" i="0" u="none" strike="noStrike" dirty="0">
+                        <a:solidFill>
+                          <a:srgbClr val="000000"/>
+                        </a:solidFill>
+                        <a:effectLst/>
+                        <a:latin typeface="Calibri"/>
+                      </a:endParaRPr>
+                    </a:p>
+                  </a:txBody>
+                  <a:tcPr marL="12700" marR="12700" marT="12700" marB="0" anchor="b"/>
+                </a:tc>
+              </a:tr>
+              <a:tr h="223234">
+                <a:tc>
+                  <a:txBody>
+                    <a:bodyPr/>
+                    <a:lstStyle/>
+                    <a:p>
+                      <a:pPr algn="l" fontAlgn="b"/>
+                      <a:r>
+                        <a:rPr lang="en-US" sz="1600" u="none" strike="noStrike">
+                          <a:effectLst/>
+                        </a:rPr>
+                        <a:t>Lovenox</a:t>
+                      </a:r>
+                      <a:endParaRPr lang="en-US" sz="1600" b="0" i="0" u="none" strike="noStrike">
+                        <a:solidFill>
+                          <a:srgbClr val="000000"/>
+                        </a:solidFill>
+                        <a:effectLst/>
+                        <a:latin typeface="Calibri"/>
+                      </a:endParaRPr>
+                    </a:p>
+                  </a:txBody>
+                  <a:tcPr marL="12700" marR="12700" marT="12700" marB="0" anchor="b"/>
+                </a:tc>
+                <a:tc>
+                  <a:txBody>
+                    <a:bodyPr/>
+                    <a:lstStyle/>
+                    <a:p>
+                      <a:pPr algn="ctr" fontAlgn="b"/>
+                      <a:r>
+                        <a:rPr lang="en-US" sz="1600" u="none" strike="noStrike">
+                          <a:effectLst/>
+                        </a:rPr>
+                        <a:t>1.06</a:t>
+                      </a:r>
+                      <a:endParaRPr lang="en-US" sz="1600" b="0" i="0" u="none" strike="noStrike">
+                        <a:solidFill>
+                          <a:srgbClr val="000000"/>
+                        </a:solidFill>
+                        <a:effectLst/>
+                        <a:latin typeface="Calibri"/>
+                      </a:endParaRPr>
+                    </a:p>
+                  </a:txBody>
+                  <a:tcPr marL="12700" marR="12700" marT="12700" marB="0" anchor="b"/>
+                </a:tc>
+                <a:tc>
+                  <a:txBody>
+                    <a:bodyPr/>
+                    <a:lstStyle/>
+                    <a:p>
+                      <a:pPr algn="l" fontAlgn="b"/>
+                      <a:r>
+                        <a:rPr lang="en-US" sz="1600" u="none" strike="noStrike">
+                          <a:effectLst/>
+                        </a:rPr>
+                        <a:t>Anti-coagulation</a:t>
+                      </a:r>
+                      <a:endParaRPr lang="en-US" sz="1600" b="0" i="0" u="none" strike="noStrike">
+                        <a:solidFill>
+                          <a:srgbClr val="000000"/>
+                        </a:solidFill>
+                        <a:effectLst/>
+                        <a:latin typeface="Calibri"/>
+                      </a:endParaRPr>
+                    </a:p>
+                  </a:txBody>
+                  <a:tcPr marL="12700" marR="12700" marT="12700" marB="0" anchor="b"/>
+                </a:tc>
+                <a:tc>
+                  <a:txBody>
+                    <a:bodyPr/>
+                    <a:lstStyle/>
+                    <a:p>
+                      <a:pPr algn="ctr" fontAlgn="b"/>
+                      <a:r>
+                        <a:rPr lang="en-US" sz="1600" u="none" strike="noStrike">
+                          <a:effectLst/>
+                        </a:rPr>
+                        <a:t>19</a:t>
+                      </a:r>
+                      <a:endParaRPr lang="en-US" sz="1600" b="0" i="0" u="none" strike="noStrike">
+                        <a:solidFill>
+                          <a:srgbClr val="000000"/>
+                        </a:solidFill>
+                        <a:effectLst/>
+                        <a:latin typeface="Calibri"/>
+                      </a:endParaRPr>
+                    </a:p>
+                  </a:txBody>
+                  <a:tcPr marL="12700" marR="12700" marT="12700" marB="0" anchor="b"/>
+                </a:tc>
+                <a:tc>
+                  <a:txBody>
+                    <a:bodyPr/>
+                    <a:lstStyle/>
+                    <a:p>
+                      <a:pPr algn="ctr" fontAlgn="b"/>
+                      <a:r>
+                        <a:rPr lang="en-US" sz="1600" u="none" strike="noStrike" dirty="0">
+                          <a:effectLst/>
+                        </a:rPr>
+                        <a:t>16</a:t>
+                      </a:r>
+                      <a:endParaRPr lang="en-US" sz="1600" b="0" i="0" u="none" strike="noStrike" dirty="0">
+                        <a:solidFill>
+                          <a:srgbClr val="000000"/>
+                        </a:solidFill>
+                        <a:effectLst/>
+                        <a:latin typeface="Calibri"/>
+                      </a:endParaRPr>
+                    </a:p>
+                  </a:txBody>
+                  <a:tcPr marL="12700" marR="12700" marT="12700" marB="0" anchor="b"/>
+                </a:tc>
+              </a:tr>
+              <a:tr h="223234">
+                <a:tc>
+                  <a:txBody>
+                    <a:bodyPr/>
+                    <a:lstStyle/>
+                    <a:p>
+                      <a:pPr algn="l" fontAlgn="b"/>
+                      <a:r>
+                        <a:rPr lang="en-US" sz="1600" u="none" strike="noStrike">
+                          <a:effectLst/>
+                        </a:rPr>
+                        <a:t>Rebif</a:t>
+                      </a:r>
+                      <a:endParaRPr lang="en-US" sz="1600" b="0" i="0" u="none" strike="noStrike">
+                        <a:solidFill>
+                          <a:srgbClr val="000000"/>
+                        </a:solidFill>
+                        <a:effectLst/>
+                        <a:latin typeface="Calibri"/>
+                      </a:endParaRPr>
+                    </a:p>
+                  </a:txBody>
+                  <a:tcPr marL="12700" marR="12700" marT="12700" marB="0" anchor="b"/>
+                </a:tc>
+                <a:tc>
+                  <a:txBody>
+                    <a:bodyPr/>
+                    <a:lstStyle/>
+                    <a:p>
+                      <a:pPr algn="ctr" fontAlgn="b"/>
+                      <a:r>
+                        <a:rPr lang="en-US" sz="1600" u="none" strike="noStrike" dirty="0">
+                          <a:effectLst/>
+                        </a:rPr>
+                        <a:t>1.06</a:t>
+                      </a:r>
+                      <a:endParaRPr lang="en-US" sz="1600" b="0" i="0" u="none" strike="noStrike" dirty="0">
+                        <a:solidFill>
+                          <a:srgbClr val="000000"/>
+                        </a:solidFill>
+                        <a:effectLst/>
+                        <a:latin typeface="Calibri"/>
+                      </a:endParaRPr>
+                    </a:p>
+                  </a:txBody>
+                  <a:tcPr marL="12700" marR="12700" marT="12700" marB="0" anchor="b"/>
+                </a:tc>
+                <a:tc>
+                  <a:txBody>
+                    <a:bodyPr/>
+                    <a:lstStyle/>
+                    <a:p>
+                      <a:pPr algn="l" fontAlgn="b"/>
+                      <a:r>
+                        <a:rPr lang="en-US" sz="1600" u="none" strike="noStrike">
+                          <a:effectLst/>
+                        </a:rPr>
+                        <a:t>Multiple sclerosis</a:t>
+                      </a:r>
+                      <a:endParaRPr lang="en-US" sz="1600" b="0" i="0" u="none" strike="noStrike">
+                        <a:solidFill>
+                          <a:srgbClr val="000000"/>
+                        </a:solidFill>
+                        <a:effectLst/>
+                        <a:latin typeface="Calibri"/>
+                      </a:endParaRPr>
+                    </a:p>
+                  </a:txBody>
+                  <a:tcPr marL="12700" marR="12700" marT="12700" marB="0" anchor="b"/>
+                </a:tc>
+                <a:tc>
+                  <a:txBody>
+                    <a:bodyPr/>
+                    <a:lstStyle/>
+                    <a:p>
+                      <a:pPr algn="ctr" fontAlgn="b"/>
+                      <a:r>
+                        <a:rPr lang="en-US" sz="1600" u="none" strike="noStrike" dirty="0">
+                          <a:effectLst/>
+                        </a:rPr>
+                        <a:t>20</a:t>
+                      </a:r>
+                      <a:endParaRPr lang="en-US" sz="1600" b="0" i="0" u="none" strike="noStrike" dirty="0">
+                        <a:solidFill>
+                          <a:srgbClr val="000000"/>
+                        </a:solidFill>
+                        <a:effectLst/>
+                        <a:latin typeface="Calibri"/>
+                      </a:endParaRPr>
+                    </a:p>
+                  </a:txBody>
+                  <a:tcPr marL="12700" marR="12700" marT="12700" marB="0" anchor="b"/>
+                </a:tc>
+                <a:tc>
+                  <a:txBody>
+                    <a:bodyPr/>
+                    <a:lstStyle/>
+                    <a:p>
+                      <a:pPr algn="ctr" fontAlgn="b"/>
+                      <a:r>
+                        <a:rPr lang="en-US" sz="1600" u="none" strike="noStrike" dirty="0">
+                          <a:effectLst/>
+                        </a:rPr>
+                        <a:t>9</a:t>
+                      </a:r>
+                      <a:endParaRPr lang="en-US" sz="1600" b="0" i="0" u="none" strike="noStrike" dirty="0">
+                        <a:solidFill>
+                          <a:srgbClr val="000000"/>
+                        </a:solidFill>
+                        <a:effectLst/>
+                        <a:latin typeface="Calibri"/>
+                      </a:endParaRPr>
+                    </a:p>
+                  </a:txBody>
+                  <a:tcPr marL="12700" marR="12700" marT="12700" marB="0" anchor="b"/>
+                </a:tc>
+              </a:tr>
+            </a:tbl>
+          </a:graphicData>
+        </a:graphic>
+      </p:graphicFrame>
+    </p:spTree>
+    <p:extLst>
+      <p:ext uri="{BB962C8B-B14F-4D97-AF65-F5344CB8AC3E}">
+        <p14:creationId xmlns:p14="http://schemas.microsoft.com/office/powerpoint/2010/main" val="2907319603"/>
+      </p:ext>
+    </p:extLst>
+  </p:cSld>
+  <p:clrMapOvr>
+    <a:masterClrMapping/>
+  </p:clrMapOvr>
+</p:sld>
+</file>
+
+<file path=ppt/slides/slide16.xml><?xml version="1.0" encoding="utf-8"?>
+<p:sld xmlns:a="http://schemas.openxmlformats.org/drawingml/2006/main" xmlns:r="http://schemas.openxmlformats.org/officeDocument/2006/relationships" xmlns:p="http://schemas.openxmlformats.org/presentationml/2006/main">
+  <p:cSld>
+    <p:spTree>
+      <p:nvGrpSpPr>
+        <p:cNvPr id="1" name=""/>
+        <p:cNvGrpSpPr/>
+        <p:nvPr/>
+      </p:nvGrpSpPr>
+      <p:grpSpPr>
+        <a:xfrm>
+          <a:off x="0" y="0"/>
+          <a:ext cx="0" cy="0"/>
+          <a:chOff x="0" y="0"/>
+          <a:chExt cx="0" cy="0"/>
+        </a:xfrm>
+      </p:grpSpPr>
+      <p:sp>
+        <p:nvSpPr>
+          <p:cNvPr id="2" name="Title 1"/>
+          <p:cNvSpPr>
+            <a:spLocks noGrp="1"/>
+          </p:cNvSpPr>
+          <p:nvPr>
+            <p:ph type="title"/>
+          </p:nvPr>
+        </p:nvSpPr>
+        <p:spPr/>
+        <p:txBody>
+          <a:bodyPr/>
+          <a:lstStyle/>
+          <a:p>
+            <a:r>
+              <a:rPr lang="en-US" dirty="0" smtClean="0"/>
+              <a:t>Summary</a:t>
+            </a:r>
+            <a:endParaRPr lang="en-US" dirty="0"/>
+          </a:p>
+        </p:txBody>
+      </p:sp>
+      <p:sp>
+        <p:nvSpPr>
+          <p:cNvPr id="3" name="Content Placeholder 2"/>
+          <p:cNvSpPr>
+            <a:spLocks noGrp="1"/>
+          </p:cNvSpPr>
+          <p:nvPr>
+            <p:ph idx="1"/>
+          </p:nvPr>
+        </p:nvSpPr>
+        <p:spPr>
+          <a:xfrm>
+            <a:off x="457200" y="1066800"/>
+            <a:ext cx="8534400" cy="5410200"/>
+          </a:xfrm>
+        </p:spPr>
+        <p:txBody>
+          <a:bodyPr/>
+          <a:lstStyle/>
+          <a:p>
+            <a:r>
+              <a:rPr lang="en-US" dirty="0" smtClean="0"/>
+              <a:t>Significant increase in market share of Specialty Drugs, both in terms of FDA approvals and claims</a:t>
+            </a:r>
+          </a:p>
+          <a:p>
+            <a:endParaRPr lang="en-US" dirty="0" smtClean="0"/>
+          </a:p>
+          <a:p>
+            <a:r>
+              <a:rPr lang="en-US" dirty="0" smtClean="0"/>
+              <a:t>Stocking and dispensing specialty drugs requires specialist handling</a:t>
+            </a:r>
+          </a:p>
+          <a:p>
+            <a:endParaRPr lang="en-US" dirty="0" smtClean="0"/>
+          </a:p>
+          <a:p>
+            <a:r>
+              <a:rPr lang="en-US" dirty="0" smtClean="0"/>
+              <a:t>Specialty therapies target rare diseases </a:t>
+            </a:r>
+          </a:p>
+          <a:p>
+            <a:endParaRPr lang="en-US" dirty="0" smtClean="0"/>
+          </a:p>
+          <a:p>
+            <a:r>
+              <a:rPr lang="en-US" dirty="0" smtClean="0"/>
+              <a:t>Largest therapy growth is seen in inflammatory conditions and multiple sclerosis</a:t>
+            </a:r>
+          </a:p>
+          <a:p>
+            <a:endParaRPr lang="en-US" dirty="0" smtClean="0"/>
+          </a:p>
+          <a:p>
+            <a:r>
+              <a:rPr lang="en-US" dirty="0" smtClean="0"/>
+              <a:t>Express Scripts report that Specialty Drugs will be up by 67% by 2015, with cancer drugs alone expected to grow by 77%</a:t>
+            </a:r>
+          </a:p>
+          <a:p>
+            <a:endParaRPr lang="en-US" dirty="0"/>
+          </a:p>
+          <a:p>
+            <a:r>
+              <a:rPr lang="en-US" dirty="0" err="1" smtClean="0"/>
+              <a:t>Hepatitus</a:t>
+            </a:r>
+            <a:r>
+              <a:rPr lang="en-US" dirty="0" smtClean="0"/>
+              <a:t> C spending will grow by 458% by 2015, led by Gilead’s </a:t>
+            </a:r>
+            <a:r>
+              <a:rPr lang="en-US" i="1" dirty="0" err="1" smtClean="0"/>
+              <a:t>Sovaldi</a:t>
+            </a:r>
+            <a:r>
+              <a:rPr lang="en-US" i="1" dirty="0" smtClean="0"/>
+              <a:t> </a:t>
+            </a:r>
+            <a:r>
+              <a:rPr lang="en-US" dirty="0" smtClean="0"/>
+              <a:t>($84,000 for treatment, $1,000 per pill)</a:t>
+            </a:r>
+            <a:endParaRPr lang="en-US" dirty="0" smtClean="0"/>
+          </a:p>
+          <a:p>
+            <a:endParaRPr lang="en-US" dirty="0"/>
+          </a:p>
+        </p:txBody>
+      </p:sp>
+      <p:sp>
+        <p:nvSpPr>
+          <p:cNvPr id="4" name="Slide Number Placeholder 3"/>
+          <p:cNvSpPr>
+            <a:spLocks noGrp="1"/>
+          </p:cNvSpPr>
+          <p:nvPr>
+            <p:ph type="sldNum" sz="quarter" idx="10"/>
+          </p:nvPr>
+        </p:nvSpPr>
+        <p:spPr/>
+        <p:txBody>
+          <a:bodyPr/>
+          <a:lstStyle/>
+          <a:p>
+            <a:pPr>
+              <a:defRPr/>
+            </a:pPr>
+            <a:fld id="{FFC8DA91-1027-405E-982D-FEC1575099C3}" type="slidenum">
+              <a:rPr lang="en-US" smtClean="0"/>
+              <a:pPr>
+                <a:defRPr/>
+              </a:pPr>
+              <a:t>16</a:t>
+            </a:fld>
+            <a:endParaRPr lang="en-US"/>
+          </a:p>
+        </p:txBody>
+      </p:sp>
     </p:spTree>
     <p:extLst>
       <p:ext uri="{BB962C8B-B14F-4D97-AF65-F5344CB8AC3E}">
@@ -5390,7 +8015,169 @@
 </p:sld>
 </file>
 
-<file path=ppt/slides/slide16.xml><?xml version="1.0" encoding="utf-8"?>
+<file path=ppt/slides/slide17.xml><?xml version="1.0" encoding="utf-8"?>
+<p:sld xmlns:a="http://schemas.openxmlformats.org/drawingml/2006/main" xmlns:r="http://schemas.openxmlformats.org/officeDocument/2006/relationships" xmlns:p="http://schemas.openxmlformats.org/presentationml/2006/main">
+  <p:cSld>
+    <p:spTree>
+      <p:nvGrpSpPr>
+        <p:cNvPr id="1" name=""/>
+        <p:cNvGrpSpPr/>
+        <p:nvPr/>
+      </p:nvGrpSpPr>
+      <p:grpSpPr>
+        <a:xfrm>
+          <a:off x="0" y="0"/>
+          <a:ext cx="0" cy="0"/>
+          <a:chOff x="0" y="0"/>
+          <a:chExt cx="0" cy="0"/>
+        </a:xfrm>
+      </p:grpSpPr>
+      <p:sp>
+        <p:nvSpPr>
+          <p:cNvPr id="2" name="Title 1"/>
+          <p:cNvSpPr>
+            <a:spLocks noGrp="1"/>
+          </p:cNvSpPr>
+          <p:nvPr>
+            <p:ph type="title"/>
+          </p:nvPr>
+        </p:nvSpPr>
+        <p:spPr/>
+        <p:txBody>
+          <a:bodyPr/>
+          <a:lstStyle/>
+          <a:p>
+            <a:r>
+              <a:rPr lang="en-US" dirty="0" smtClean="0"/>
+              <a:t>Market Drivers</a:t>
+            </a:r>
+            <a:endParaRPr lang="en-US" dirty="0"/>
+          </a:p>
+        </p:txBody>
+      </p:sp>
+      <p:sp>
+        <p:nvSpPr>
+          <p:cNvPr id="4" name="Slide Number Placeholder 3"/>
+          <p:cNvSpPr>
+            <a:spLocks noGrp="1"/>
+          </p:cNvSpPr>
+          <p:nvPr>
+            <p:ph type="sldNum" sz="quarter" idx="10"/>
+          </p:nvPr>
+        </p:nvSpPr>
+        <p:spPr/>
+        <p:txBody>
+          <a:bodyPr/>
+          <a:lstStyle/>
+          <a:p>
+            <a:pPr>
+              <a:defRPr/>
+            </a:pPr>
+            <a:fld id="{FFC8DA91-1027-405E-982D-FEC1575099C3}" type="slidenum">
+              <a:rPr lang="en-US" smtClean="0"/>
+              <a:pPr>
+                <a:defRPr/>
+              </a:pPr>
+              <a:t>17</a:t>
+            </a:fld>
+            <a:endParaRPr lang="en-US"/>
+          </a:p>
+        </p:txBody>
+      </p:sp>
+      <p:pic>
+        <p:nvPicPr>
+          <p:cNvPr id="5" name="Picture 4"/>
+          <p:cNvPicPr>
+            <a:picLocks noChangeAspect="1"/>
+          </p:cNvPicPr>
+          <p:nvPr/>
+        </p:nvPicPr>
+        <p:blipFill>
+          <a:blip r:embed="rId2"/>
+          <a:stretch>
+            <a:fillRect/>
+          </a:stretch>
+        </p:blipFill>
+        <p:spPr>
+          <a:xfrm>
+            <a:off x="457200" y="1447800"/>
+            <a:ext cx="8334492" cy="4304439"/>
+          </a:xfrm>
+          <a:prstGeom prst="rect">
+            <a:avLst/>
+          </a:prstGeom>
+        </p:spPr>
+      </p:pic>
+      <p:sp>
+        <p:nvSpPr>
+          <p:cNvPr id="7" name="Rectangle 6"/>
+          <p:cNvSpPr/>
+          <p:nvPr/>
+        </p:nvSpPr>
+        <p:spPr>
+          <a:xfrm>
+            <a:off x="457200" y="6096000"/>
+            <a:ext cx="8305800" cy="276999"/>
+          </a:xfrm>
+          <a:prstGeom prst="rect">
+            <a:avLst/>
+          </a:prstGeom>
+        </p:spPr>
+        <p:txBody>
+          <a:bodyPr wrap="square">
+            <a:spAutoFit/>
+          </a:bodyPr>
+          <a:lstStyle/>
+          <a:p>
+            <a:r>
+              <a:rPr lang="en-US" sz="1200" dirty="0"/>
+              <a:t>http://</a:t>
+            </a:r>
+            <a:r>
+              <a:rPr lang="en-US" sz="1200" dirty="0" err="1"/>
+              <a:t>www.imshealth.com</a:t>
+            </a:r>
+            <a:r>
+              <a:rPr lang="en-US" sz="1200" dirty="0"/>
+              <a:t>/</a:t>
+            </a:r>
+            <a:r>
+              <a:rPr lang="en-US" sz="1200" dirty="0" err="1"/>
+              <a:t>deployedfiles</a:t>
+            </a:r>
+            <a:r>
+              <a:rPr lang="en-US" sz="1200" dirty="0"/>
+              <a:t>/</a:t>
+            </a:r>
+            <a:r>
+              <a:rPr lang="en-US" sz="1200" dirty="0" err="1"/>
+              <a:t>imshealth</a:t>
+            </a:r>
+            <a:r>
+              <a:rPr lang="en-US" sz="1200" dirty="0" smtClean="0"/>
+              <a:t>/…/5</a:t>
+            </a:r>
+            <a:r>
+              <a:rPr lang="en-US" sz="1200" dirty="0"/>
+              <a:t>-29-14%20Specialty_Drug_Trend_Whitepaper_Hi-Res.pdf</a:t>
+            </a:r>
+          </a:p>
+        </p:txBody>
+      </p:sp>
+    </p:spTree>
+    <p:extLst>
+      <p:ext uri="{BB962C8B-B14F-4D97-AF65-F5344CB8AC3E}">
+        <p14:creationId xmlns:p14="http://schemas.microsoft.com/office/powerpoint/2010/main" val="2730509542"/>
+      </p:ext>
+    </p:extLst>
+  </p:cSld>
+  <p:clrMapOvr>
+    <a:masterClrMapping/>
+  </p:clrMapOvr>
+</p:sld>
+</file>
+
+<file path=ppt/slides/slide18.xml><?xml version="1.0" encoding="utf-8"?>
 <p:sld xmlns:a="http://schemas.openxmlformats.org/drawingml/2006/main" xmlns:r="http://schemas.openxmlformats.org/officeDocument/2006/relationships" xmlns:p="http://schemas.openxmlformats.org/presentationml/2006/main">
   <p:cSld>
     <p:spTree>
@@ -5581,7 +8368,7 @@
 </file>
 
 <file path=ppt/slides/slide3.xml><?xml version="1.0" encoding="utf-8"?>
-<p:sld xmlns:a="http://schemas.openxmlformats.org/drawingml/2006/main" xmlns:r="http://schemas.openxmlformats.org/officeDocument/2006/relationships" xmlns:p="http://schemas.openxmlformats.org/presentationml/2006/main" show="0">
+<p:sld xmlns:a="http://schemas.openxmlformats.org/drawingml/2006/main" xmlns:r="http://schemas.openxmlformats.org/officeDocument/2006/relationships" xmlns:p="http://schemas.openxmlformats.org/presentationml/2006/main">
   <p:cSld>
     <p:spTree>
       <p:nvGrpSpPr>
@@ -5613,10 +8400,10 @@
           <a:lstStyle/>
           <a:p>
             <a:r>
-              <a:rPr lang="en-US" smtClean="0"/>
-              <a:t>Introduction</a:t>
-            </a:r>
-            <a:endParaRPr lang="en-US"/>
+              <a:rPr lang="en-US" dirty="0" smtClean="0"/>
+              <a:t>Specialty Therapies</a:t>
+            </a:r>
+            <a:endParaRPr lang="en-US" dirty="0"/>
           </a:p>
         </p:txBody>
       </p:sp>
@@ -5630,85 +8417,46 @@
             <p:ph idx="1"/>
           </p:nvPr>
         </p:nvSpPr>
-        <p:spPr/>
+        <p:spPr>
+          <a:xfrm>
+            <a:off x="457200" y="3276600"/>
+            <a:ext cx="8229600" cy="2819400"/>
+          </a:xfrm>
+        </p:spPr>
         <p:txBody>
           <a:bodyPr/>
           <a:lstStyle/>
           <a:p>
-            <a:pPr marL="800100" lvl="1" indent="-342900">
-              <a:buFont typeface="+mj-lt"/>
-              <a:buAutoNum type="arabicPeriod"/>
-            </a:pPr>
+            <a:r>
+              <a:rPr lang="en-US" dirty="0" smtClean="0"/>
+              <a:t>Traditional pharmacy spending grew 2.75 % from 2008 to 2011</a:t>
+            </a:r>
+          </a:p>
+          <a:p>
+            <a:r>
+              <a:rPr lang="en-US" dirty="0" smtClean="0"/>
+              <a:t>Specialty drug therapies averaged 7.5% growth annually over the same period</a:t>
+            </a:r>
+          </a:p>
+          <a:p>
             <a:r>
               <a:rPr lang="en-US" dirty="0"/>
-              <a:t>Warm Greeting</a:t>
-            </a:r>
-          </a:p>
-          <a:p>
-            <a:pPr marL="800100" lvl="1" indent="-342900">
-              <a:buFont typeface="+mj-lt"/>
-              <a:buAutoNum type="arabicPeriod"/>
-            </a:pPr>
+              <a:t>In 2011, oncology drugs made up about one-</a:t>
+            </a:r>
+            <a:r>
+              <a:rPr lang="en-US" dirty="0" smtClean="0"/>
+              <a:t>third of </a:t>
+            </a:r>
             <a:r>
               <a:rPr lang="en-US" dirty="0"/>
-              <a:t>Your name, title and exactly what you do in a little detail. Some of your background and experience leading up to your present role (your story)</a:t>
-            </a:r>
-          </a:p>
-          <a:p>
-            <a:pPr marL="800100" lvl="1" indent="-342900">
-              <a:buFont typeface="+mj-lt"/>
-              <a:buAutoNum type="arabicPeriod"/>
-            </a:pPr>
-            <a:r>
+              <a:t>the total spending on specialty pharmaceuticals, accounting for $30.6 billion</a:t>
+            </a:r>
+            <a:br>
               <a:rPr lang="en-US" dirty="0"/>
-              <a:t>Statement of Importance… </a:t>
-            </a:r>
-          </a:p>
-          <a:p>
-            <a:pPr lvl="2"/>
-            <a:r>
-              <a:rPr lang="en-US" dirty="0"/>
-              <a:t>“I am very excited to work with all of you on how to talk about athenahealth. Everyone here needs to be able to have a good conversations about athenahealth and if you can effectively deliver our corporate presentation then you can have a good conversation about athenahealth”</a:t>
-            </a:r>
-          </a:p>
-          <a:p>
-            <a:pPr marL="800100" lvl="1" indent="-342900">
-              <a:buFont typeface="+mj-lt"/>
-              <a:buAutoNum type="arabicPeriod"/>
-            </a:pPr>
-            <a:r>
-              <a:rPr lang="en-US" dirty="0"/>
-              <a:t>Statement of Intent</a:t>
-            </a:r>
-          </a:p>
-          <a:p>
-            <a:pPr lvl="2"/>
-            <a:r>
-              <a:rPr lang="en-US" dirty="0"/>
-              <a:t>“My intent today is to teach you all how to effectively deliver our corporate presentation”</a:t>
-            </a:r>
-          </a:p>
-          <a:p>
-            <a:pPr marL="800100" lvl="1" indent="-342900">
-              <a:buFont typeface="+mj-lt"/>
-              <a:buAutoNum type="arabicPeriod"/>
-            </a:pPr>
-            <a:r>
-              <a:rPr lang="en-US" dirty="0"/>
-              <a:t>Agenda</a:t>
-            </a:r>
-          </a:p>
-          <a:p>
-            <a:pPr lvl="2"/>
-            <a:r>
-              <a:rPr lang="en-US" dirty="0"/>
-              <a:t>In order for me to do so here is what I intend to cover today</a:t>
-            </a:r>
-          </a:p>
-          <a:p>
-            <a:pPr marL="0" indent="0">
-              <a:buNone/>
-            </a:pPr>
+            </a:br>
+            <a:endParaRPr lang="en-US" dirty="0"/>
+          </a:p>
+          <a:p>
             <a:endParaRPr lang="en-US" dirty="0"/>
           </a:p>
         </p:txBody>
@@ -5742,24 +8490,81 @@
           </a:p>
         </p:txBody>
       </p:sp>
+      <p:sp>
+        <p:nvSpPr>
+          <p:cNvPr id="6" name="Rectangle 5"/>
+          <p:cNvSpPr/>
+          <p:nvPr/>
+        </p:nvSpPr>
+        <p:spPr>
+          <a:xfrm>
+            <a:off x="533400" y="1905000"/>
+            <a:ext cx="8153400" cy="1077218"/>
+          </a:xfrm>
+          <a:prstGeom prst="rect">
+            <a:avLst/>
+          </a:prstGeom>
+        </p:spPr>
+        <p:txBody>
+          <a:bodyPr wrap="square">
+            <a:spAutoFit/>
+          </a:bodyPr>
+          <a:lstStyle/>
+          <a:p>
+            <a:r>
+              <a:rPr lang="en-US" i="1" baseline="30000" dirty="0"/>
+              <a:t>Specialty drug </a:t>
+            </a:r>
+            <a:r>
+              <a:rPr lang="en-US" baseline="30000" dirty="0"/>
+              <a:t>is not a therapeutic class or an official designation of the </a:t>
+            </a:r>
+            <a:r>
+              <a:rPr lang="en-US" baseline="30000" dirty="0" smtClean="0"/>
+              <a:t>FDA. </a:t>
+            </a:r>
+            <a:r>
+              <a:rPr lang="en-US" baseline="30000" dirty="0"/>
+              <a:t>Rather, the term describes some of </a:t>
+            </a:r>
+            <a:r>
+              <a:rPr lang="en-US" baseline="30000" dirty="0" smtClean="0"/>
+              <a:t>the latest therapies. </a:t>
+            </a:r>
+            <a:r>
+              <a:rPr lang="en-US" baseline="30000" dirty="0"/>
+              <a:t>These </a:t>
+            </a:r>
+            <a:r>
+              <a:rPr lang="en-US" baseline="30000" dirty="0" smtClean="0"/>
+              <a:t>drugs include </a:t>
+            </a:r>
+            <a:r>
+              <a:rPr lang="en-US" baseline="30000" dirty="0"/>
+              <a:t>drugs for rare diseases and large-molecule biologics </a:t>
+            </a:r>
+            <a:r>
+              <a:rPr lang="en-US" baseline="30000" dirty="0" smtClean="0"/>
+              <a:t>made from </a:t>
+            </a:r>
+            <a:r>
+              <a:rPr lang="en-US" baseline="30000" dirty="0"/>
+              <a:t>proteins (essentially derived from organic substances or living organisms).</a:t>
+            </a:r>
+            <a:endParaRPr lang="en-US" dirty="0"/>
+          </a:p>
+        </p:txBody>
+      </p:sp>
     </p:spTree>
     <p:extLst>
       <p:ext uri="{BB962C8B-B14F-4D97-AF65-F5344CB8AC3E}">
-        <p14:creationId xmlns:p14="http://schemas.microsoft.com/office/powerpoint/2010/main" val="548189241"/>
+        <p14:creationId xmlns:p14="http://schemas.microsoft.com/office/powerpoint/2010/main" val="2867263616"/>
       </p:ext>
     </p:extLst>
   </p:cSld>
   <p:clrMapOvr>
     <a:masterClrMapping/>
   </p:clrMapOvr>
-  <mc:AlternateContent xmlns:mc="http://schemas.openxmlformats.org/markup-compatibility/2006">
-    <mc:Choice xmlns:p14="http://schemas.microsoft.com/office/powerpoint/2010/main" Requires="p14">
-      <p:transition spd="slow" p14:dur="2000"/>
-    </mc:Choice>
-    <mc:Fallback>
-      <p:transition xmlns:p14="http://schemas.microsoft.com/office/powerpoint/2010/main" spd="slow"/>
-    </mc:Fallback>
-  </mc:AlternateContent>
 </p:sld>
 </file>
 
@@ -5797,7 +8602,11 @@
           <a:p>
             <a:r>
               <a:rPr lang="en-US" dirty="0" smtClean="0"/>
-              <a:t>FDA Drugs Approvals</a:t>
+              <a:t>Current FDA </a:t>
+            </a:r>
+            <a:r>
+              <a:rPr lang="en-US" dirty="0" smtClean="0"/>
+              <a:t>Drugs Approvals</a:t>
             </a:r>
             <a:endParaRPr lang="en-US" dirty="0"/>
           </a:p>
@@ -5901,7 +8710,7 @@
         <p:spPr>
           <a:xfrm>
             <a:off x="381000" y="1676400"/>
-            <a:ext cx="1669047" cy="1569660"/>
+            <a:ext cx="1993805" cy="3046988"/>
           </a:xfrm>
           <a:prstGeom prst="rect">
             <a:avLst/>
@@ -5940,8 +8749,42 @@
             </a:r>
             <a:r>
               <a:rPr lang="en-US" dirty="0" smtClean="0"/>
-              <a:t> Q1 &amp; Q2 </a:t>
-            </a:r>
+              <a:t> Q1 &amp; </a:t>
+            </a:r>
+            <a:r>
+              <a:rPr lang="en-US" dirty="0" smtClean="0"/>
+              <a:t>Q2</a:t>
+            </a:r>
+          </a:p>
+          <a:p>
+            <a:endParaRPr lang="en-US" dirty="0"/>
+          </a:p>
+          <a:p>
+            <a:r>
+              <a:rPr lang="en-US" dirty="0" smtClean="0"/>
+              <a:t>Forecast </a:t>
+            </a:r>
+            <a:r>
+              <a:rPr lang="en-US" dirty="0" smtClean="0"/>
+              <a:t>300 </a:t>
+            </a:r>
+          </a:p>
+          <a:p>
+            <a:r>
+              <a:rPr lang="en-US" dirty="0" smtClean="0"/>
+              <a:t>approvals</a:t>
+            </a:r>
+            <a:r>
+              <a:rPr lang="en-US" dirty="0" smtClean="0"/>
+              <a:t> </a:t>
+            </a:r>
+          </a:p>
+          <a:p>
+            <a:r>
+              <a:rPr lang="en-US" dirty="0" smtClean="0"/>
+              <a:t>Q3 &amp; Q4 ‘14</a:t>
+            </a:r>
+            <a:endParaRPr lang="en-US" dirty="0" smtClean="0"/>
           </a:p>
           <a:p>
             <a:endParaRPr lang="en-US" dirty="0"/>
@@ -6028,62 +8871,8 @@
           <a:p>
             <a:r>
               <a:rPr lang="en-US" dirty="0" smtClean="0"/>
-              <a:t>Specialty Therapies</a:t>
-            </a:r>
-            <a:endParaRPr lang="en-US" dirty="0"/>
-          </a:p>
-        </p:txBody>
-      </p:sp>
-      <p:sp>
-        <p:nvSpPr>
-          <p:cNvPr id="3" name="Content Placeholder 2"/>
-          <p:cNvSpPr>
-            <a:spLocks noGrp="1"/>
-          </p:cNvSpPr>
-          <p:nvPr>
-            <p:ph idx="1"/>
-          </p:nvPr>
-        </p:nvSpPr>
-        <p:spPr>
-          <a:xfrm>
-            <a:off x="457200" y="3276600"/>
-            <a:ext cx="8229600" cy="2819400"/>
-          </a:xfrm>
-        </p:spPr>
-        <p:txBody>
-          <a:bodyPr/>
-          <a:lstStyle/>
-          <a:p>
-            <a:r>
-              <a:rPr lang="en-US" dirty="0" smtClean="0"/>
-              <a:t>Traditional pharmacy spending grew 2.75 % from 2008 to 2011</a:t>
-            </a:r>
-          </a:p>
-          <a:p>
-            <a:r>
-              <a:rPr lang="en-US" dirty="0" smtClean="0"/>
-              <a:t>Specialty drug therapies averaged 7.5% growth annually over the same period</a:t>
-            </a:r>
-          </a:p>
-          <a:p>
-            <a:r>
-              <a:rPr lang="en-US" dirty="0"/>
-              <a:t>In 2011, oncology drugs made up about one-</a:t>
-            </a:r>
-            <a:r>
-              <a:rPr lang="en-US" dirty="0" smtClean="0"/>
-              <a:t>third of </a:t>
-            </a:r>
-            <a:r>
-              <a:rPr lang="en-US" dirty="0"/>
-              <a:t>the total spending on specialty pharmaceuticals, accounting for $30.6 billion</a:t>
-            </a:r>
-            <a:br>
-              <a:rPr lang="en-US" dirty="0"/>
-            </a:br>
-            <a:endParaRPr lang="en-US" dirty="0"/>
-          </a:p>
-          <a:p>
+              <a:t>Specialty Therapies Market Share</a:t>
+            </a:r>
             <a:endParaRPr lang="en-US" dirty="0"/>
           </a:p>
         </p:txBody>
@@ -6117,75 +8906,34 @@
           </a:p>
         </p:txBody>
       </p:sp>
-      <p:sp>
-        <p:nvSpPr>
-          <p:cNvPr id="6" name="Rectangle 5"/>
-          <p:cNvSpPr/>
+      <p:pic>
+        <p:nvPicPr>
+          <p:cNvPr id="5" name="Picture 4"/>
+          <p:cNvPicPr>
+            <a:picLocks noChangeAspect="1"/>
+          </p:cNvPicPr>
           <p:nvPr/>
-        </p:nvSpPr>
+        </p:nvPicPr>
+        <p:blipFill>
+          <a:blip r:embed="rId2"/>
+          <a:stretch>
+            <a:fillRect/>
+          </a:stretch>
+        </p:blipFill>
         <p:spPr>
           <a:xfrm>
-            <a:off x="533400" y="1905000"/>
-            <a:ext cx="8153400" cy="1077218"/>
+            <a:off x="533400" y="1295400"/>
+            <a:ext cx="7962900" cy="4965700"/>
           </a:xfrm>
           <a:prstGeom prst="rect">
             <a:avLst/>
           </a:prstGeom>
         </p:spPr>
-        <p:txBody>
-          <a:bodyPr wrap="square">
-            <a:spAutoFit/>
-          </a:bodyPr>
-          <a:lstStyle/>
-          <a:p>
-            <a:r>
-              <a:rPr lang="en-US" i="1" baseline="30000" dirty="0"/>
-              <a:t>Specialty drug </a:t>
-            </a:r>
-            <a:r>
-              <a:rPr lang="en-US" baseline="30000" dirty="0"/>
-              <a:t>is not a therapeutic class or an official designation of the </a:t>
-            </a:r>
-            <a:r>
-              <a:rPr lang="en-US" baseline="30000" dirty="0" smtClean="0"/>
-              <a:t>FDA. </a:t>
-            </a:r>
-            <a:r>
-              <a:rPr lang="en-US" baseline="30000" dirty="0"/>
-              <a:t>Rather, the term describes some of </a:t>
-            </a:r>
-            <a:r>
-              <a:rPr lang="en-US" baseline="30000" dirty="0" smtClean="0"/>
-              <a:t>the latest therapies. </a:t>
-            </a:r>
-            <a:r>
-              <a:rPr lang="en-US" baseline="30000" dirty="0"/>
-              <a:t>These </a:t>
-            </a:r>
-            <a:r>
-              <a:rPr lang="en-US" baseline="30000" dirty="0" smtClean="0"/>
-              <a:t>drugs include </a:t>
-            </a:r>
-            <a:r>
-              <a:rPr lang="en-US" baseline="30000" dirty="0"/>
-              <a:t>drugs for rare diseases and large-molecule biologics </a:t>
-            </a:r>
-            <a:r>
-              <a:rPr lang="en-US" baseline="30000" dirty="0" smtClean="0"/>
-              <a:t>made from </a:t>
-            </a:r>
-            <a:r>
-              <a:rPr lang="en-US" baseline="30000" dirty="0"/>
-              <a:t>proteins (essentially derived from organic substances or living organisms).</a:t>
-            </a:r>
-            <a:endParaRPr lang="en-US" dirty="0"/>
-          </a:p>
-        </p:txBody>
-      </p:sp>
+      </p:pic>
     </p:spTree>
     <p:extLst>
       <p:ext uri="{BB962C8B-B14F-4D97-AF65-F5344CB8AC3E}">
-        <p14:creationId xmlns:p14="http://schemas.microsoft.com/office/powerpoint/2010/main" val="2867263616"/>
+        <p14:creationId xmlns:p14="http://schemas.microsoft.com/office/powerpoint/2010/main" val="776711809"/>
       </p:ext>
     </p:extLst>
   </p:cSld>
@@ -6369,980 +9117,6 @@
           </a:p>
         </p:txBody>
       </p:sp>
-      <p:graphicFrame>
-        <p:nvGraphicFramePr>
-          <p:cNvPr id="5" name="Table 4"/>
-          <p:cNvGraphicFramePr>
-            <a:graphicFrameLocks noGrp="1"/>
-          </p:cNvGraphicFramePr>
-          <p:nvPr>
-            <p:extLst>
-              <p:ext uri="{D42A27DB-BD31-4B8C-83A1-F6EECF244321}">
-                <p14:modId xmlns:p14="http://schemas.microsoft.com/office/powerpoint/2010/main" val="1189703821"/>
-              </p:ext>
-            </p:extLst>
-          </p:nvPr>
-        </p:nvGraphicFramePr>
-        <p:xfrm>
-          <a:off x="1143000" y="1600202"/>
-          <a:ext cx="7162801" cy="4267195"/>
-        </p:xfrm>
-        <a:graphic>
-          <a:graphicData uri="http://schemas.openxmlformats.org/drawingml/2006/table">
-            <a:tbl>
-              <a:tblPr firstRow="1" bandRow="1">
-                <a:tableStyleId>{5C22544A-7EE6-4342-B048-85BDC9FD1C3A}</a:tableStyleId>
-              </a:tblPr>
-              <a:tblGrid>
-                <a:gridCol w="3054724"/>
-                <a:gridCol w="1369359"/>
-                <a:gridCol w="1369359"/>
-                <a:gridCol w="1369359"/>
-              </a:tblGrid>
-              <a:tr h="598255">
-                <a:tc>
-                  <a:txBody>
-                    <a:bodyPr/>
-                    <a:lstStyle/>
-                    <a:p>
-                      <a:pPr algn="l" fontAlgn="b"/>
-                      <a:r>
-                        <a:rPr lang="en-US" sz="1800" u="none" strike="noStrike" dirty="0">
-                          <a:effectLst/>
-                        </a:rPr>
-                        <a:t>Condition</a:t>
-                      </a:r>
-                      <a:endParaRPr lang="en-US" sz="1800" b="0" i="0" u="none" strike="noStrike" dirty="0">
-                        <a:solidFill>
-                          <a:srgbClr val="000000"/>
-                        </a:solidFill>
-                        <a:effectLst/>
-                        <a:latin typeface="Calibri"/>
-                      </a:endParaRPr>
-                    </a:p>
-                  </a:txBody>
-                  <a:tcPr marL="12700" marR="12700" marT="12700" marB="0" anchor="ctr"/>
-                </a:tc>
-                <a:tc>
-                  <a:txBody>
-                    <a:bodyPr/>
-                    <a:lstStyle/>
-                    <a:p>
-                      <a:pPr algn="r" fontAlgn="b"/>
-                      <a:r>
-                        <a:rPr lang="en-US" sz="1800" u="none" strike="noStrike" dirty="0" smtClean="0">
-                          <a:effectLst/>
-                        </a:rPr>
-                        <a:t>2012 ($)</a:t>
-                      </a:r>
-                      <a:endParaRPr lang="en-US" sz="1800" b="0" i="0" u="none" strike="noStrike" dirty="0">
-                        <a:solidFill>
-                          <a:srgbClr val="000000"/>
-                        </a:solidFill>
-                        <a:effectLst/>
-                        <a:latin typeface="Calibri"/>
-                      </a:endParaRPr>
-                    </a:p>
-                  </a:txBody>
-                  <a:tcPr marL="12700" marR="12700" marT="12700" marB="0" anchor="ctr" anchorCtr="1"/>
-                </a:tc>
-                <a:tc>
-                  <a:txBody>
-                    <a:bodyPr/>
-                    <a:lstStyle/>
-                    <a:p>
-                      <a:pPr algn="r" fontAlgn="b"/>
-                      <a:r>
-                        <a:rPr lang="en-US" sz="1800" u="none" strike="noStrike" dirty="0" smtClean="0">
-                          <a:effectLst/>
-                        </a:rPr>
-                        <a:t>2013 ($)</a:t>
-                      </a:r>
-                      <a:endParaRPr lang="en-US" sz="1800" b="0" i="0" u="none" strike="noStrike" dirty="0">
-                        <a:solidFill>
-                          <a:srgbClr val="000000"/>
-                        </a:solidFill>
-                        <a:effectLst/>
-                        <a:latin typeface="Calibri"/>
-                      </a:endParaRPr>
-                    </a:p>
-                  </a:txBody>
-                  <a:tcPr marL="12700" marR="12700" marT="12700" marB="0" anchor="ctr" anchorCtr="1"/>
-                </a:tc>
-                <a:tc>
-                  <a:txBody>
-                    <a:bodyPr/>
-                    <a:lstStyle/>
-                    <a:p>
-                      <a:pPr algn="l" fontAlgn="b"/>
-                      <a:r>
-                        <a:rPr lang="en-US" sz="1800" u="none" strike="noStrike" dirty="0">
-                          <a:effectLst/>
-                        </a:rPr>
-                        <a:t>Growth</a:t>
-                      </a:r>
-                      <a:endParaRPr lang="en-US" sz="1800" b="0" i="0" u="none" strike="noStrike" dirty="0">
-                        <a:solidFill>
-                          <a:srgbClr val="000000"/>
-                        </a:solidFill>
-                        <a:effectLst/>
-                        <a:latin typeface="Calibri"/>
-                      </a:endParaRPr>
-                    </a:p>
-                  </a:txBody>
-                  <a:tcPr marL="12700" marR="12700" marT="12700" marB="0" anchor="ctr" anchorCtr="1"/>
-                </a:tc>
-              </a:tr>
-              <a:tr h="407660">
-                <a:tc>
-                  <a:txBody>
-                    <a:bodyPr/>
-                    <a:lstStyle/>
-                    <a:p>
-                      <a:pPr algn="l" fontAlgn="b"/>
-                      <a:r>
-                        <a:rPr lang="en-US" sz="1600" u="none" strike="noStrike" dirty="0">
-                          <a:effectLst/>
-                        </a:rPr>
-                        <a:t>Inflammatory Conditions</a:t>
-                      </a:r>
-                      <a:endParaRPr lang="en-US" sz="1600" b="0" i="0" u="none" strike="noStrike" dirty="0">
-                        <a:solidFill>
-                          <a:srgbClr val="000000"/>
-                        </a:solidFill>
-                        <a:effectLst/>
-                        <a:latin typeface="Calibri"/>
-                      </a:endParaRPr>
-                    </a:p>
-                  </a:txBody>
-                  <a:tcPr marL="12700" marR="12700" marT="12700" marB="0" anchor="ctr"/>
-                </a:tc>
-                <a:tc>
-                  <a:txBody>
-                    <a:bodyPr/>
-                    <a:lstStyle/>
-                    <a:p>
-                      <a:pPr algn="r" fontAlgn="b"/>
-                      <a:r>
-                        <a:rPr lang="en-US" sz="1600" u="none" strike="noStrike">
-                          <a:effectLst/>
-                        </a:rPr>
-                        <a:t>2,212</a:t>
-                      </a:r>
-                      <a:endParaRPr lang="en-US" sz="1600" b="0" i="0" u="none" strike="noStrike">
-                        <a:solidFill>
-                          <a:srgbClr val="000000"/>
-                        </a:solidFill>
-                        <a:effectLst/>
-                        <a:latin typeface="Calibri"/>
-                      </a:endParaRPr>
-                    </a:p>
-                  </a:txBody>
-                  <a:tcPr marL="12700" marR="12700" marT="12700" marB="0" anchor="ctr" anchorCtr="1"/>
-                </a:tc>
-                <a:tc>
-                  <a:txBody>
-                    <a:bodyPr/>
-                    <a:lstStyle/>
-                    <a:p>
-                      <a:pPr algn="r" fontAlgn="b"/>
-                      <a:r>
-                        <a:rPr lang="en-US" sz="1600" u="none" strike="noStrike">
-                          <a:effectLst/>
-                        </a:rPr>
-                        <a:t>2,551</a:t>
-                      </a:r>
-                      <a:endParaRPr lang="en-US" sz="1600" b="0" i="0" u="none" strike="noStrike">
-                        <a:solidFill>
-                          <a:srgbClr val="000000"/>
-                        </a:solidFill>
-                        <a:effectLst/>
-                        <a:latin typeface="Calibri"/>
-                      </a:endParaRPr>
-                    </a:p>
-                  </a:txBody>
-                  <a:tcPr marL="12700" marR="12700" marT="12700" marB="0" anchor="ctr" anchorCtr="1"/>
-                </a:tc>
-                <a:tc>
-                  <a:txBody>
-                    <a:bodyPr/>
-                    <a:lstStyle/>
-                    <a:p>
-                      <a:pPr algn="r" fontAlgn="b"/>
-                      <a:r>
-                        <a:rPr lang="en-US" sz="1600" u="none" strike="noStrike" dirty="0">
-                          <a:effectLst/>
-                        </a:rPr>
-                        <a:t>15%</a:t>
-                      </a:r>
-                      <a:endParaRPr lang="en-US" sz="1600" b="0" i="0" u="none" strike="noStrike" dirty="0">
-                        <a:solidFill>
-                          <a:srgbClr val="000000"/>
-                        </a:solidFill>
-                        <a:effectLst/>
-                        <a:latin typeface="Calibri"/>
-                      </a:endParaRPr>
-                    </a:p>
-                  </a:txBody>
-                  <a:tcPr marL="12700" marR="12700" marT="12700" marB="0" anchor="ctr" anchorCtr="1"/>
-                </a:tc>
-              </a:tr>
-              <a:tr h="407660">
-                <a:tc>
-                  <a:txBody>
-                    <a:bodyPr/>
-                    <a:lstStyle/>
-                    <a:p>
-                      <a:pPr algn="l" fontAlgn="b"/>
-                      <a:r>
-                        <a:rPr lang="en-US" sz="1600" u="none" strike="noStrike">
-                          <a:effectLst/>
-                        </a:rPr>
-                        <a:t>Multiple Sclerosis</a:t>
-                      </a:r>
-                      <a:endParaRPr lang="en-US" sz="1600" b="0" i="0" u="none" strike="noStrike">
-                        <a:solidFill>
-                          <a:srgbClr val="000000"/>
-                        </a:solidFill>
-                        <a:effectLst/>
-                        <a:latin typeface="Calibri"/>
-                      </a:endParaRPr>
-                    </a:p>
-                  </a:txBody>
-                  <a:tcPr marL="12700" marR="12700" marT="12700" marB="0" anchor="ctr"/>
-                </a:tc>
-                <a:tc>
-                  <a:txBody>
-                    <a:bodyPr/>
-                    <a:lstStyle/>
-                    <a:p>
-                      <a:pPr algn="r" fontAlgn="b"/>
-                      <a:r>
-                        <a:rPr lang="en-US" sz="1600" u="none" strike="noStrike">
-                          <a:effectLst/>
-                        </a:rPr>
-                        <a:t>3,583</a:t>
-                      </a:r>
-                      <a:endParaRPr lang="en-US" sz="1600" b="0" i="0" u="none" strike="noStrike">
-                        <a:solidFill>
-                          <a:srgbClr val="000000"/>
-                        </a:solidFill>
-                        <a:effectLst/>
-                        <a:latin typeface="Calibri"/>
-                      </a:endParaRPr>
-                    </a:p>
-                  </a:txBody>
-                  <a:tcPr marL="12700" marR="12700" marT="12700" marB="0" anchor="ctr" anchorCtr="1"/>
-                </a:tc>
-                <a:tc>
-                  <a:txBody>
-                    <a:bodyPr/>
-                    <a:lstStyle/>
-                    <a:p>
-                      <a:pPr algn="r" fontAlgn="b"/>
-                      <a:r>
-                        <a:rPr lang="en-US" sz="1600" u="none" strike="noStrike">
-                          <a:effectLst/>
-                        </a:rPr>
-                        <a:t>4,137</a:t>
-                      </a:r>
-                      <a:endParaRPr lang="en-US" sz="1600" b="0" i="0" u="none" strike="noStrike">
-                        <a:solidFill>
-                          <a:srgbClr val="000000"/>
-                        </a:solidFill>
-                        <a:effectLst/>
-                        <a:latin typeface="Calibri"/>
-                      </a:endParaRPr>
-                    </a:p>
-                  </a:txBody>
-                  <a:tcPr marL="12700" marR="12700" marT="12700" marB="0" anchor="ctr" anchorCtr="1"/>
-                </a:tc>
-                <a:tc>
-                  <a:txBody>
-                    <a:bodyPr/>
-                    <a:lstStyle/>
-                    <a:p>
-                      <a:pPr algn="r" fontAlgn="b"/>
-                      <a:r>
-                        <a:rPr lang="en-US" sz="1600" u="none" strike="noStrike" dirty="0">
-                          <a:effectLst/>
-                        </a:rPr>
-                        <a:t>15%</a:t>
-                      </a:r>
-                      <a:endParaRPr lang="en-US" sz="1600" b="0" i="0" u="none" strike="noStrike" dirty="0">
-                        <a:solidFill>
-                          <a:srgbClr val="000000"/>
-                        </a:solidFill>
-                        <a:effectLst/>
-                        <a:latin typeface="Calibri"/>
-                      </a:endParaRPr>
-                    </a:p>
-                  </a:txBody>
-                  <a:tcPr marL="12700" marR="12700" marT="12700" marB="0" anchor="ctr" anchorCtr="1"/>
-                </a:tc>
-              </a:tr>
-              <a:tr h="407660">
-                <a:tc>
-                  <a:txBody>
-                    <a:bodyPr/>
-                    <a:lstStyle/>
-                    <a:p>
-                      <a:pPr algn="l" fontAlgn="b"/>
-                      <a:r>
-                        <a:rPr lang="en-US" sz="1600" u="none" strike="noStrike">
-                          <a:effectLst/>
-                        </a:rPr>
-                        <a:t>Cancer</a:t>
-                      </a:r>
-                      <a:endParaRPr lang="en-US" sz="1600" b="0" i="0" u="none" strike="noStrike">
-                        <a:solidFill>
-                          <a:srgbClr val="000000"/>
-                        </a:solidFill>
-                        <a:effectLst/>
-                        <a:latin typeface="Calibri"/>
-                      </a:endParaRPr>
-                    </a:p>
-                  </a:txBody>
-                  <a:tcPr marL="12700" marR="12700" marT="12700" marB="0" anchor="ctr"/>
-                </a:tc>
-                <a:tc>
-                  <a:txBody>
-                    <a:bodyPr/>
-                    <a:lstStyle/>
-                    <a:p>
-                      <a:pPr algn="r" fontAlgn="b"/>
-                      <a:r>
-                        <a:rPr lang="en-US" sz="1600" u="none" strike="noStrike">
-                          <a:effectLst/>
-                        </a:rPr>
-                        <a:t>3,682</a:t>
-                      </a:r>
-                      <a:endParaRPr lang="en-US" sz="1600" b="0" i="0" u="none" strike="noStrike">
-                        <a:solidFill>
-                          <a:srgbClr val="000000"/>
-                        </a:solidFill>
-                        <a:effectLst/>
-                        <a:latin typeface="Calibri"/>
-                      </a:endParaRPr>
-                    </a:p>
-                  </a:txBody>
-                  <a:tcPr marL="12700" marR="12700" marT="12700" marB="0" anchor="ctr" anchorCtr="1"/>
-                </a:tc>
-                <a:tc>
-                  <a:txBody>
-                    <a:bodyPr/>
-                    <a:lstStyle/>
-                    <a:p>
-                      <a:pPr algn="r" fontAlgn="b"/>
-                      <a:r>
-                        <a:rPr lang="en-US" sz="1600" u="none" strike="noStrike">
-                          <a:effectLst/>
-                        </a:rPr>
-                        <a:t>4,023</a:t>
-                      </a:r>
-                      <a:endParaRPr lang="en-US" sz="1600" b="0" i="0" u="none" strike="noStrike">
-                        <a:solidFill>
-                          <a:srgbClr val="000000"/>
-                        </a:solidFill>
-                        <a:effectLst/>
-                        <a:latin typeface="Calibri"/>
-                      </a:endParaRPr>
-                    </a:p>
-                  </a:txBody>
-                  <a:tcPr marL="12700" marR="12700" marT="12700" marB="0" anchor="ctr" anchorCtr="1"/>
-                </a:tc>
-                <a:tc>
-                  <a:txBody>
-                    <a:bodyPr/>
-                    <a:lstStyle/>
-                    <a:p>
-                      <a:pPr algn="r" fontAlgn="b"/>
-                      <a:r>
-                        <a:rPr lang="en-US" sz="1600" u="none" strike="noStrike" dirty="0">
-                          <a:effectLst/>
-                        </a:rPr>
-                        <a:t>9%</a:t>
-                      </a:r>
-                      <a:endParaRPr lang="en-US" sz="1600" b="0" i="0" u="none" strike="noStrike" dirty="0">
-                        <a:solidFill>
-                          <a:srgbClr val="000000"/>
-                        </a:solidFill>
-                        <a:effectLst/>
-                        <a:latin typeface="Calibri"/>
-                      </a:endParaRPr>
-                    </a:p>
-                  </a:txBody>
-                  <a:tcPr marL="12700" marR="12700" marT="12700" marB="0" anchor="ctr" anchorCtr="1"/>
-                </a:tc>
-              </a:tr>
-              <a:tr h="407660">
-                <a:tc>
-                  <a:txBody>
-                    <a:bodyPr/>
-                    <a:lstStyle/>
-                    <a:p>
-                      <a:pPr algn="l" fontAlgn="b"/>
-                      <a:r>
-                        <a:rPr lang="en-US" sz="1600" u="none" strike="noStrike">
-                          <a:effectLst/>
-                        </a:rPr>
-                        <a:t>HIV</a:t>
-                      </a:r>
-                      <a:endParaRPr lang="en-US" sz="1600" b="0" i="0" u="none" strike="noStrike">
-                        <a:solidFill>
-                          <a:srgbClr val="000000"/>
-                        </a:solidFill>
-                        <a:effectLst/>
-                        <a:latin typeface="Calibri"/>
-                      </a:endParaRPr>
-                    </a:p>
-                  </a:txBody>
-                  <a:tcPr marL="12700" marR="12700" marT="12700" marB="0" anchor="ctr"/>
-                </a:tc>
-                <a:tc>
-                  <a:txBody>
-                    <a:bodyPr/>
-                    <a:lstStyle/>
-                    <a:p>
-                      <a:pPr algn="r" fontAlgn="b"/>
-                      <a:r>
-                        <a:rPr lang="en-US" sz="1600" u="none" strike="noStrike">
-                          <a:effectLst/>
-                        </a:rPr>
-                        <a:t>947</a:t>
-                      </a:r>
-                      <a:endParaRPr lang="en-US" sz="1600" b="0" i="0" u="none" strike="noStrike">
-                        <a:solidFill>
-                          <a:srgbClr val="000000"/>
-                        </a:solidFill>
-                        <a:effectLst/>
-                        <a:latin typeface="Calibri"/>
-                      </a:endParaRPr>
-                    </a:p>
-                  </a:txBody>
-                  <a:tcPr marL="12700" marR="12700" marT="12700" marB="0" anchor="ctr" anchorCtr="1"/>
-                </a:tc>
-                <a:tc>
-                  <a:txBody>
-                    <a:bodyPr/>
-                    <a:lstStyle/>
-                    <a:p>
-                      <a:pPr algn="r" fontAlgn="b"/>
-                      <a:r>
-                        <a:rPr lang="en-US" sz="1600" u="none" strike="noStrike">
-                          <a:effectLst/>
-                        </a:rPr>
-                        <a:t>1,029</a:t>
-                      </a:r>
-                      <a:endParaRPr lang="en-US" sz="1600" b="0" i="0" u="none" strike="noStrike">
-                        <a:solidFill>
-                          <a:srgbClr val="000000"/>
-                        </a:solidFill>
-                        <a:effectLst/>
-                        <a:latin typeface="Calibri"/>
-                      </a:endParaRPr>
-                    </a:p>
-                  </a:txBody>
-                  <a:tcPr marL="12700" marR="12700" marT="12700" marB="0" anchor="ctr" anchorCtr="1"/>
-                </a:tc>
-                <a:tc>
-                  <a:txBody>
-                    <a:bodyPr/>
-                    <a:lstStyle/>
-                    <a:p>
-                      <a:pPr algn="r" fontAlgn="b"/>
-                      <a:r>
-                        <a:rPr lang="en-US" sz="1600" u="none" strike="noStrike" dirty="0">
-                          <a:effectLst/>
-                        </a:rPr>
-                        <a:t>9%</a:t>
-                      </a:r>
-                      <a:endParaRPr lang="en-US" sz="1600" b="0" i="0" u="none" strike="noStrike" dirty="0">
-                        <a:solidFill>
-                          <a:srgbClr val="000000"/>
-                        </a:solidFill>
-                        <a:effectLst/>
-                        <a:latin typeface="Calibri"/>
-                      </a:endParaRPr>
-                    </a:p>
-                  </a:txBody>
-                  <a:tcPr marL="12700" marR="12700" marT="12700" marB="0" anchor="ctr" anchorCtr="1"/>
-                </a:tc>
-              </a:tr>
-              <a:tr h="407660">
-                <a:tc>
-                  <a:txBody>
-                    <a:bodyPr/>
-                    <a:lstStyle/>
-                    <a:p>
-                      <a:pPr algn="l" fontAlgn="b"/>
-                      <a:r>
-                        <a:rPr lang="en-US" sz="1600" u="none" strike="noStrike">
-                          <a:effectLst/>
-                        </a:rPr>
-                        <a:t>Growth Deficiency</a:t>
-                      </a:r>
-                      <a:endParaRPr lang="en-US" sz="1600" b="0" i="0" u="none" strike="noStrike">
-                        <a:solidFill>
-                          <a:srgbClr val="000000"/>
-                        </a:solidFill>
-                        <a:effectLst/>
-                        <a:latin typeface="Calibri"/>
-                      </a:endParaRPr>
-                    </a:p>
-                  </a:txBody>
-                  <a:tcPr marL="12700" marR="12700" marT="12700" marB="0" anchor="ctr"/>
-                </a:tc>
-                <a:tc>
-                  <a:txBody>
-                    <a:bodyPr/>
-                    <a:lstStyle/>
-                    <a:p>
-                      <a:pPr algn="r" fontAlgn="b"/>
-                      <a:r>
-                        <a:rPr lang="en-US" sz="1600" u="none" strike="noStrike">
-                          <a:effectLst/>
-                        </a:rPr>
-                        <a:t>3,146</a:t>
-                      </a:r>
-                      <a:endParaRPr lang="en-US" sz="1600" b="0" i="0" u="none" strike="noStrike">
-                        <a:solidFill>
-                          <a:srgbClr val="000000"/>
-                        </a:solidFill>
-                        <a:effectLst/>
-                        <a:latin typeface="Calibri"/>
-                      </a:endParaRPr>
-                    </a:p>
-                  </a:txBody>
-                  <a:tcPr marL="12700" marR="12700" marT="12700" marB="0" anchor="ctr" anchorCtr="1"/>
-                </a:tc>
-                <a:tc>
-                  <a:txBody>
-                    <a:bodyPr/>
-                    <a:lstStyle/>
-                    <a:p>
-                      <a:pPr algn="r" fontAlgn="b"/>
-                      <a:r>
-                        <a:rPr lang="en-US" sz="1600" u="none" strike="noStrike">
-                          <a:effectLst/>
-                        </a:rPr>
-                        <a:t>3,540</a:t>
-                      </a:r>
-                      <a:endParaRPr lang="en-US" sz="1600" b="0" i="0" u="none" strike="noStrike">
-                        <a:solidFill>
-                          <a:srgbClr val="000000"/>
-                        </a:solidFill>
-                        <a:effectLst/>
-                        <a:latin typeface="Calibri"/>
-                      </a:endParaRPr>
-                    </a:p>
-                  </a:txBody>
-                  <a:tcPr marL="12700" marR="12700" marT="12700" marB="0" anchor="ctr" anchorCtr="1"/>
-                </a:tc>
-                <a:tc>
-                  <a:txBody>
-                    <a:bodyPr/>
-                    <a:lstStyle/>
-                    <a:p>
-                      <a:pPr algn="r" fontAlgn="b"/>
-                      <a:r>
-                        <a:rPr lang="en-US" sz="1600" u="none" strike="noStrike" dirty="0">
-                          <a:effectLst/>
-                        </a:rPr>
-                        <a:t>13%</a:t>
-                      </a:r>
-                      <a:endParaRPr lang="en-US" sz="1600" b="0" i="0" u="none" strike="noStrike" dirty="0">
-                        <a:solidFill>
-                          <a:srgbClr val="000000"/>
-                        </a:solidFill>
-                        <a:effectLst/>
-                        <a:latin typeface="Calibri"/>
-                      </a:endParaRPr>
-                    </a:p>
-                  </a:txBody>
-                  <a:tcPr marL="12700" marR="12700" marT="12700" marB="0" anchor="ctr" anchorCtr="1"/>
-                </a:tc>
-              </a:tr>
-              <a:tr h="407660">
-                <a:tc>
-                  <a:txBody>
-                    <a:bodyPr/>
-                    <a:lstStyle/>
-                    <a:p>
-                      <a:pPr algn="l" fontAlgn="b"/>
-                      <a:r>
-                        <a:rPr lang="en-US" sz="1600" u="none" strike="noStrike">
-                          <a:effectLst/>
-                        </a:rPr>
-                        <a:t>Respiratory Conditions</a:t>
-                      </a:r>
-                      <a:endParaRPr lang="en-US" sz="1600" b="0" i="0" u="none" strike="noStrike">
-                        <a:solidFill>
-                          <a:srgbClr val="000000"/>
-                        </a:solidFill>
-                        <a:effectLst/>
-                        <a:latin typeface="Calibri"/>
-                      </a:endParaRPr>
-                    </a:p>
-                  </a:txBody>
-                  <a:tcPr marL="12700" marR="12700" marT="12700" marB="0" anchor="ctr"/>
-                </a:tc>
-                <a:tc>
-                  <a:txBody>
-                    <a:bodyPr/>
-                    <a:lstStyle/>
-                    <a:p>
-                      <a:pPr algn="r" fontAlgn="b"/>
-                      <a:r>
-                        <a:rPr lang="en-US" sz="1600" u="none" strike="noStrike">
-                          <a:effectLst/>
-                        </a:rPr>
-                        <a:t>3,344</a:t>
-                      </a:r>
-                      <a:endParaRPr lang="en-US" sz="1600" b="0" i="0" u="none" strike="noStrike">
-                        <a:solidFill>
-                          <a:srgbClr val="000000"/>
-                        </a:solidFill>
-                        <a:effectLst/>
-                        <a:latin typeface="Calibri"/>
-                      </a:endParaRPr>
-                    </a:p>
-                  </a:txBody>
-                  <a:tcPr marL="12700" marR="12700" marT="12700" marB="0" anchor="ctr" anchorCtr="1"/>
-                </a:tc>
-                <a:tc>
-                  <a:txBody>
-                    <a:bodyPr/>
-                    <a:lstStyle/>
-                    <a:p>
-                      <a:pPr algn="r" fontAlgn="b"/>
-                      <a:r>
-                        <a:rPr lang="en-US" sz="1600" u="none" strike="noStrike">
-                          <a:effectLst/>
-                        </a:rPr>
-                        <a:t>3,759</a:t>
-                      </a:r>
-                      <a:endParaRPr lang="en-US" sz="1600" b="0" i="0" u="none" strike="noStrike">
-                        <a:solidFill>
-                          <a:srgbClr val="000000"/>
-                        </a:solidFill>
-                        <a:effectLst/>
-                        <a:latin typeface="Calibri"/>
-                      </a:endParaRPr>
-                    </a:p>
-                  </a:txBody>
-                  <a:tcPr marL="12700" marR="12700" marT="12700" marB="0" anchor="ctr" anchorCtr="1"/>
-                </a:tc>
-                <a:tc>
-                  <a:txBody>
-                    <a:bodyPr/>
-                    <a:lstStyle/>
-                    <a:p>
-                      <a:pPr algn="r" fontAlgn="b"/>
-                      <a:r>
-                        <a:rPr lang="en-US" sz="1600" u="none" strike="noStrike" dirty="0">
-                          <a:effectLst/>
-                        </a:rPr>
-                        <a:t>12%</a:t>
-                      </a:r>
-                      <a:endParaRPr lang="en-US" sz="1600" b="0" i="0" u="none" strike="noStrike" dirty="0">
-                        <a:solidFill>
-                          <a:srgbClr val="000000"/>
-                        </a:solidFill>
-                        <a:effectLst/>
-                        <a:latin typeface="Calibri"/>
-                      </a:endParaRPr>
-                    </a:p>
-                  </a:txBody>
-                  <a:tcPr marL="12700" marR="12700" marT="12700" marB="0" anchor="ctr" anchorCtr="1"/>
-                </a:tc>
-              </a:tr>
-              <a:tr h="407660">
-                <a:tc>
-                  <a:txBody>
-                    <a:bodyPr/>
-                    <a:lstStyle/>
-                    <a:p>
-                      <a:pPr algn="l" fontAlgn="b"/>
-                      <a:r>
-                        <a:rPr lang="en-US" sz="1600" u="none" strike="noStrike" dirty="0" smtClean="0">
-                          <a:effectLst/>
-                        </a:rPr>
-                        <a:t>Anti-coagulants</a:t>
-                      </a:r>
-                      <a:endParaRPr lang="en-US" sz="1600" b="0" i="0" u="none" strike="noStrike" dirty="0">
-                        <a:solidFill>
-                          <a:srgbClr val="000000"/>
-                        </a:solidFill>
-                        <a:effectLst/>
-                        <a:latin typeface="Calibri"/>
-                      </a:endParaRPr>
-                    </a:p>
-                  </a:txBody>
-                  <a:tcPr marL="12700" marR="12700" marT="12700" marB="0" anchor="ctr"/>
-                </a:tc>
-                <a:tc>
-                  <a:txBody>
-                    <a:bodyPr/>
-                    <a:lstStyle/>
-                    <a:p>
-                      <a:pPr algn="r" fontAlgn="b"/>
-                      <a:r>
-                        <a:rPr lang="en-US" sz="1600" u="none" strike="noStrike">
-                          <a:effectLst/>
-                        </a:rPr>
-                        <a:t>985</a:t>
-                      </a:r>
-                      <a:endParaRPr lang="en-US" sz="1600" b="0" i="0" u="none" strike="noStrike">
-                        <a:solidFill>
-                          <a:srgbClr val="000000"/>
-                        </a:solidFill>
-                        <a:effectLst/>
-                        <a:latin typeface="Calibri"/>
-                      </a:endParaRPr>
-                    </a:p>
-                  </a:txBody>
-                  <a:tcPr marL="12700" marR="12700" marT="12700" marB="0" anchor="ctr" anchorCtr="1"/>
-                </a:tc>
-                <a:tc>
-                  <a:txBody>
-                    <a:bodyPr/>
-                    <a:lstStyle/>
-                    <a:p>
-                      <a:pPr algn="r" fontAlgn="b"/>
-                      <a:r>
-                        <a:rPr lang="en-US" sz="1600" u="none" strike="noStrike">
-                          <a:effectLst/>
-                        </a:rPr>
-                        <a:t>957</a:t>
-                      </a:r>
-                      <a:endParaRPr lang="en-US" sz="1600" b="0" i="0" u="none" strike="noStrike">
-                        <a:solidFill>
-                          <a:srgbClr val="000000"/>
-                        </a:solidFill>
-                        <a:effectLst/>
-                        <a:latin typeface="Calibri"/>
-                      </a:endParaRPr>
-                    </a:p>
-                  </a:txBody>
-                  <a:tcPr marL="12700" marR="12700" marT="12700" marB="0" anchor="ctr" anchorCtr="1"/>
-                </a:tc>
-                <a:tc>
-                  <a:txBody>
-                    <a:bodyPr/>
-                    <a:lstStyle/>
-                    <a:p>
-                      <a:pPr algn="r" fontAlgn="b"/>
-                      <a:r>
-                        <a:rPr lang="en-US" sz="1600" u="none" strike="noStrike" dirty="0">
-                          <a:effectLst/>
-                        </a:rPr>
-                        <a:t>-3%</a:t>
-                      </a:r>
-                      <a:endParaRPr lang="en-US" sz="1600" b="0" i="0" u="none" strike="noStrike" dirty="0">
-                        <a:solidFill>
-                          <a:srgbClr val="000000"/>
-                        </a:solidFill>
-                        <a:effectLst/>
-                        <a:latin typeface="Calibri"/>
-                      </a:endParaRPr>
-                    </a:p>
-                  </a:txBody>
-                  <a:tcPr marL="12700" marR="12700" marT="12700" marB="0" anchor="ctr" anchorCtr="1"/>
-                </a:tc>
-              </a:tr>
-              <a:tr h="407660">
-                <a:tc>
-                  <a:txBody>
-                    <a:bodyPr/>
-                    <a:lstStyle/>
-                    <a:p>
-                      <a:pPr algn="l" fontAlgn="b"/>
-                      <a:r>
-                        <a:rPr lang="en-US" sz="1600" u="none" strike="noStrike">
-                          <a:effectLst/>
-                        </a:rPr>
-                        <a:t>Transplant</a:t>
-                      </a:r>
-                      <a:endParaRPr lang="en-US" sz="1600" b="0" i="0" u="none" strike="noStrike">
-                        <a:solidFill>
-                          <a:srgbClr val="000000"/>
-                        </a:solidFill>
-                        <a:effectLst/>
-                        <a:latin typeface="Calibri"/>
-                      </a:endParaRPr>
-                    </a:p>
-                  </a:txBody>
-                  <a:tcPr marL="12700" marR="12700" marT="12700" marB="0" anchor="ctr"/>
-                </a:tc>
-                <a:tc>
-                  <a:txBody>
-                    <a:bodyPr/>
-                    <a:lstStyle/>
-                    <a:p>
-                      <a:pPr algn="r" fontAlgn="b"/>
-                      <a:r>
-                        <a:rPr lang="en-US" sz="1600" u="none" strike="noStrike">
-                          <a:effectLst/>
-                        </a:rPr>
-                        <a:t>286</a:t>
-                      </a:r>
-                      <a:endParaRPr lang="en-US" sz="1600" b="0" i="0" u="none" strike="noStrike">
-                        <a:solidFill>
-                          <a:srgbClr val="000000"/>
-                        </a:solidFill>
-                        <a:effectLst/>
-                        <a:latin typeface="Calibri"/>
-                      </a:endParaRPr>
-                    </a:p>
-                  </a:txBody>
-                  <a:tcPr marL="12700" marR="12700" marT="12700" marB="0" anchor="ctr" anchorCtr="1"/>
-                </a:tc>
-                <a:tc>
-                  <a:txBody>
-                    <a:bodyPr/>
-                    <a:lstStyle/>
-                    <a:p>
-                      <a:pPr algn="r" fontAlgn="b"/>
-                      <a:r>
-                        <a:rPr lang="en-US" sz="1600" u="none" strike="noStrike">
-                          <a:effectLst/>
-                        </a:rPr>
-                        <a:t>292</a:t>
-                      </a:r>
-                      <a:endParaRPr lang="en-US" sz="1600" b="0" i="0" u="none" strike="noStrike">
-                        <a:solidFill>
-                          <a:srgbClr val="000000"/>
-                        </a:solidFill>
-                        <a:effectLst/>
-                        <a:latin typeface="Calibri"/>
-                      </a:endParaRPr>
-                    </a:p>
-                  </a:txBody>
-                  <a:tcPr marL="12700" marR="12700" marT="12700" marB="0" anchor="ctr" anchorCtr="1"/>
-                </a:tc>
-                <a:tc>
-                  <a:txBody>
-                    <a:bodyPr/>
-                    <a:lstStyle/>
-                    <a:p>
-                      <a:pPr algn="r" fontAlgn="b"/>
-                      <a:r>
-                        <a:rPr lang="en-US" sz="1600" u="none" strike="noStrike" dirty="0">
-                          <a:effectLst/>
-                        </a:rPr>
-                        <a:t>2%</a:t>
-                      </a:r>
-                      <a:endParaRPr lang="en-US" sz="1600" b="0" i="0" u="none" strike="noStrike" dirty="0">
-                        <a:solidFill>
-                          <a:srgbClr val="000000"/>
-                        </a:solidFill>
-                        <a:effectLst/>
-                        <a:latin typeface="Calibri"/>
-                      </a:endParaRPr>
-                    </a:p>
-                  </a:txBody>
-                  <a:tcPr marL="12700" marR="12700" marT="12700" marB="0" anchor="ctr" anchorCtr="1"/>
-                </a:tc>
-              </a:tr>
-              <a:tr h="407660">
-                <a:tc>
-                  <a:txBody>
-                    <a:bodyPr/>
-                    <a:lstStyle/>
-                    <a:p>
-                      <a:pPr algn="l" fontAlgn="b"/>
-                      <a:r>
-                        <a:rPr lang="en-US" sz="1600" u="none" strike="noStrike" dirty="0">
-                          <a:effectLst/>
-                        </a:rPr>
-                        <a:t>Pulmonary Hypertension</a:t>
-                      </a:r>
-                      <a:endParaRPr lang="en-US" sz="1600" b="0" i="0" u="none" strike="noStrike" dirty="0">
-                        <a:solidFill>
-                          <a:srgbClr val="000000"/>
-                        </a:solidFill>
-                        <a:effectLst/>
-                        <a:latin typeface="Calibri"/>
-                      </a:endParaRPr>
-                    </a:p>
-                  </a:txBody>
-                  <a:tcPr marL="12700" marR="12700" marT="12700" marB="0" anchor="ctr"/>
-                </a:tc>
-                <a:tc>
-                  <a:txBody>
-                    <a:bodyPr/>
-                    <a:lstStyle/>
-                    <a:p>
-                      <a:pPr algn="r" fontAlgn="b"/>
-                      <a:r>
-                        <a:rPr lang="en-US" sz="1600" u="none" strike="noStrike">
-                          <a:effectLst/>
-                        </a:rPr>
-                        <a:t>3,748</a:t>
-                      </a:r>
-                      <a:endParaRPr lang="en-US" sz="1600" b="0" i="0" u="none" strike="noStrike">
-                        <a:solidFill>
-                          <a:srgbClr val="000000"/>
-                        </a:solidFill>
-                        <a:effectLst/>
-                        <a:latin typeface="Calibri"/>
-                      </a:endParaRPr>
-                    </a:p>
-                  </a:txBody>
-                  <a:tcPr marL="12700" marR="12700" marT="12700" marB="0" anchor="ctr" anchorCtr="1"/>
-                </a:tc>
-                <a:tc>
-                  <a:txBody>
-                    <a:bodyPr/>
-                    <a:lstStyle/>
-                    <a:p>
-                      <a:pPr algn="r" fontAlgn="b"/>
-                      <a:r>
-                        <a:rPr lang="en-US" sz="1600" u="none" strike="noStrike">
-                          <a:effectLst/>
-                        </a:rPr>
-                        <a:t>3,859</a:t>
-                      </a:r>
-                      <a:endParaRPr lang="en-US" sz="1600" b="0" i="0" u="none" strike="noStrike">
-                        <a:solidFill>
-                          <a:srgbClr val="000000"/>
-                        </a:solidFill>
-                        <a:effectLst/>
-                        <a:latin typeface="Calibri"/>
-                      </a:endParaRPr>
-                    </a:p>
-                  </a:txBody>
-                  <a:tcPr marL="12700" marR="12700" marT="12700" marB="0" anchor="ctr" anchorCtr="1"/>
-                </a:tc>
-                <a:tc>
-                  <a:txBody>
-                    <a:bodyPr/>
-                    <a:lstStyle/>
-                    <a:p>
-                      <a:pPr algn="r" fontAlgn="b"/>
-                      <a:r>
-                        <a:rPr lang="en-US" sz="1600" u="none" strike="noStrike" dirty="0">
-                          <a:effectLst/>
-                        </a:rPr>
-                        <a:t>3%</a:t>
-                      </a:r>
-                      <a:endParaRPr lang="en-US" sz="1600" b="0" i="0" u="none" strike="noStrike" dirty="0">
-                        <a:solidFill>
-                          <a:srgbClr val="000000"/>
-                        </a:solidFill>
-                        <a:effectLst/>
-                        <a:latin typeface="Calibri"/>
-                      </a:endParaRPr>
-                    </a:p>
-                  </a:txBody>
-                  <a:tcPr marL="12700" marR="12700" marT="12700" marB="0" anchor="ctr" anchorCtr="1"/>
-                </a:tc>
-              </a:tr>
-            </a:tbl>
-          </a:graphicData>
-        </a:graphic>
-      </p:graphicFrame>
       <p:sp>
         <p:nvSpPr>
           <p:cNvPr id="6" name="Rectangle 5"/>
@@ -7372,6 +9146,980 @@
           </a:p>
         </p:txBody>
       </p:sp>
+      <p:graphicFrame>
+        <p:nvGraphicFramePr>
+          <p:cNvPr id="3" name="Table 2"/>
+          <p:cNvGraphicFramePr>
+            <a:graphicFrameLocks noGrp="1"/>
+          </p:cNvGraphicFramePr>
+          <p:nvPr>
+            <p:extLst>
+              <p:ext uri="{D42A27DB-BD31-4B8C-83A1-F6EECF244321}">
+                <p14:modId xmlns:p14="http://schemas.microsoft.com/office/powerpoint/2010/main" val="4010900310"/>
+              </p:ext>
+            </p:extLst>
+          </p:nvPr>
+        </p:nvGraphicFramePr>
+        <p:xfrm>
+          <a:off x="838200" y="1295400"/>
+          <a:ext cx="7543799" cy="4323645"/>
+        </p:xfrm>
+        <a:graphic>
+          <a:graphicData uri="http://schemas.openxmlformats.org/drawingml/2006/table">
+            <a:tbl>
+              <a:tblPr firstRow="1" bandRow="1">
+                <a:tableStyleId>{5C22544A-7EE6-4342-B048-85BDC9FD1C3A}</a:tableStyleId>
+              </a:tblPr>
+              <a:tblGrid>
+                <a:gridCol w="3217208"/>
+                <a:gridCol w="1442197"/>
+                <a:gridCol w="1442197"/>
+                <a:gridCol w="1442197"/>
+              </a:tblGrid>
+              <a:tr h="627136">
+                <a:tc>
+                  <a:txBody>
+                    <a:bodyPr/>
+                    <a:lstStyle/>
+                    <a:p>
+                      <a:pPr algn="l" fontAlgn="b"/>
+                      <a:r>
+                        <a:rPr lang="en-US" sz="2400" u="none" strike="noStrike" dirty="0">
+                          <a:effectLst/>
+                        </a:rPr>
+                        <a:t>Condition</a:t>
+                      </a:r>
+                      <a:endParaRPr lang="en-US" sz="2400" b="0" i="0" u="none" strike="noStrike" dirty="0">
+                        <a:solidFill>
+                          <a:srgbClr val="000000"/>
+                        </a:solidFill>
+                        <a:effectLst/>
+                        <a:latin typeface="Calibri"/>
+                      </a:endParaRPr>
+                    </a:p>
+                  </a:txBody>
+                  <a:tcPr marL="12700" marR="12700" marT="12700" marB="0" anchor="ctr"/>
+                </a:tc>
+                <a:tc>
+                  <a:txBody>
+                    <a:bodyPr/>
+                    <a:lstStyle/>
+                    <a:p>
+                      <a:pPr algn="r" fontAlgn="b"/>
+                      <a:r>
+                        <a:rPr lang="en-US" sz="2400" u="none" strike="noStrike">
+                          <a:effectLst/>
+                        </a:rPr>
+                        <a:t>2012</a:t>
+                      </a:r>
+                      <a:endParaRPr lang="en-US" sz="2400" b="0" i="0" u="none" strike="noStrike">
+                        <a:solidFill>
+                          <a:srgbClr val="000000"/>
+                        </a:solidFill>
+                        <a:effectLst/>
+                        <a:latin typeface="Calibri"/>
+                      </a:endParaRPr>
+                    </a:p>
+                  </a:txBody>
+                  <a:tcPr marL="12700" marR="12700" marT="12700" marB="0" anchor="ctr" anchorCtr="1"/>
+                </a:tc>
+                <a:tc>
+                  <a:txBody>
+                    <a:bodyPr/>
+                    <a:lstStyle/>
+                    <a:p>
+                      <a:pPr algn="r" fontAlgn="b"/>
+                      <a:r>
+                        <a:rPr lang="en-US" sz="2400" u="none" strike="noStrike">
+                          <a:effectLst/>
+                        </a:rPr>
+                        <a:t>2013</a:t>
+                      </a:r>
+                      <a:endParaRPr lang="en-US" sz="2400" b="0" i="0" u="none" strike="noStrike">
+                        <a:solidFill>
+                          <a:srgbClr val="000000"/>
+                        </a:solidFill>
+                        <a:effectLst/>
+                        <a:latin typeface="Calibri"/>
+                      </a:endParaRPr>
+                    </a:p>
+                  </a:txBody>
+                  <a:tcPr marL="12700" marR="12700" marT="12700" marB="0" anchor="ctr" anchorCtr="1"/>
+                </a:tc>
+                <a:tc>
+                  <a:txBody>
+                    <a:bodyPr/>
+                    <a:lstStyle/>
+                    <a:p>
+                      <a:pPr algn="l" fontAlgn="b"/>
+                      <a:r>
+                        <a:rPr lang="en-US" sz="2400" u="none" strike="noStrike" dirty="0">
+                          <a:effectLst/>
+                        </a:rPr>
+                        <a:t>Growth</a:t>
+                      </a:r>
+                      <a:endParaRPr lang="en-US" sz="2400" b="0" i="0" u="none" strike="noStrike" dirty="0">
+                        <a:solidFill>
+                          <a:srgbClr val="000000"/>
+                        </a:solidFill>
+                        <a:effectLst/>
+                        <a:latin typeface="Calibri"/>
+                      </a:endParaRPr>
+                    </a:p>
+                  </a:txBody>
+                  <a:tcPr marL="12700" marR="12700" marT="12700" marB="0" anchor="ctr" anchorCtr="1"/>
+                </a:tc>
+              </a:tr>
+              <a:tr h="439664">
+                <a:tc>
+                  <a:txBody>
+                    <a:bodyPr/>
+                    <a:lstStyle/>
+                    <a:p>
+                      <a:pPr algn="l" fontAlgn="b"/>
+                      <a:r>
+                        <a:rPr lang="en-US" sz="1800" u="none" strike="noStrike" dirty="0">
+                          <a:effectLst/>
+                        </a:rPr>
+                        <a:t>Multiple Sclerosis</a:t>
+                      </a:r>
+                      <a:endParaRPr lang="en-US" sz="1800" b="0" i="0" u="none" strike="noStrike" dirty="0">
+                        <a:solidFill>
+                          <a:srgbClr val="000000"/>
+                        </a:solidFill>
+                        <a:effectLst/>
+                        <a:latin typeface="Calibri"/>
+                      </a:endParaRPr>
+                    </a:p>
+                  </a:txBody>
+                  <a:tcPr marL="12700" marR="12700" marT="12700" marB="0" anchor="ctr"/>
+                </a:tc>
+                <a:tc>
+                  <a:txBody>
+                    <a:bodyPr/>
+                    <a:lstStyle/>
+                    <a:p>
+                      <a:pPr algn="r" fontAlgn="b"/>
+                      <a:r>
+                        <a:rPr lang="en-US" sz="1800" u="none" strike="noStrike" dirty="0">
+                          <a:effectLst/>
+                        </a:rPr>
+                        <a:t>3,583</a:t>
+                      </a:r>
+                      <a:endParaRPr lang="en-US" sz="1800" b="0" i="0" u="none" strike="noStrike" dirty="0">
+                        <a:solidFill>
+                          <a:srgbClr val="000000"/>
+                        </a:solidFill>
+                        <a:effectLst/>
+                        <a:latin typeface="Calibri"/>
+                      </a:endParaRPr>
+                    </a:p>
+                  </a:txBody>
+                  <a:tcPr marL="12700" marR="12700" marT="12700" marB="0" anchor="ctr" anchorCtr="1"/>
+                </a:tc>
+                <a:tc>
+                  <a:txBody>
+                    <a:bodyPr/>
+                    <a:lstStyle/>
+                    <a:p>
+                      <a:pPr algn="r" fontAlgn="b"/>
+                      <a:r>
+                        <a:rPr lang="en-US" sz="1800" u="none" strike="noStrike">
+                          <a:effectLst/>
+                        </a:rPr>
+                        <a:t>4,137</a:t>
+                      </a:r>
+                      <a:endParaRPr lang="en-US" sz="1800" b="0" i="0" u="none" strike="noStrike">
+                        <a:solidFill>
+                          <a:srgbClr val="000000"/>
+                        </a:solidFill>
+                        <a:effectLst/>
+                        <a:latin typeface="Calibri"/>
+                      </a:endParaRPr>
+                    </a:p>
+                  </a:txBody>
+                  <a:tcPr marL="12700" marR="12700" marT="12700" marB="0" anchor="ctr" anchorCtr="1"/>
+                </a:tc>
+                <a:tc>
+                  <a:txBody>
+                    <a:bodyPr/>
+                    <a:lstStyle/>
+                    <a:p>
+                      <a:pPr algn="r" fontAlgn="b"/>
+                      <a:r>
+                        <a:rPr lang="en-US" sz="1800" u="none" strike="noStrike" dirty="0">
+                          <a:effectLst/>
+                        </a:rPr>
+                        <a:t>15%</a:t>
+                      </a:r>
+                      <a:endParaRPr lang="en-US" sz="1800" b="0" i="0" u="none" strike="noStrike" dirty="0">
+                        <a:solidFill>
+                          <a:srgbClr val="000000"/>
+                        </a:solidFill>
+                        <a:effectLst/>
+                        <a:latin typeface="Calibri"/>
+                      </a:endParaRPr>
+                    </a:p>
+                  </a:txBody>
+                  <a:tcPr marL="12700" marR="12700" marT="12700" marB="0" anchor="ctr" anchorCtr="1"/>
+                </a:tc>
+              </a:tr>
+              <a:tr h="381000">
+                <a:tc>
+                  <a:txBody>
+                    <a:bodyPr/>
+                    <a:lstStyle/>
+                    <a:p>
+                      <a:pPr algn="l" fontAlgn="b"/>
+                      <a:r>
+                        <a:rPr lang="en-US" sz="1800" u="none" strike="noStrike" dirty="0">
+                          <a:effectLst/>
+                        </a:rPr>
+                        <a:t>Cancer</a:t>
+                      </a:r>
+                      <a:endParaRPr lang="en-US" sz="1800" b="0" i="0" u="none" strike="noStrike" dirty="0">
+                        <a:solidFill>
+                          <a:srgbClr val="000000"/>
+                        </a:solidFill>
+                        <a:effectLst/>
+                        <a:latin typeface="Calibri"/>
+                      </a:endParaRPr>
+                    </a:p>
+                  </a:txBody>
+                  <a:tcPr marL="12700" marR="12700" marT="12700" marB="0" anchor="ctr"/>
+                </a:tc>
+                <a:tc>
+                  <a:txBody>
+                    <a:bodyPr/>
+                    <a:lstStyle/>
+                    <a:p>
+                      <a:pPr algn="r" fontAlgn="b"/>
+                      <a:r>
+                        <a:rPr lang="en-US" sz="1800" u="none" strike="noStrike" dirty="0">
+                          <a:effectLst/>
+                        </a:rPr>
+                        <a:t>3,682</a:t>
+                      </a:r>
+                      <a:endParaRPr lang="en-US" sz="1800" b="0" i="0" u="none" strike="noStrike" dirty="0">
+                        <a:solidFill>
+                          <a:srgbClr val="000000"/>
+                        </a:solidFill>
+                        <a:effectLst/>
+                        <a:latin typeface="Calibri"/>
+                      </a:endParaRPr>
+                    </a:p>
+                  </a:txBody>
+                  <a:tcPr marL="12700" marR="12700" marT="12700" marB="0" anchor="ctr" anchorCtr="1"/>
+                </a:tc>
+                <a:tc>
+                  <a:txBody>
+                    <a:bodyPr/>
+                    <a:lstStyle/>
+                    <a:p>
+                      <a:pPr algn="r" fontAlgn="b"/>
+                      <a:r>
+                        <a:rPr lang="en-US" sz="1800" u="none" strike="noStrike" dirty="0">
+                          <a:effectLst/>
+                        </a:rPr>
+                        <a:t>4,023</a:t>
+                      </a:r>
+                      <a:endParaRPr lang="en-US" sz="1800" b="0" i="0" u="none" strike="noStrike" dirty="0">
+                        <a:solidFill>
+                          <a:srgbClr val="000000"/>
+                        </a:solidFill>
+                        <a:effectLst/>
+                        <a:latin typeface="Calibri"/>
+                      </a:endParaRPr>
+                    </a:p>
+                  </a:txBody>
+                  <a:tcPr marL="12700" marR="12700" marT="12700" marB="0" anchor="ctr" anchorCtr="1"/>
+                </a:tc>
+                <a:tc>
+                  <a:txBody>
+                    <a:bodyPr/>
+                    <a:lstStyle/>
+                    <a:p>
+                      <a:pPr algn="r" fontAlgn="b"/>
+                      <a:r>
+                        <a:rPr lang="en-US" sz="1800" u="none" strike="noStrike" dirty="0">
+                          <a:effectLst/>
+                        </a:rPr>
+                        <a:t>9%</a:t>
+                      </a:r>
+                      <a:endParaRPr lang="en-US" sz="1800" b="0" i="0" u="none" strike="noStrike" dirty="0">
+                        <a:solidFill>
+                          <a:srgbClr val="000000"/>
+                        </a:solidFill>
+                        <a:effectLst/>
+                        <a:latin typeface="Calibri"/>
+                      </a:endParaRPr>
+                    </a:p>
+                  </a:txBody>
+                  <a:tcPr marL="12700" marR="12700" marT="12700" marB="0" anchor="ctr" anchorCtr="1"/>
+                </a:tc>
+              </a:tr>
+              <a:tr h="457200">
+                <a:tc>
+                  <a:txBody>
+                    <a:bodyPr/>
+                    <a:lstStyle/>
+                    <a:p>
+                      <a:pPr algn="l" fontAlgn="b"/>
+                      <a:r>
+                        <a:rPr lang="en-US" sz="1800" u="none" strike="noStrike">
+                          <a:effectLst/>
+                        </a:rPr>
+                        <a:t>Pulmonary Hypertension</a:t>
+                      </a:r>
+                      <a:endParaRPr lang="en-US" sz="1800" b="0" i="0" u="none" strike="noStrike">
+                        <a:solidFill>
+                          <a:srgbClr val="000000"/>
+                        </a:solidFill>
+                        <a:effectLst/>
+                        <a:latin typeface="Calibri"/>
+                      </a:endParaRPr>
+                    </a:p>
+                  </a:txBody>
+                  <a:tcPr marL="12700" marR="12700" marT="12700" marB="0" anchor="ctr"/>
+                </a:tc>
+                <a:tc>
+                  <a:txBody>
+                    <a:bodyPr/>
+                    <a:lstStyle/>
+                    <a:p>
+                      <a:pPr algn="r" fontAlgn="b"/>
+                      <a:r>
+                        <a:rPr lang="en-US" sz="1800" u="none" strike="noStrike" dirty="0">
+                          <a:effectLst/>
+                        </a:rPr>
+                        <a:t>3,748</a:t>
+                      </a:r>
+                      <a:endParaRPr lang="en-US" sz="1800" b="0" i="0" u="none" strike="noStrike" dirty="0">
+                        <a:solidFill>
+                          <a:srgbClr val="000000"/>
+                        </a:solidFill>
+                        <a:effectLst/>
+                        <a:latin typeface="Calibri"/>
+                      </a:endParaRPr>
+                    </a:p>
+                  </a:txBody>
+                  <a:tcPr marL="12700" marR="12700" marT="12700" marB="0" anchor="ctr" anchorCtr="1"/>
+                </a:tc>
+                <a:tc>
+                  <a:txBody>
+                    <a:bodyPr/>
+                    <a:lstStyle/>
+                    <a:p>
+                      <a:pPr algn="r" fontAlgn="b"/>
+                      <a:r>
+                        <a:rPr lang="en-US" sz="1800" u="none" strike="noStrike" dirty="0">
+                          <a:effectLst/>
+                        </a:rPr>
+                        <a:t>3,859</a:t>
+                      </a:r>
+                      <a:endParaRPr lang="en-US" sz="1800" b="0" i="0" u="none" strike="noStrike" dirty="0">
+                        <a:solidFill>
+                          <a:srgbClr val="000000"/>
+                        </a:solidFill>
+                        <a:effectLst/>
+                        <a:latin typeface="Calibri"/>
+                      </a:endParaRPr>
+                    </a:p>
+                  </a:txBody>
+                  <a:tcPr marL="12700" marR="12700" marT="12700" marB="0" anchor="ctr" anchorCtr="1"/>
+                </a:tc>
+                <a:tc>
+                  <a:txBody>
+                    <a:bodyPr/>
+                    <a:lstStyle/>
+                    <a:p>
+                      <a:pPr algn="r" fontAlgn="b"/>
+                      <a:r>
+                        <a:rPr lang="en-US" sz="1800" u="none" strike="noStrike" dirty="0">
+                          <a:effectLst/>
+                        </a:rPr>
+                        <a:t>3%</a:t>
+                      </a:r>
+                      <a:endParaRPr lang="en-US" sz="1800" b="0" i="0" u="none" strike="noStrike" dirty="0">
+                        <a:solidFill>
+                          <a:srgbClr val="000000"/>
+                        </a:solidFill>
+                        <a:effectLst/>
+                        <a:latin typeface="Calibri"/>
+                      </a:endParaRPr>
+                    </a:p>
+                  </a:txBody>
+                  <a:tcPr marL="12700" marR="12700" marT="12700" marB="0" anchor="ctr" anchorCtr="1"/>
+                </a:tc>
+              </a:tr>
+              <a:tr h="447953">
+                <a:tc>
+                  <a:txBody>
+                    <a:bodyPr/>
+                    <a:lstStyle/>
+                    <a:p>
+                      <a:pPr algn="l" fontAlgn="b"/>
+                      <a:r>
+                        <a:rPr lang="en-US" sz="1800" u="none" strike="noStrike">
+                          <a:effectLst/>
+                        </a:rPr>
+                        <a:t>Respiratory Conditions</a:t>
+                      </a:r>
+                      <a:endParaRPr lang="en-US" sz="1800" b="0" i="0" u="none" strike="noStrike">
+                        <a:solidFill>
+                          <a:srgbClr val="000000"/>
+                        </a:solidFill>
+                        <a:effectLst/>
+                        <a:latin typeface="Calibri"/>
+                      </a:endParaRPr>
+                    </a:p>
+                  </a:txBody>
+                  <a:tcPr marL="12700" marR="12700" marT="12700" marB="0" anchor="ctr"/>
+                </a:tc>
+                <a:tc>
+                  <a:txBody>
+                    <a:bodyPr/>
+                    <a:lstStyle/>
+                    <a:p>
+                      <a:pPr algn="r" fontAlgn="b"/>
+                      <a:r>
+                        <a:rPr lang="en-US" sz="1800" u="none" strike="noStrike" dirty="0">
+                          <a:effectLst/>
+                        </a:rPr>
+                        <a:t>3,344</a:t>
+                      </a:r>
+                      <a:endParaRPr lang="en-US" sz="1800" b="0" i="0" u="none" strike="noStrike" dirty="0">
+                        <a:solidFill>
+                          <a:srgbClr val="000000"/>
+                        </a:solidFill>
+                        <a:effectLst/>
+                        <a:latin typeface="Calibri"/>
+                      </a:endParaRPr>
+                    </a:p>
+                  </a:txBody>
+                  <a:tcPr marL="12700" marR="12700" marT="12700" marB="0" anchor="ctr" anchorCtr="1"/>
+                </a:tc>
+                <a:tc>
+                  <a:txBody>
+                    <a:bodyPr/>
+                    <a:lstStyle/>
+                    <a:p>
+                      <a:pPr algn="r" fontAlgn="b"/>
+                      <a:r>
+                        <a:rPr lang="en-US" sz="1800" u="none" strike="noStrike" dirty="0">
+                          <a:effectLst/>
+                        </a:rPr>
+                        <a:t>3,759</a:t>
+                      </a:r>
+                      <a:endParaRPr lang="en-US" sz="1800" b="0" i="0" u="none" strike="noStrike" dirty="0">
+                        <a:solidFill>
+                          <a:srgbClr val="000000"/>
+                        </a:solidFill>
+                        <a:effectLst/>
+                        <a:latin typeface="Calibri"/>
+                      </a:endParaRPr>
+                    </a:p>
+                  </a:txBody>
+                  <a:tcPr marL="12700" marR="12700" marT="12700" marB="0" anchor="ctr" anchorCtr="1"/>
+                </a:tc>
+                <a:tc>
+                  <a:txBody>
+                    <a:bodyPr/>
+                    <a:lstStyle/>
+                    <a:p>
+                      <a:pPr algn="r" fontAlgn="b"/>
+                      <a:r>
+                        <a:rPr lang="en-US" sz="1800" u="none" strike="noStrike" dirty="0">
+                          <a:effectLst/>
+                        </a:rPr>
+                        <a:t>12%</a:t>
+                      </a:r>
+                      <a:endParaRPr lang="en-US" sz="1800" b="0" i="0" u="none" strike="noStrike" dirty="0">
+                        <a:solidFill>
+                          <a:srgbClr val="000000"/>
+                        </a:solidFill>
+                        <a:effectLst/>
+                        <a:latin typeface="Calibri"/>
+                      </a:endParaRPr>
+                    </a:p>
+                  </a:txBody>
+                  <a:tcPr marL="12700" marR="12700" marT="12700" marB="0" anchor="ctr" anchorCtr="1"/>
+                </a:tc>
+              </a:tr>
+              <a:tr h="440627">
+                <a:tc>
+                  <a:txBody>
+                    <a:bodyPr/>
+                    <a:lstStyle/>
+                    <a:p>
+                      <a:pPr algn="l" fontAlgn="b"/>
+                      <a:r>
+                        <a:rPr lang="en-US" sz="1800" u="none" strike="noStrike">
+                          <a:effectLst/>
+                        </a:rPr>
+                        <a:t>Growth Deficiency</a:t>
+                      </a:r>
+                      <a:endParaRPr lang="en-US" sz="1800" b="0" i="0" u="none" strike="noStrike">
+                        <a:solidFill>
+                          <a:srgbClr val="000000"/>
+                        </a:solidFill>
+                        <a:effectLst/>
+                        <a:latin typeface="Calibri"/>
+                      </a:endParaRPr>
+                    </a:p>
+                  </a:txBody>
+                  <a:tcPr marL="12700" marR="12700" marT="12700" marB="0" anchor="ctr"/>
+                </a:tc>
+                <a:tc>
+                  <a:txBody>
+                    <a:bodyPr/>
+                    <a:lstStyle/>
+                    <a:p>
+                      <a:pPr algn="r" fontAlgn="b"/>
+                      <a:r>
+                        <a:rPr lang="en-US" sz="1800" u="none" strike="noStrike">
+                          <a:effectLst/>
+                        </a:rPr>
+                        <a:t>3,146</a:t>
+                      </a:r>
+                      <a:endParaRPr lang="en-US" sz="1800" b="0" i="0" u="none" strike="noStrike">
+                        <a:solidFill>
+                          <a:srgbClr val="000000"/>
+                        </a:solidFill>
+                        <a:effectLst/>
+                        <a:latin typeface="Calibri"/>
+                      </a:endParaRPr>
+                    </a:p>
+                  </a:txBody>
+                  <a:tcPr marL="12700" marR="12700" marT="12700" marB="0" anchor="ctr" anchorCtr="1"/>
+                </a:tc>
+                <a:tc>
+                  <a:txBody>
+                    <a:bodyPr/>
+                    <a:lstStyle/>
+                    <a:p>
+                      <a:pPr algn="r" fontAlgn="b"/>
+                      <a:r>
+                        <a:rPr lang="en-US" sz="1800" u="none" strike="noStrike" dirty="0">
+                          <a:effectLst/>
+                        </a:rPr>
+                        <a:t>3,540</a:t>
+                      </a:r>
+                      <a:endParaRPr lang="en-US" sz="1800" b="0" i="0" u="none" strike="noStrike" dirty="0">
+                        <a:solidFill>
+                          <a:srgbClr val="000000"/>
+                        </a:solidFill>
+                        <a:effectLst/>
+                        <a:latin typeface="Calibri"/>
+                      </a:endParaRPr>
+                    </a:p>
+                  </a:txBody>
+                  <a:tcPr marL="12700" marR="12700" marT="12700" marB="0" anchor="ctr" anchorCtr="1"/>
+                </a:tc>
+                <a:tc>
+                  <a:txBody>
+                    <a:bodyPr/>
+                    <a:lstStyle/>
+                    <a:p>
+                      <a:pPr algn="r" fontAlgn="b"/>
+                      <a:r>
+                        <a:rPr lang="en-US" sz="1800" u="none" strike="noStrike">
+                          <a:effectLst/>
+                        </a:rPr>
+                        <a:t>13%</a:t>
+                      </a:r>
+                      <a:endParaRPr lang="en-US" sz="1800" b="0" i="0" u="none" strike="noStrike">
+                        <a:solidFill>
+                          <a:srgbClr val="000000"/>
+                        </a:solidFill>
+                        <a:effectLst/>
+                        <a:latin typeface="Calibri"/>
+                      </a:endParaRPr>
+                    </a:p>
+                  </a:txBody>
+                  <a:tcPr marL="12700" marR="12700" marT="12700" marB="0" anchor="ctr" anchorCtr="1"/>
+                </a:tc>
+              </a:tr>
+              <a:tr h="447953">
+                <a:tc>
+                  <a:txBody>
+                    <a:bodyPr/>
+                    <a:lstStyle/>
+                    <a:p>
+                      <a:pPr algn="l" fontAlgn="b"/>
+                      <a:r>
+                        <a:rPr lang="en-US" sz="1800" u="none" strike="noStrike">
+                          <a:effectLst/>
+                        </a:rPr>
+                        <a:t>Inflammatory Conditions</a:t>
+                      </a:r>
+                      <a:endParaRPr lang="en-US" sz="1800" b="0" i="0" u="none" strike="noStrike">
+                        <a:solidFill>
+                          <a:srgbClr val="000000"/>
+                        </a:solidFill>
+                        <a:effectLst/>
+                        <a:latin typeface="Calibri"/>
+                      </a:endParaRPr>
+                    </a:p>
+                  </a:txBody>
+                  <a:tcPr marL="12700" marR="12700" marT="12700" marB="0" anchor="ctr"/>
+                </a:tc>
+                <a:tc>
+                  <a:txBody>
+                    <a:bodyPr/>
+                    <a:lstStyle/>
+                    <a:p>
+                      <a:pPr algn="r" fontAlgn="b"/>
+                      <a:r>
+                        <a:rPr lang="en-US" sz="1800" u="none" strike="noStrike">
+                          <a:effectLst/>
+                        </a:rPr>
+                        <a:t>2,212</a:t>
+                      </a:r>
+                      <a:endParaRPr lang="en-US" sz="1800" b="0" i="0" u="none" strike="noStrike">
+                        <a:solidFill>
+                          <a:srgbClr val="000000"/>
+                        </a:solidFill>
+                        <a:effectLst/>
+                        <a:latin typeface="Calibri"/>
+                      </a:endParaRPr>
+                    </a:p>
+                  </a:txBody>
+                  <a:tcPr marL="12700" marR="12700" marT="12700" marB="0" anchor="ctr" anchorCtr="1"/>
+                </a:tc>
+                <a:tc>
+                  <a:txBody>
+                    <a:bodyPr/>
+                    <a:lstStyle/>
+                    <a:p>
+                      <a:pPr algn="r" fontAlgn="b"/>
+                      <a:r>
+                        <a:rPr lang="en-US" sz="1800" u="none" strike="noStrike" dirty="0">
+                          <a:effectLst/>
+                        </a:rPr>
+                        <a:t>2,551</a:t>
+                      </a:r>
+                      <a:endParaRPr lang="en-US" sz="1800" b="0" i="0" u="none" strike="noStrike" dirty="0">
+                        <a:solidFill>
+                          <a:srgbClr val="000000"/>
+                        </a:solidFill>
+                        <a:effectLst/>
+                        <a:latin typeface="Calibri"/>
+                      </a:endParaRPr>
+                    </a:p>
+                  </a:txBody>
+                  <a:tcPr marL="12700" marR="12700" marT="12700" marB="0" anchor="ctr" anchorCtr="1"/>
+                </a:tc>
+                <a:tc>
+                  <a:txBody>
+                    <a:bodyPr/>
+                    <a:lstStyle/>
+                    <a:p>
+                      <a:pPr algn="r" fontAlgn="b"/>
+                      <a:r>
+                        <a:rPr lang="en-US" sz="1800" u="none" strike="noStrike" dirty="0">
+                          <a:effectLst/>
+                        </a:rPr>
+                        <a:t>15%</a:t>
+                      </a:r>
+                      <a:endParaRPr lang="en-US" sz="1800" b="0" i="0" u="none" strike="noStrike" dirty="0">
+                        <a:solidFill>
+                          <a:srgbClr val="000000"/>
+                        </a:solidFill>
+                        <a:effectLst/>
+                        <a:latin typeface="Calibri"/>
+                      </a:endParaRPr>
+                    </a:p>
+                  </a:txBody>
+                  <a:tcPr marL="12700" marR="12700" marT="12700" marB="0" anchor="ctr" anchorCtr="1"/>
+                </a:tc>
+              </a:tr>
+              <a:tr h="360704">
+                <a:tc>
+                  <a:txBody>
+                    <a:bodyPr/>
+                    <a:lstStyle/>
+                    <a:p>
+                      <a:pPr algn="l" fontAlgn="b"/>
+                      <a:r>
+                        <a:rPr lang="en-US" sz="1800" u="none" strike="noStrike">
+                          <a:effectLst/>
+                        </a:rPr>
+                        <a:t>HIV</a:t>
+                      </a:r>
+                      <a:endParaRPr lang="en-US" sz="1800" b="0" i="0" u="none" strike="noStrike">
+                        <a:solidFill>
+                          <a:srgbClr val="000000"/>
+                        </a:solidFill>
+                        <a:effectLst/>
+                        <a:latin typeface="Calibri"/>
+                      </a:endParaRPr>
+                    </a:p>
+                  </a:txBody>
+                  <a:tcPr marL="12700" marR="12700" marT="12700" marB="0" anchor="ctr"/>
+                </a:tc>
+                <a:tc>
+                  <a:txBody>
+                    <a:bodyPr/>
+                    <a:lstStyle/>
+                    <a:p>
+                      <a:pPr algn="r" fontAlgn="b"/>
+                      <a:r>
+                        <a:rPr lang="en-US" sz="1800" u="none" strike="noStrike">
+                          <a:effectLst/>
+                        </a:rPr>
+                        <a:t>947</a:t>
+                      </a:r>
+                      <a:endParaRPr lang="en-US" sz="1800" b="0" i="0" u="none" strike="noStrike">
+                        <a:solidFill>
+                          <a:srgbClr val="000000"/>
+                        </a:solidFill>
+                        <a:effectLst/>
+                        <a:latin typeface="Calibri"/>
+                      </a:endParaRPr>
+                    </a:p>
+                  </a:txBody>
+                  <a:tcPr marL="12700" marR="12700" marT="12700" marB="0" anchor="ctr" anchorCtr="1"/>
+                </a:tc>
+                <a:tc>
+                  <a:txBody>
+                    <a:bodyPr/>
+                    <a:lstStyle/>
+                    <a:p>
+                      <a:pPr algn="r" fontAlgn="b"/>
+                      <a:r>
+                        <a:rPr lang="en-US" sz="1800" u="none" strike="noStrike" dirty="0">
+                          <a:effectLst/>
+                        </a:rPr>
+                        <a:t>1,029</a:t>
+                      </a:r>
+                      <a:endParaRPr lang="en-US" sz="1800" b="0" i="0" u="none" strike="noStrike" dirty="0">
+                        <a:solidFill>
+                          <a:srgbClr val="000000"/>
+                        </a:solidFill>
+                        <a:effectLst/>
+                        <a:latin typeface="Calibri"/>
+                      </a:endParaRPr>
+                    </a:p>
+                  </a:txBody>
+                  <a:tcPr marL="12700" marR="12700" marT="12700" marB="0" anchor="ctr" anchorCtr="1"/>
+                </a:tc>
+                <a:tc>
+                  <a:txBody>
+                    <a:bodyPr/>
+                    <a:lstStyle/>
+                    <a:p>
+                      <a:pPr algn="r" fontAlgn="b"/>
+                      <a:r>
+                        <a:rPr lang="en-US" sz="1800" u="none" strike="noStrike" dirty="0">
+                          <a:effectLst/>
+                        </a:rPr>
+                        <a:t>9%</a:t>
+                      </a:r>
+                      <a:endParaRPr lang="en-US" sz="1800" b="0" i="0" u="none" strike="noStrike" dirty="0">
+                        <a:solidFill>
+                          <a:srgbClr val="000000"/>
+                        </a:solidFill>
+                        <a:effectLst/>
+                        <a:latin typeface="Calibri"/>
+                      </a:endParaRPr>
+                    </a:p>
+                  </a:txBody>
+                  <a:tcPr marL="12700" marR="12700" marT="12700" marB="0" anchor="ctr" anchorCtr="1"/>
+                </a:tc>
+              </a:tr>
+              <a:tr h="360704">
+                <a:tc>
+                  <a:txBody>
+                    <a:bodyPr/>
+                    <a:lstStyle/>
+                    <a:p>
+                      <a:pPr algn="l" fontAlgn="b"/>
+                      <a:r>
+                        <a:rPr lang="en-US" sz="1800" u="none" strike="noStrike">
+                          <a:effectLst/>
+                        </a:rPr>
+                        <a:t>Anticoagulants</a:t>
+                      </a:r>
+                      <a:endParaRPr lang="en-US" sz="1800" b="0" i="0" u="none" strike="noStrike">
+                        <a:solidFill>
+                          <a:srgbClr val="000000"/>
+                        </a:solidFill>
+                        <a:effectLst/>
+                        <a:latin typeface="Calibri"/>
+                      </a:endParaRPr>
+                    </a:p>
+                  </a:txBody>
+                  <a:tcPr marL="12700" marR="12700" marT="12700" marB="0" anchor="ctr"/>
+                </a:tc>
+                <a:tc>
+                  <a:txBody>
+                    <a:bodyPr/>
+                    <a:lstStyle/>
+                    <a:p>
+                      <a:pPr algn="r" fontAlgn="b"/>
+                      <a:r>
+                        <a:rPr lang="en-US" sz="1800" u="none" strike="noStrike">
+                          <a:effectLst/>
+                        </a:rPr>
+                        <a:t>985</a:t>
+                      </a:r>
+                      <a:endParaRPr lang="en-US" sz="1800" b="0" i="0" u="none" strike="noStrike">
+                        <a:solidFill>
+                          <a:srgbClr val="000000"/>
+                        </a:solidFill>
+                        <a:effectLst/>
+                        <a:latin typeface="Calibri"/>
+                      </a:endParaRPr>
+                    </a:p>
+                  </a:txBody>
+                  <a:tcPr marL="12700" marR="12700" marT="12700" marB="0" anchor="ctr" anchorCtr="1"/>
+                </a:tc>
+                <a:tc>
+                  <a:txBody>
+                    <a:bodyPr/>
+                    <a:lstStyle/>
+                    <a:p>
+                      <a:pPr algn="r" fontAlgn="b"/>
+                      <a:r>
+                        <a:rPr lang="en-US" sz="1800" u="none" strike="noStrike">
+                          <a:effectLst/>
+                        </a:rPr>
+                        <a:t>957</a:t>
+                      </a:r>
+                      <a:endParaRPr lang="en-US" sz="1800" b="0" i="0" u="none" strike="noStrike">
+                        <a:solidFill>
+                          <a:srgbClr val="000000"/>
+                        </a:solidFill>
+                        <a:effectLst/>
+                        <a:latin typeface="Calibri"/>
+                      </a:endParaRPr>
+                    </a:p>
+                  </a:txBody>
+                  <a:tcPr marL="12700" marR="12700" marT="12700" marB="0" anchor="ctr" anchorCtr="1"/>
+                </a:tc>
+                <a:tc>
+                  <a:txBody>
+                    <a:bodyPr/>
+                    <a:lstStyle/>
+                    <a:p>
+                      <a:pPr algn="r" fontAlgn="b"/>
+                      <a:r>
+                        <a:rPr lang="en-US" sz="1800" u="none" strike="noStrike" dirty="0">
+                          <a:effectLst/>
+                        </a:rPr>
+                        <a:t>-3%</a:t>
+                      </a:r>
+                      <a:endParaRPr lang="en-US" sz="1800" b="0" i="0" u="none" strike="noStrike" dirty="0">
+                        <a:solidFill>
+                          <a:srgbClr val="000000"/>
+                        </a:solidFill>
+                        <a:effectLst/>
+                        <a:latin typeface="Calibri"/>
+                      </a:endParaRPr>
+                    </a:p>
+                  </a:txBody>
+                  <a:tcPr marL="12700" marR="12700" marT="12700" marB="0" anchor="ctr" anchorCtr="1"/>
+                </a:tc>
+              </a:tr>
+              <a:tr h="360704">
+                <a:tc>
+                  <a:txBody>
+                    <a:bodyPr/>
+                    <a:lstStyle/>
+                    <a:p>
+                      <a:pPr algn="l" fontAlgn="b"/>
+                      <a:r>
+                        <a:rPr lang="en-US" sz="1800" u="none" strike="noStrike" dirty="0">
+                          <a:effectLst/>
+                        </a:rPr>
+                        <a:t>Transplant</a:t>
+                      </a:r>
+                      <a:endParaRPr lang="en-US" sz="1800" b="0" i="0" u="none" strike="noStrike" dirty="0">
+                        <a:solidFill>
+                          <a:srgbClr val="000000"/>
+                        </a:solidFill>
+                        <a:effectLst/>
+                        <a:latin typeface="Calibri"/>
+                      </a:endParaRPr>
+                    </a:p>
+                  </a:txBody>
+                  <a:tcPr marL="12700" marR="12700" marT="12700" marB="0" anchor="ctr"/>
+                </a:tc>
+                <a:tc>
+                  <a:txBody>
+                    <a:bodyPr/>
+                    <a:lstStyle/>
+                    <a:p>
+                      <a:pPr algn="r" fontAlgn="b"/>
+                      <a:r>
+                        <a:rPr lang="en-US" sz="1800" u="none" strike="noStrike">
+                          <a:effectLst/>
+                        </a:rPr>
+                        <a:t>286</a:t>
+                      </a:r>
+                      <a:endParaRPr lang="en-US" sz="1800" b="0" i="0" u="none" strike="noStrike">
+                        <a:solidFill>
+                          <a:srgbClr val="000000"/>
+                        </a:solidFill>
+                        <a:effectLst/>
+                        <a:latin typeface="Calibri"/>
+                      </a:endParaRPr>
+                    </a:p>
+                  </a:txBody>
+                  <a:tcPr marL="12700" marR="12700" marT="12700" marB="0" anchor="ctr" anchorCtr="1"/>
+                </a:tc>
+                <a:tc>
+                  <a:txBody>
+                    <a:bodyPr/>
+                    <a:lstStyle/>
+                    <a:p>
+                      <a:pPr algn="r" fontAlgn="b"/>
+                      <a:r>
+                        <a:rPr lang="en-US" sz="1800" u="none" strike="noStrike">
+                          <a:effectLst/>
+                        </a:rPr>
+                        <a:t>292</a:t>
+                      </a:r>
+                      <a:endParaRPr lang="en-US" sz="1800" b="0" i="0" u="none" strike="noStrike">
+                        <a:solidFill>
+                          <a:srgbClr val="000000"/>
+                        </a:solidFill>
+                        <a:effectLst/>
+                        <a:latin typeface="Calibri"/>
+                      </a:endParaRPr>
+                    </a:p>
+                  </a:txBody>
+                  <a:tcPr marL="12700" marR="12700" marT="12700" marB="0" anchor="ctr" anchorCtr="1"/>
+                </a:tc>
+                <a:tc>
+                  <a:txBody>
+                    <a:bodyPr/>
+                    <a:lstStyle/>
+                    <a:p>
+                      <a:pPr algn="r" fontAlgn="b"/>
+                      <a:r>
+                        <a:rPr lang="en-US" sz="1800" u="none" strike="noStrike" dirty="0">
+                          <a:effectLst/>
+                        </a:rPr>
+                        <a:t>2%</a:t>
+                      </a:r>
+                      <a:endParaRPr lang="en-US" sz="1800" b="0" i="0" u="none" strike="noStrike" dirty="0">
+                        <a:solidFill>
+                          <a:srgbClr val="000000"/>
+                        </a:solidFill>
+                        <a:effectLst/>
+                        <a:latin typeface="Calibri"/>
+                      </a:endParaRPr>
+                    </a:p>
+                  </a:txBody>
+                  <a:tcPr marL="12700" marR="12700" marT="12700" marB="0" anchor="ctr" anchorCtr="1"/>
+                </a:tc>
+              </a:tr>
+            </a:tbl>
+          </a:graphicData>
+        </a:graphic>
+      </p:graphicFrame>
     </p:spTree>
     <p:extLst>
       <p:ext uri="{BB962C8B-B14F-4D97-AF65-F5344CB8AC3E}">
@@ -7419,7 +10167,11 @@
           <a:p>
             <a:r>
               <a:rPr lang="en-US" dirty="0" smtClean="0"/>
-              <a:t>Top 10 Specialist Therapies</a:t>
+              <a:t>Top 10 Specialist </a:t>
+            </a:r>
+            <a:r>
+              <a:rPr lang="en-US" dirty="0" smtClean="0"/>
+              <a:t>Therapies – by Cost</a:t>
             </a:r>
             <a:endParaRPr lang="en-US" dirty="0"/>
           </a:p>
@@ -7464,14 +10216,14 @@
             <p:ph idx="1"/>
             <p:extLst>
               <p:ext uri="{D42A27DB-BD31-4B8C-83A1-F6EECF244321}">
-                <p14:modId xmlns:p14="http://schemas.microsoft.com/office/powerpoint/2010/main" val="377349786"/>
+                <p14:modId xmlns:p14="http://schemas.microsoft.com/office/powerpoint/2010/main" val="3627504243"/>
               </p:ext>
             </p:extLst>
           </p:nvPr>
         </p:nvGraphicFramePr>
         <p:xfrm>
-          <a:off x="2286000" y="1600200"/>
-          <a:ext cx="3291840" cy="4079240"/>
+          <a:off x="990600" y="1524000"/>
+          <a:ext cx="6477000" cy="4079240"/>
         </p:xfrm>
         <a:graphic>
           <a:graphicData uri="http://schemas.openxmlformats.org/drawingml/2006/table">
@@ -7480,8 +10232,9 @@
                 <a:tableStyleId>{5C22544A-7EE6-4342-B048-85BDC9FD1C3A}</a:tableStyleId>
               </a:tblPr>
               <a:tblGrid>
-                <a:gridCol w="1645920"/>
-                <a:gridCol w="1645920"/>
+                <a:gridCol w="1600200"/>
+                <a:gridCol w="2717800"/>
+                <a:gridCol w="2159000"/>
               </a:tblGrid>
               <a:tr h="370840">
                 <a:tc>
@@ -7505,6 +10258,20 @@
                     <a:p>
                       <a:r>
                         <a:rPr lang="en-US" dirty="0" smtClean="0"/>
+                        <a:t>Company</a:t>
+                      </a:r>
+                      <a:endParaRPr lang="en-US" dirty="0"/>
+                    </a:p>
+                  </a:txBody>
+                  <a:tcPr/>
+                </a:tc>
+                <a:tc>
+                  <a:txBody>
+                    <a:bodyPr/>
+                    <a:lstStyle/>
+                    <a:p>
+                      <a:r>
+                        <a:rPr lang="en-US" dirty="0" smtClean="0"/>
                         <a:t>Cost (p.a.)</a:t>
                       </a:r>
                       <a:endParaRPr lang="en-US" dirty="0"/>
@@ -7534,6 +10301,20 @@
                     <a:lstStyle/>
                     <a:p>
                       <a:r>
+                        <a:rPr lang="en-US" sz="1800" dirty="0" err="1" smtClean="0"/>
+                        <a:t>Alexion</a:t>
+                      </a:r>
+                      <a:endParaRPr lang="en-US" dirty="0"/>
+                    </a:p>
+                  </a:txBody>
+                  <a:tcPr/>
+                </a:tc>
+                <a:tc>
+                  <a:txBody>
+                    <a:bodyPr/>
+                    <a:lstStyle/>
+                    <a:p>
+                      <a:r>
                         <a:rPr lang="en-US" dirty="0" smtClean="0"/>
                         <a:t>409,500</a:t>
                       </a:r>
@@ -7565,6 +10346,20 @@
                     <a:p>
                       <a:r>
                         <a:rPr lang="en-US" dirty="0" smtClean="0"/>
+                        <a:t>Shire</a:t>
+                      </a:r>
+                      <a:endParaRPr lang="en-US" dirty="0"/>
+                    </a:p>
+                  </a:txBody>
+                  <a:tcPr/>
+                </a:tc>
+                <a:tc>
+                  <a:txBody>
+                    <a:bodyPr/>
+                    <a:lstStyle/>
+                    <a:p>
+                      <a:r>
+                        <a:rPr lang="en-US" dirty="0" smtClean="0"/>
                         <a:t>375,000</a:t>
                       </a:r>
                       <a:endParaRPr lang="en-US" dirty="0"/>
@@ -7594,6 +10389,20 @@
                     <a:lstStyle/>
                     <a:p>
                       <a:r>
+                        <a:rPr lang="en-US" dirty="0" err="1" smtClean="0"/>
+                        <a:t>Bbiomarin</a:t>
+                      </a:r>
+                      <a:endParaRPr lang="en-US" dirty="0"/>
+                    </a:p>
+                  </a:txBody>
+                  <a:tcPr/>
+                </a:tc>
+                <a:tc>
+                  <a:txBody>
+                    <a:bodyPr/>
+                    <a:lstStyle/>
+                    <a:p>
+                      <a:r>
                         <a:rPr lang="en-US" dirty="0" smtClean="0"/>
                         <a:t>365,000</a:t>
                       </a:r>
@@ -7624,6 +10433,20 @@
                     <a:lstStyle/>
                     <a:p>
                       <a:r>
+                        <a:rPr lang="en-US" dirty="0" err="1" smtClean="0"/>
+                        <a:t>ViroPharma</a:t>
+                      </a:r>
+                      <a:endParaRPr lang="en-US" dirty="0"/>
+                    </a:p>
+                  </a:txBody>
+                  <a:tcPr/>
+                </a:tc>
+                <a:tc>
+                  <a:txBody>
+                    <a:bodyPr/>
+                    <a:lstStyle/>
+                    <a:p>
+                      <a:r>
                         <a:rPr lang="en-US" dirty="0" smtClean="0"/>
                         <a:t>350,000</a:t>
                       </a:r>
@@ -7654,6 +10477,24 @@
                     <a:lstStyle/>
                     <a:p>
                       <a:r>
+                        <a:rPr lang="en-US" dirty="0" err="1" smtClean="0"/>
+                        <a:t>Allos</a:t>
+                      </a:r>
+                      <a:r>
+                        <a:rPr lang="en-US" dirty="0" smtClean="0"/>
+                        <a:t> Therapeutics</a:t>
+                      </a:r>
+                      <a:endParaRPr lang="en-US" dirty="0"/>
+                    </a:p>
+                  </a:txBody>
+                  <a:tcPr/>
+                </a:tc>
+                <a:tc>
+                  <a:txBody>
+                    <a:bodyPr/>
+                    <a:lstStyle/>
+                    <a:p>
+                      <a:r>
                         <a:rPr lang="en-US" dirty="0" smtClean="0"/>
                         <a:t>360,000</a:t>
                       </a:r>
@@ -7684,6 +10525,20 @@
                     <a:lstStyle/>
                     <a:p>
                       <a:r>
+                        <a:rPr lang="en-US" dirty="0" err="1" smtClean="0"/>
+                        <a:t>Sanofi</a:t>
+                      </a:r>
+                      <a:endParaRPr lang="en-US" dirty="0"/>
+                    </a:p>
+                  </a:txBody>
+                  <a:tcPr/>
+                </a:tc>
+                <a:tc>
+                  <a:txBody>
+                    <a:bodyPr/>
+                    <a:lstStyle/>
+                    <a:p>
+                      <a:r>
                         <a:rPr lang="en-US" dirty="0" smtClean="0"/>
                         <a:t>300,000</a:t>
                       </a:r>
@@ -7714,6 +10569,20 @@
                     <a:lstStyle/>
                     <a:p>
                       <a:r>
+                        <a:rPr lang="en-US" dirty="0" err="1" smtClean="0"/>
+                        <a:t>Questcor</a:t>
+                      </a:r>
+                      <a:endParaRPr lang="en-US" dirty="0"/>
+                    </a:p>
+                  </a:txBody>
+                  <a:tcPr/>
+                </a:tc>
+                <a:tc>
+                  <a:txBody>
+                    <a:bodyPr/>
+                    <a:lstStyle/>
+                    <a:p>
+                      <a:r>
                         <a:rPr lang="en-US" dirty="0" smtClean="0"/>
                         <a:t>300,000</a:t>
                       </a:r>
@@ -7744,6 +10613,20 @@
                     <a:lstStyle/>
                     <a:p>
                       <a:r>
+                        <a:rPr lang="en-US" dirty="0" err="1" smtClean="0"/>
+                        <a:t>Regeneron</a:t>
+                      </a:r>
+                      <a:endParaRPr lang="en-US" dirty="0"/>
+                    </a:p>
+                  </a:txBody>
+                  <a:tcPr/>
+                </a:tc>
+                <a:tc>
+                  <a:txBody>
+                    <a:bodyPr/>
+                    <a:lstStyle/>
+                    <a:p>
+                      <a:r>
                         <a:rPr lang="en-US" dirty="0" smtClean="0"/>
                         <a:t>250,000</a:t>
                       </a:r>
@@ -7775,6 +10658,24 @@
                     <a:p>
                       <a:r>
                         <a:rPr lang="en-US" dirty="0" smtClean="0"/>
+                        <a:t>Genzyme/</a:t>
+                      </a:r>
+                      <a:r>
+                        <a:rPr lang="en-US" dirty="0" err="1" smtClean="0"/>
+                        <a:t>Sanofi</a:t>
+                      </a:r>
+                      <a:endParaRPr lang="en-US" dirty="0"/>
+                    </a:p>
+                  </a:txBody>
+                  <a:tcPr/>
+                </a:tc>
+                <a:tc>
+                  <a:txBody>
+                    <a:bodyPr/>
+                    <a:lstStyle/>
+                    <a:p>
+                      <a:r>
+                        <a:rPr lang="en-US" dirty="0" smtClean="0"/>
                         <a:t>200,000</a:t>
                       </a:r>
                       <a:endParaRPr lang="en-US" dirty="0"/>
@@ -7794,6 +10695,41 @@
                         <a:t>Fabrazyme</a:t>
                       </a:r>
                       <a:endParaRPr lang="en-US" dirty="0"/>
+                    </a:p>
+                  </a:txBody>
+                  <a:tcPr/>
+                </a:tc>
+                <a:tc>
+                  <a:txBody>
+                    <a:bodyPr/>
+                    <a:lstStyle/>
+                    <a:p>
+                      <a:pPr marL="0" marR="0" indent="0" algn="l" defTabSz="914400" rtl="0" eaLnBrk="1" fontAlgn="auto" latinLnBrk="0" hangingPunct="1">
+                        <a:lnSpc>
+                          <a:spcPct val="100000"/>
+                        </a:lnSpc>
+                        <a:spcBef>
+                          <a:spcPts val="0"/>
+                        </a:spcBef>
+                        <a:spcAft>
+                          <a:spcPts val="0"/>
+                        </a:spcAft>
+                        <a:buClrTx/>
+                        <a:buSzTx/>
+                        <a:buFontTx/>
+                        <a:buNone/>
+                        <a:tabLst/>
+                        <a:defRPr/>
+                      </a:pPr>
+                      <a:r>
+                        <a:rPr lang="en-US" dirty="0" smtClean="0"/>
+                        <a:t>Genzyme/</a:t>
+                      </a:r>
+                      <a:r>
+                        <a:rPr lang="en-US" dirty="0" err="1" smtClean="0"/>
+                        <a:t>Sanofi</a:t>
+                      </a:r>
+                      <a:endParaRPr lang="en-US" dirty="0" smtClean="0"/>
                     </a:p>
                   </a:txBody>
                   <a:tcPr/>
